--- a/#5_Python_Functions_Modules_Package.pptx
+++ b/#5_Python_Functions_Modules_Package.pptx
@@ -6,10 +6,10 @@
     <p:sldMasterId id="2147483665" r:id="rId2"/>
   </p:sldMasterIdLst>
   <p:notesMasterIdLst>
-    <p:notesMasterId r:id="rId20"/>
+    <p:notesMasterId r:id="rId27"/>
   </p:notesMasterIdLst>
   <p:handoutMasterIdLst>
-    <p:handoutMasterId r:id="rId21"/>
+    <p:handoutMasterId r:id="rId28"/>
   </p:handoutMasterIdLst>
   <p:sldIdLst>
     <p:sldId id="307" r:id="rId3"/>
@@ -27,8 +27,15 @@
     <p:sldId id="348" r:id="rId15"/>
     <p:sldId id="349" r:id="rId16"/>
     <p:sldId id="350" r:id="rId17"/>
-    <p:sldId id="351" r:id="rId18"/>
-    <p:sldId id="352" r:id="rId19"/>
+    <p:sldId id="353" r:id="rId18"/>
+    <p:sldId id="354" r:id="rId19"/>
+    <p:sldId id="355" r:id="rId20"/>
+    <p:sldId id="356" r:id="rId21"/>
+    <p:sldId id="357" r:id="rId22"/>
+    <p:sldId id="359" r:id="rId23"/>
+    <p:sldId id="358" r:id="rId24"/>
+    <p:sldId id="351" r:id="rId25"/>
+    <p:sldId id="352" r:id="rId26"/>
   </p:sldIdLst>
   <p:sldSz cx="12192000" cy="6858000"/>
   <p:notesSz cx="6858000" cy="9144000"/>
@@ -324,7 +331,7 @@
                 <a:ea typeface="SimSun" panose="02010600030101010101" pitchFamily="2" charset="-122"/>
                 <a:cs typeface="+mn-cs"/>
               </a:rPr>
-              <a:t>2021/10/11</a:t>
+              <a:t>2021/10/20</a:t>
             </a:fld>
             <a:endParaRPr lang="zh-CN" altLang="en-US" strike="noStrike" noProof="1"/>
           </a:p>
@@ -10540,7 +10547,7 @@
         </p:nvSpPr>
         <p:spPr>
           <a:xfrm rot="19088536">
-            <a:off x="7283450" y="-541337"/>
+            <a:off x="7283450" y="-526823"/>
             <a:ext cx="2414588" cy="9158288"/>
           </a:xfrm>
           <a:custGeom>
@@ -15438,7 +15445,7 @@
           <p:nvPr/>
         </p:nvPicPr>
         <p:blipFill>
-          <a:blip r:embed="rId4"/>
+          <a:blip r:embed="rId2"/>
           <a:stretch>
             <a:fillRect/>
           </a:stretch>
@@ -15455,54 +15462,14 @@
       </p:pic>
       <p:sp>
         <p:nvSpPr>
-          <p:cNvPr id="18436" name="文本框 8"/>
-          <p:cNvSpPr txBox="1"/>
-          <p:nvPr/>
-        </p:nvSpPr>
-        <p:spPr>
-          <a:xfrm>
-            <a:off x="127953" y="207328"/>
-            <a:ext cx="4249420" cy="706755"/>
-          </a:xfrm>
-          <a:prstGeom prst="rect">
-            <a:avLst/>
-          </a:prstGeom>
-          <a:noFill/>
-          <a:ln w="9525">
-            <a:noFill/>
-          </a:ln>
-        </p:spPr>
-        <p:txBody>
-          <a:bodyPr wrap="none" anchor="t">
-            <a:spAutoFit/>
-          </a:bodyPr>
-          <a:lstStyle/>
-          <a:p>
-            <a:pPr lvl="0" algn="l"/>
-            <a:r>
-              <a:rPr lang="en-US" altLang="zh-CN" sz="4000" b="1" dirty="0">
-                <a:solidFill>
-                  <a:srgbClr val="262626"/>
-                </a:solidFill>
-                <a:latin typeface="Arial" panose="020B0604020202020204" pitchFamily="34" charset="0"/>
-                <a:ea typeface="Microsoft YaHei" panose="020B0503020204020204" pitchFamily="34" charset="-122"/>
-                <a:sym typeface="+mn-ea"/>
-              </a:rPr>
-              <a:t>Python Package </a:t>
-            </a:r>
-          </a:p>
-        </p:txBody>
-      </p:sp>
-      <p:sp>
-        <p:nvSpPr>
           <p:cNvPr id="4" name="Text Box 3"/>
           <p:cNvSpPr txBox="1"/>
           <p:nvPr/>
         </p:nvSpPr>
         <p:spPr>
           <a:xfrm>
-            <a:off x="408940" y="1402715"/>
-            <a:ext cx="11374755" cy="2306955"/>
+            <a:off x="133985" y="216535"/>
+            <a:ext cx="5380355" cy="645160"/>
           </a:xfrm>
           <a:prstGeom prst="rect">
             <a:avLst/>
@@ -15516,135 +15483,169 @@
           <a:lstStyle/>
           <a:p>
             <a:r>
-              <a:rPr lang="en-US" sz="2400"/>
-              <a:t>The packages in python facilitate the developer with the application development environment by providing a</a:t>
-            </a:r>
-            <a:r>
-              <a:rPr lang="en-US" sz="2400" b="1"/>
-              <a:t> hierarchical directory structure</a:t>
-            </a:r>
-            <a:r>
-              <a:rPr lang="en-US" sz="2400"/>
-              <a:t> where a package contains sub-packages, modules, and sub-modules.</a:t>
-            </a:r>
-          </a:p>
-          <a:p>
-            <a:r>
-              <a:rPr lang="en-US" sz="2400" b="1"/>
-              <a:t>A directory must contain a file named __init__.py in order for Python to consider it as a package. This file can be left empty but we generally place the initialization code for that package in this file.</a:t>
-            </a:r>
-          </a:p>
-        </p:txBody>
-      </p:sp>
-      <p:graphicFrame>
-        <p:nvGraphicFramePr>
-          <p:cNvPr id="6" name="Object 5"/>
-          <p:cNvGraphicFramePr/>
+              <a:rPr lang="en-US" sz="3600"/>
+              <a:t>Python Date and Time</a:t>
+            </a:r>
+          </a:p>
+        </p:txBody>
+      </p:sp>
+      <p:sp>
+        <p:nvSpPr>
+          <p:cNvPr id="6" name="Text Box 5"/>
+          <p:cNvSpPr txBox="1"/>
           <p:nvPr/>
-        </p:nvGraphicFramePr>
-        <p:xfrm>
-          <a:off x="549275" y="3709670"/>
-          <a:ext cx="11500485" cy="3015615"/>
-        </p:xfrm>
-        <a:graphic>
-          <a:graphicData uri="http://schemas.openxmlformats.org/presentationml/2006/ole">
-            <mc:AlternateContent xmlns:mc="http://schemas.openxmlformats.org/markup-compatibility/2006">
-              <mc:Choice xmlns:v="urn:schemas-microsoft-com:vml" Requires="v">
-                <p:oleObj spid="_x0000_s12305" r:id="rId5" imgW="7477125" imgH="3143250" progId="Paint.Picture">
-                  <p:embed/>
-                </p:oleObj>
-              </mc:Choice>
-              <mc:Fallback>
-                <p:oleObj r:id="rId5" imgW="7477125" imgH="3143250" progId="Paint.Picture">
-                  <p:embed/>
-                  <p:pic>
-                    <p:nvPicPr>
-                      <p:cNvPr id="0" name=""/>
-                      <p:cNvPicPr/>
-                      <p:nvPr/>
-                    </p:nvPicPr>
-                    <p:blipFill>
-                      <a:blip r:embed="rId6"/>
-                      <a:stretch>
-                        <a:fillRect/>
-                      </a:stretch>
-                    </p:blipFill>
-                    <p:spPr>
-                      <a:xfrm>
-                        <a:off x="549275" y="3709670"/>
-                        <a:ext cx="11500485" cy="3015615"/>
-                      </a:xfrm>
-                      <a:prstGeom prst="rect">
-                        <a:avLst/>
-                      </a:prstGeom>
-                    </p:spPr>
-                  </p:pic>
-                </p:oleObj>
-              </mc:Fallback>
-            </mc:AlternateContent>
-          </a:graphicData>
-        </a:graphic>
-      </p:graphicFrame>
-      <p:sp>
-        <p:nvSpPr>
-          <p:cNvPr id="9" name="Rectangle 8"/>
-          <p:cNvSpPr/>
-          <p:nvPr/>
         </p:nvSpPr>
         <p:spPr>
           <a:xfrm>
-            <a:off x="7801027" y="6445352"/>
-            <a:ext cx="4319853" cy="369332"/>
+            <a:off x="519430" y="1321435"/>
+            <a:ext cx="11153140" cy="460375"/>
           </a:xfrm>
           <a:prstGeom prst="rect">
             <a:avLst/>
           </a:prstGeom>
-        </p:spPr>
-        <p:txBody>
-          <a:bodyPr wrap="square">
+          <a:noFill/>
+        </p:spPr>
+        <p:txBody>
+          <a:bodyPr wrap="square" rtlCol="0" anchor="t">
             <a:spAutoFit/>
           </a:bodyPr>
           <a:lstStyle/>
           <a:p>
-            <a:pPr algn="ctr"/>
-            <a:r>
-              <a:rPr lang="en-US" dirty="0">
-                <a:latin typeface="Verdana" panose="020B0604030504040204" pitchFamily="34" charset="0"/>
-                <a:ea typeface="Verdana" panose="020B0604030504040204" pitchFamily="34" charset="0"/>
-              </a:rPr>
-              <a:t>Python </a:t>
-            </a:r>
-            <a:r>
-              <a:rPr lang="en-US" dirty="0" smtClean="0">
-                <a:latin typeface="Verdana" panose="020B0604030504040204" pitchFamily="34" charset="0"/>
-                <a:ea typeface="Verdana" panose="020B0604030504040204" pitchFamily="34" charset="0"/>
-              </a:rPr>
-              <a:t>Function-Modules-Packages</a:t>
-            </a:r>
-            <a:endParaRPr lang="en-US" dirty="0">
-              <a:latin typeface="Verdana" panose="020B0604030504040204" pitchFamily="34" charset="0"/>
-              <a:ea typeface="Verdana" panose="020B0604030504040204" pitchFamily="34" charset="0"/>
-            </a:endParaRPr>
+            <a:r>
+              <a:rPr lang="en-US" sz="2400"/>
+              <a:t>Python has a module named datetime to work with dates and times.</a:t>
+            </a:r>
+          </a:p>
+        </p:txBody>
+      </p:sp>
+      <p:sp>
+        <p:nvSpPr>
+          <p:cNvPr id="7" name="Text Box 6"/>
+          <p:cNvSpPr txBox="1"/>
+          <p:nvPr/>
+        </p:nvSpPr>
+        <p:spPr>
+          <a:xfrm>
+            <a:off x="699135" y="2275205"/>
+            <a:ext cx="11091545" cy="2306955"/>
+          </a:xfrm>
+          <a:prstGeom prst="rect">
+            <a:avLst/>
+          </a:prstGeom>
+          <a:noFill/>
+        </p:spPr>
+        <p:txBody>
+          <a:bodyPr wrap="square" rtlCol="0" anchor="t">
+            <a:spAutoFit/>
+          </a:bodyPr>
+          <a:lstStyle/>
+          <a:p>
+            <a:r>
+              <a:rPr lang="en-US" sz="2400"/>
+              <a:t>Commonly used classes in the datetime module are:</a:t>
+            </a:r>
+          </a:p>
+          <a:p>
+            <a:endParaRPr lang="en-US" sz="2400"/>
+          </a:p>
+          <a:p>
+            <a:pPr marL="342900" indent="-342900">
+              <a:buFont typeface="Wingdings" panose="05000000000000000000" charset="0"/>
+              <a:buChar char="Ø"/>
+            </a:pPr>
+            <a:r>
+              <a:rPr lang="en-US" sz="2400"/>
+              <a:t>    date Class</a:t>
+            </a:r>
+          </a:p>
+          <a:p>
+            <a:pPr marL="342900" indent="-342900">
+              <a:buFont typeface="Wingdings" panose="05000000000000000000" charset="0"/>
+              <a:buChar char="Ø"/>
+            </a:pPr>
+            <a:r>
+              <a:rPr lang="en-US" sz="2400"/>
+              <a:t>    time Class</a:t>
+            </a:r>
+          </a:p>
+          <a:p>
+            <a:pPr marL="342900" indent="-342900">
+              <a:buFont typeface="Wingdings" panose="05000000000000000000" charset="0"/>
+              <a:buChar char="Ø"/>
+            </a:pPr>
+            <a:r>
+              <a:rPr lang="en-US" sz="2400"/>
+              <a:t>    datetime Class</a:t>
+            </a:r>
+          </a:p>
+          <a:p>
+            <a:pPr marL="342900" indent="-342900">
+              <a:buFont typeface="Wingdings" panose="05000000000000000000" charset="0"/>
+              <a:buChar char="Ø"/>
+            </a:pPr>
+            <a:r>
+              <a:rPr lang="en-US" sz="2400"/>
+              <a:t>    timedelta Class</a:t>
+            </a:r>
+          </a:p>
+        </p:txBody>
+      </p:sp>
+      <p:sp>
+        <p:nvSpPr>
+          <p:cNvPr id="9" name="Text Box 8"/>
+          <p:cNvSpPr txBox="1"/>
+          <p:nvPr/>
+        </p:nvSpPr>
+        <p:spPr>
+          <a:xfrm>
+            <a:off x="518795" y="4582160"/>
+            <a:ext cx="11271885" cy="1568450"/>
+          </a:xfrm>
+          <a:prstGeom prst="rect">
+            <a:avLst/>
+          </a:prstGeom>
+          <a:noFill/>
+        </p:spPr>
+        <p:txBody>
+          <a:bodyPr wrap="square" rtlCol="0" anchor="t">
+            <a:spAutoFit/>
+          </a:bodyPr>
+          <a:lstStyle/>
+          <a:p>
+            <a:pPr marL="342900" indent="-342900">
+              <a:buFont typeface="Wingdings" panose="05000000000000000000" charset="0"/>
+              <a:buChar char="Ø"/>
+            </a:pPr>
+            <a:r>
+              <a:rPr lang="en-US" sz="2400" b="1"/>
+              <a:t>The strftime() method returns a string representing date and time using date, time or datetime object.</a:t>
+            </a:r>
+          </a:p>
+          <a:p>
+            <a:endParaRPr lang="en-US" sz="2400" b="1"/>
+          </a:p>
+          <a:p>
+            <a:pPr marL="342900" indent="-342900">
+              <a:buFont typeface="Wingdings" panose="05000000000000000000" charset="0"/>
+              <a:buChar char="Ø"/>
+            </a:pPr>
+            <a:r>
+              <a:rPr lang="en-US" sz="2400" b="1"/>
+              <a:t>The strptime() method creates a datetime object from a given string.</a:t>
+            </a:r>
           </a:p>
         </p:txBody>
       </p:sp>
     </p:spTree>
     <p:extLst>
       <p:ext uri="{BB962C8B-B14F-4D97-AF65-F5344CB8AC3E}">
-        <p14:creationId xmlns:p14="http://schemas.microsoft.com/office/powerpoint/2010/main" val="147953526"/>
+        <p14:creationId xmlns:p14="http://schemas.microsoft.com/office/powerpoint/2010/main" val="3094172332"/>
       </p:ext>
     </p:extLst>
   </p:cSld>
   <p:clrMapOvr>
     <a:masterClrMapping/>
   </p:clrMapOvr>
-  <p:timing>
-    <p:tnLst>
-      <p:par>
-        <p:cTn id="1" dur="indefinite" restart="never" nodeType="tmRoot"/>
-      </p:par>
-    </p:tnLst>
-  </p:timing>
 </p:sld>
 </file>
 
@@ -16046,14 +16047,14 @@
           <p:nvPr/>
         </p:nvPicPr>
         <p:blipFill>
-          <a:blip r:embed="rId2"/>
+          <a:blip r:embed="rId3"/>
           <a:stretch>
             <a:fillRect/>
           </a:stretch>
         </p:blipFill>
         <p:spPr>
           <a:xfrm>
-            <a:off x="8509000" y="361315"/>
+            <a:off x="8509000" y="-178435"/>
             <a:ext cx="3683000" cy="1041400"/>
           </a:xfrm>
           <a:prstGeom prst="rect">
@@ -16061,145 +16062,80 @@
           </a:prstGeom>
         </p:spPr>
       </p:pic>
-      <p:sp>
-        <p:nvSpPr>
-          <p:cNvPr id="62468" name="文本框 8"/>
+      <p:graphicFrame>
+        <p:nvGraphicFramePr>
+          <p:cNvPr id="4" name="Object 3"/>
+          <p:cNvGraphicFramePr/>
+          <p:nvPr/>
+        </p:nvGraphicFramePr>
+        <p:xfrm>
+          <a:off x="107315" y="635000"/>
+          <a:ext cx="11962130" cy="6156960"/>
+        </p:xfrm>
+        <a:graphic>
+          <a:graphicData uri="http://schemas.openxmlformats.org/presentationml/2006/ole">
+            <mc:AlternateContent xmlns:mc="http://schemas.openxmlformats.org/markup-compatibility/2006">
+              <mc:Choice xmlns:v="urn:schemas-microsoft-com:vml" Requires="v">
+                <p:oleObj spid="_x0000_s13320" r:id="rId4" imgW="7172325" imgH="5019675" progId="Paint.Picture">
+                  <p:embed/>
+                </p:oleObj>
+              </mc:Choice>
+              <mc:Fallback>
+                <p:oleObj r:id="rId4" imgW="7172325" imgH="5019675" progId="Paint.Picture">
+                  <p:embed/>
+                  <p:pic>
+                    <p:nvPicPr>
+                      <p:cNvPr id="0" name=""/>
+                      <p:cNvPicPr/>
+                      <p:nvPr/>
+                    </p:nvPicPr>
+                    <p:blipFill>
+                      <a:blip r:embed="rId5"/>
+                      <a:stretch>
+                        <a:fillRect/>
+                      </a:stretch>
+                    </p:blipFill>
+                    <p:spPr>
+                      <a:xfrm>
+                        <a:off x="107315" y="635000"/>
+                        <a:ext cx="11962130" cy="6156960"/>
+                      </a:xfrm>
+                      <a:prstGeom prst="rect">
+                        <a:avLst/>
+                      </a:prstGeom>
+                    </p:spPr>
+                  </p:pic>
+                </p:oleObj>
+              </mc:Fallback>
+            </mc:AlternateContent>
+          </a:graphicData>
+        </a:graphic>
+      </p:graphicFrame>
+      <p:sp>
+        <p:nvSpPr>
+          <p:cNvPr id="7" name="Text Box 6"/>
           <p:cNvSpPr txBox="1"/>
           <p:nvPr/>
         </p:nvSpPr>
         <p:spPr>
           <a:xfrm>
-            <a:off x="785047" y="2269932"/>
-            <a:ext cx="4802187" cy="1014412"/>
+            <a:off x="229870" y="-10160"/>
+            <a:ext cx="7230110" cy="645160"/>
           </a:xfrm>
           <a:prstGeom prst="rect">
             <a:avLst/>
           </a:prstGeom>
           <a:noFill/>
-          <a:ln w="9525">
-            <a:noFill/>
-          </a:ln>
-        </p:spPr>
-        <p:txBody>
-          <a:bodyPr anchor="t">
+        </p:spPr>
+        <p:txBody>
+          <a:bodyPr wrap="square" rtlCol="0" anchor="t">
             <a:spAutoFit/>
           </a:bodyPr>
           <a:lstStyle/>
           <a:p>
-            <a:pPr algn="dist" defTabSz="914400"/>
-            <a:r>
-              <a:rPr lang="en-US" altLang="zh-CN" sz="6000" b="1" dirty="0">
-                <a:solidFill>
-                  <a:srgbClr val="262626"/>
-                </a:solidFill>
-                <a:latin typeface="Arial" panose="020B0604020202020204" pitchFamily="34" charset="0"/>
-                <a:ea typeface="Microsoft YaHei" panose="020B0503020204020204" pitchFamily="34" charset="-122"/>
-                <a:sym typeface="Arial" panose="020B0604020202020204" pitchFamily="34" charset="0"/>
-              </a:rPr>
-              <a:t>THANKS</a:t>
-            </a:r>
-          </a:p>
-        </p:txBody>
-      </p:sp>
-      <p:sp>
-        <p:nvSpPr>
-          <p:cNvPr id="11" name="文本框 9"/>
-          <p:cNvSpPr txBox="1"/>
-          <p:nvPr/>
-        </p:nvSpPr>
-        <p:spPr>
-          <a:xfrm>
-            <a:off x="5861050" y="4197180"/>
-            <a:ext cx="5726439" cy="461665"/>
-          </a:xfrm>
-          <a:prstGeom prst="rect">
-            <a:avLst/>
-          </a:prstGeom>
-          <a:noFill/>
-          <a:ln w="9525">
-            <a:noFill/>
-          </a:ln>
-        </p:spPr>
-        <p:txBody>
-          <a:bodyPr wrap="none" anchor="t">
-            <a:spAutoFit/>
-          </a:bodyPr>
-          <a:lstStyle/>
-          <a:p>
-            <a:r>
-              <a:rPr lang="en-US" altLang="zh-CN" sz="2400" b="1" dirty="0">
-                <a:solidFill>
-                  <a:srgbClr val="262626"/>
-                </a:solidFill>
-                <a:latin typeface="Verdana" panose="020B0604030504040204" pitchFamily="34" charset="0"/>
-                <a:ea typeface="Verdana" panose="020B0604030504040204" pitchFamily="34" charset="0"/>
-                <a:sym typeface="Arial" panose="020B0604020202020204" pitchFamily="34" charset="0"/>
-              </a:rPr>
-              <a:t>instructor: </a:t>
-            </a:r>
-            <a:r>
-              <a:rPr lang="en-US" altLang="zh-CN" sz="2400" dirty="0" smtClean="0">
-                <a:solidFill>
-                  <a:srgbClr val="262626"/>
-                </a:solidFill>
-                <a:latin typeface="Verdana" panose="020B0604030504040204" pitchFamily="34" charset="0"/>
-                <a:ea typeface="Verdana" panose="020B0604030504040204" pitchFamily="34" charset="0"/>
-                <a:sym typeface="Arial" panose="020B0604020202020204" pitchFamily="34" charset="0"/>
-              </a:rPr>
-              <a:t>Anirudha </a:t>
-            </a:r>
-            <a:r>
-              <a:rPr lang="en-US" altLang="zh-CN" sz="2400" dirty="0">
-                <a:solidFill>
-                  <a:srgbClr val="262626"/>
-                </a:solidFill>
-                <a:latin typeface="Verdana" panose="020B0604030504040204" pitchFamily="34" charset="0"/>
-                <a:ea typeface="Verdana" panose="020B0604030504040204" pitchFamily="34" charset="0"/>
-                <a:sym typeface="Arial" panose="020B0604020202020204" pitchFamily="34" charset="0"/>
-              </a:rPr>
-              <a:t>Anil Gaikwad</a:t>
-            </a:r>
-            <a:r>
-              <a:rPr lang="zh-CN" altLang="en-US" sz="2400" dirty="0">
-                <a:solidFill>
-                  <a:srgbClr val="262626"/>
-                </a:solidFill>
-                <a:latin typeface="Verdana" panose="020B0604030504040204" pitchFamily="34" charset="0"/>
-                <a:ea typeface="Microsoft YaHei" panose="020B0503020204020204" pitchFamily="34" charset="-122"/>
-                <a:sym typeface="Arial" panose="020B0604020202020204" pitchFamily="34" charset="0"/>
-              </a:rPr>
-              <a:t> </a:t>
-            </a:r>
-          </a:p>
-        </p:txBody>
-      </p:sp>
-      <p:sp>
-        <p:nvSpPr>
-          <p:cNvPr id="13" name="Rectangle 12"/>
-          <p:cNvSpPr/>
-          <p:nvPr/>
-        </p:nvSpPr>
-        <p:spPr>
-          <a:xfrm>
-            <a:off x="9391233" y="6488668"/>
-            <a:ext cx="2800767" cy="369332"/>
-          </a:xfrm>
-          <a:prstGeom prst="rect">
-            <a:avLst/>
-          </a:prstGeom>
-        </p:spPr>
-        <p:txBody>
-          <a:bodyPr wrap="none">
-            <a:spAutoFit/>
-          </a:bodyPr>
-          <a:lstStyle/>
-          <a:p>
-            <a:r>
-              <a:rPr lang="en-US" dirty="0">
-                <a:latin typeface="Verdana" panose="020B0604030504040204" pitchFamily="34" charset="0"/>
-                <a:ea typeface="Verdana" panose="020B0604030504040204" pitchFamily="34" charset="0"/>
-              </a:rPr>
-              <a:t>Introduction to Python</a:t>
+            <a:r>
+              <a:rPr lang="en-US" sz="3600"/>
+              <a:t>Format Code List (strftime())</a:t>
             </a:r>
           </a:p>
         </p:txBody>
@@ -16207,24 +16143,17 @@
     </p:spTree>
     <p:extLst>
       <p:ext uri="{BB962C8B-B14F-4D97-AF65-F5344CB8AC3E}">
-        <p14:creationId xmlns:p14="http://schemas.microsoft.com/office/powerpoint/2010/main" val="1263160597"/>
+        <p14:creationId xmlns:p14="http://schemas.microsoft.com/office/powerpoint/2010/main" val="2203889346"/>
       </p:ext>
     </p:extLst>
   </p:cSld>
   <p:clrMapOvr>
     <a:masterClrMapping/>
   </p:clrMapOvr>
-  <p:timing>
-    <p:tnLst>
-      <p:par>
-        <p:cTn id="1" dur="indefinite" restart="never" nodeType="tmRoot"/>
-      </p:par>
-    </p:tnLst>
-  </p:timing>
 </p:sld>
 </file>
 
-<file path=ppt/slides/slide2.xml><?xml version="1.0" encoding="utf-8"?>
+<file path=ppt/slides/slide18.xml><?xml version="1.0" encoding="utf-8"?>
 <p:sld xmlns:a="http://schemas.openxmlformats.org/drawingml/2006/main" xmlns:r="http://schemas.openxmlformats.org/officeDocument/2006/relationships" xmlns:p="http://schemas.openxmlformats.org/presentationml/2006/main">
   <p:cSld>
     <p:spTree>
@@ -16622,14 +16551,14 @@
           <p:nvPr/>
         </p:nvPicPr>
         <p:blipFill>
-          <a:blip r:embed="rId2"/>
+          <a:blip r:embed="rId3"/>
           <a:stretch>
             <a:fillRect/>
           </a:stretch>
         </p:blipFill>
         <p:spPr>
           <a:xfrm>
-            <a:off x="8509000" y="361315"/>
+            <a:off x="8509000" y="-178435"/>
             <a:ext cx="3683000" cy="1041400"/>
           </a:xfrm>
           <a:prstGeom prst="rect">
@@ -16637,57 +16566,55 @@
           </a:prstGeom>
         </p:spPr>
       </p:pic>
-      <p:sp>
-        <p:nvSpPr>
-          <p:cNvPr id="4" name="Text Box 3"/>
-          <p:cNvSpPr txBox="1"/>
+      <p:graphicFrame>
+        <p:nvGraphicFramePr>
+          <p:cNvPr id="4" name="Object 3"/>
+          <p:cNvGraphicFramePr/>
           <p:nvPr/>
-        </p:nvSpPr>
-        <p:spPr>
-          <a:xfrm>
-            <a:off x="266065" y="361315"/>
-            <a:ext cx="7463790" cy="1322070"/>
-          </a:xfrm>
-          <a:prstGeom prst="rect">
-            <a:avLst/>
-          </a:prstGeom>
-          <a:noFill/>
-          <a:ln w="9525">
-            <a:noFill/>
-          </a:ln>
-        </p:spPr>
-        <p:txBody>
-          <a:bodyPr wrap="none" rtlCol="0" anchor="t">
-            <a:spAutoFit/>
-          </a:bodyPr>
-          <a:lstStyle/>
-          <a:p>
-            <a:pPr lvl="0" algn="l"/>
-            <a:r>
-              <a:rPr lang="en-US" altLang="zh-CN" sz="4000" b="1" dirty="0">
-                <a:solidFill>
-                  <a:srgbClr val="262626"/>
-                </a:solidFill>
-                <a:latin typeface="Arial" panose="020B0604020202020204" pitchFamily="34" charset="0"/>
-                <a:ea typeface="Microsoft YaHei" panose="020B0503020204020204" pitchFamily="34" charset="-122"/>
-                <a:sym typeface="+mn-ea"/>
-              </a:rPr>
-              <a:t>What is a function in Python? </a:t>
-            </a:r>
-          </a:p>
-          <a:p>
-            <a:pPr lvl="0" algn="l"/>
-            <a:endParaRPr lang="en-US" altLang="zh-CN" sz="4000" b="1" dirty="0">
-              <a:solidFill>
-                <a:srgbClr val="262626"/>
-              </a:solidFill>
-              <a:latin typeface="Arial" panose="020B0604020202020204" pitchFamily="34" charset="0"/>
-              <a:ea typeface="Microsoft YaHei" panose="020B0503020204020204" pitchFamily="34" charset="-122"/>
-              <a:sym typeface="+mn-ea"/>
-            </a:endParaRPr>
-          </a:p>
-        </p:txBody>
-      </p:sp>
+        </p:nvGraphicFramePr>
+        <p:xfrm>
+          <a:off x="107950" y="621665"/>
+          <a:ext cx="11960860" cy="6162675"/>
+        </p:xfrm>
+        <a:graphic>
+          <a:graphicData uri="http://schemas.openxmlformats.org/presentationml/2006/ole">
+            <mc:AlternateContent xmlns:mc="http://schemas.openxmlformats.org/markup-compatibility/2006">
+              <mc:Choice xmlns:v="urn:schemas-microsoft-com:vml" Requires="v">
+                <p:oleObj spid="_x0000_s14344" r:id="rId4" imgW="7077075" imgH="5610225" progId="Paint.Picture">
+                  <p:embed/>
+                </p:oleObj>
+              </mc:Choice>
+              <mc:Fallback>
+                <p:oleObj r:id="rId4" imgW="7077075" imgH="5610225" progId="Paint.Picture">
+                  <p:embed/>
+                  <p:pic>
+                    <p:nvPicPr>
+                      <p:cNvPr id="0" name=""/>
+                      <p:cNvPicPr/>
+                      <p:nvPr/>
+                    </p:nvPicPr>
+                    <p:blipFill>
+                      <a:blip r:embed="rId5"/>
+                      <a:stretch>
+                        <a:fillRect/>
+                      </a:stretch>
+                    </p:blipFill>
+                    <p:spPr>
+                      <a:xfrm>
+                        <a:off x="107950" y="621665"/>
+                        <a:ext cx="11960860" cy="6162675"/>
+                      </a:xfrm>
+                      <a:prstGeom prst="rect">
+                        <a:avLst/>
+                      </a:prstGeom>
+                    </p:spPr>
+                  </p:pic>
+                </p:oleObj>
+              </mc:Fallback>
+            </mc:AlternateContent>
+          </a:graphicData>
+        </a:graphic>
+      </p:graphicFrame>
       <p:sp>
         <p:nvSpPr>
           <p:cNvPr id="7" name="Text Box 6"/>
@@ -16696,8 +16623,8 @@
         </p:nvSpPr>
         <p:spPr>
           <a:xfrm>
-            <a:off x="266065" y="1636395"/>
-            <a:ext cx="11735435" cy="1568450"/>
+            <a:off x="229870" y="0"/>
+            <a:ext cx="7230110" cy="645160"/>
           </a:xfrm>
           <a:prstGeom prst="rect">
             <a:avLst/>
@@ -16711,137 +16638,26 @@
           <a:lstStyle/>
           <a:p>
             <a:r>
-              <a:rPr lang="en-US" sz="2400" dirty="0"/>
-              <a:t>In Python, function is a group of related statements that perform a specific task.</a:t>
-            </a:r>
-          </a:p>
-          <a:p>
-            <a:r>
-              <a:rPr lang="en-US" sz="2400" dirty="0"/>
-              <a:t>Functions help break our program into smaller and modular chunks. As our program grows larger and larger, functions make it more organized and manageable.</a:t>
-            </a:r>
-          </a:p>
-          <a:p>
-            <a:r>
-              <a:rPr lang="en-US" sz="2400" dirty="0"/>
-              <a:t>Furthermore, it avoids repetition and makes code reusable.</a:t>
-            </a:r>
-          </a:p>
-        </p:txBody>
-      </p:sp>
-      <p:sp>
-        <p:nvSpPr>
-          <p:cNvPr id="9" name="Text Box 8"/>
-          <p:cNvSpPr txBox="1"/>
-          <p:nvPr/>
-        </p:nvSpPr>
-        <p:spPr>
-          <a:xfrm>
-            <a:off x="704215" y="3438525"/>
-            <a:ext cx="9598025" cy="1198880"/>
-          </a:xfrm>
-          <a:prstGeom prst="rect">
-            <a:avLst/>
-          </a:prstGeom>
-          <a:noFill/>
-        </p:spPr>
-        <p:txBody>
-          <a:bodyPr wrap="square" rtlCol="0" anchor="t">
-            <a:spAutoFit/>
-          </a:bodyPr>
-          <a:lstStyle/>
-          <a:p>
-            <a:r>
-              <a:rPr lang="en-US" sz="2400" b="1" dirty="0"/>
-              <a:t>def </a:t>
-            </a:r>
-            <a:r>
-              <a:rPr lang="en-US" sz="2400" b="1" dirty="0" err="1"/>
-              <a:t>function_name</a:t>
-            </a:r>
-            <a:r>
-              <a:rPr lang="en-US" sz="2400" b="1" dirty="0"/>
-              <a:t>(parameters):</a:t>
-            </a:r>
-          </a:p>
-          <a:p>
-            <a:r>
-              <a:rPr lang="en-US" sz="2400" b="1" dirty="0"/>
-              <a:t>	"""docstring"""</a:t>
-            </a:r>
-          </a:p>
-          <a:p>
-            <a:r>
-              <a:rPr lang="en-US" sz="2400" b="1" dirty="0"/>
-              <a:t>	statement(s)</a:t>
-            </a:r>
-          </a:p>
-        </p:txBody>
-      </p:sp>
-      <p:sp>
-        <p:nvSpPr>
-          <p:cNvPr id="11" name="Rectangle 10"/>
-          <p:cNvSpPr/>
-          <p:nvPr/>
-        </p:nvSpPr>
-        <p:spPr>
-          <a:xfrm>
-            <a:off x="7872147" y="6324906"/>
-            <a:ext cx="4319853" cy="369332"/>
-          </a:xfrm>
-          <a:prstGeom prst="rect">
-            <a:avLst/>
-          </a:prstGeom>
-        </p:spPr>
-        <p:txBody>
-          <a:bodyPr wrap="square">
-            <a:spAutoFit/>
-          </a:bodyPr>
-          <a:lstStyle/>
-          <a:p>
-            <a:pPr algn="ctr"/>
-            <a:r>
-              <a:rPr lang="en-US" dirty="0">
-                <a:latin typeface="Verdana" panose="020B0604030504040204" pitchFamily="34" charset="0"/>
-                <a:ea typeface="Verdana" panose="020B0604030504040204" pitchFamily="34" charset="0"/>
-              </a:rPr>
-              <a:t>Python </a:t>
-            </a:r>
-            <a:r>
-              <a:rPr lang="en-US" dirty="0" smtClean="0">
-                <a:latin typeface="Verdana" panose="020B0604030504040204" pitchFamily="34" charset="0"/>
-                <a:ea typeface="Verdana" panose="020B0604030504040204" pitchFamily="34" charset="0"/>
-              </a:rPr>
-              <a:t>Function-Modules-Packages</a:t>
-            </a:r>
-            <a:endParaRPr lang="en-US" dirty="0">
-              <a:latin typeface="Verdana" panose="020B0604030504040204" pitchFamily="34" charset="0"/>
-              <a:ea typeface="Verdana" panose="020B0604030504040204" pitchFamily="34" charset="0"/>
-            </a:endParaRPr>
+              <a:rPr lang="en-US" sz="3600"/>
+              <a:t>Format Code List (strftime())</a:t>
+            </a:r>
           </a:p>
         </p:txBody>
       </p:sp>
     </p:spTree>
     <p:extLst>
       <p:ext uri="{BB962C8B-B14F-4D97-AF65-F5344CB8AC3E}">
-        <p14:creationId xmlns:p14="http://schemas.microsoft.com/office/powerpoint/2010/main" val="29508546"/>
+        <p14:creationId xmlns:p14="http://schemas.microsoft.com/office/powerpoint/2010/main" val="246430064"/>
       </p:ext>
     </p:extLst>
   </p:cSld>
   <p:clrMapOvr>
     <a:masterClrMapping/>
   </p:clrMapOvr>
-  <p:timing>
-    <p:tnLst>
-      <p:par>
-        <p:cTn id="1" dur="indefinite" restart="never" nodeType="tmRoot"/>
-      </p:par>
-    </p:tnLst>
-  </p:timing>
 </p:sld>
 </file>
 
-<file path=ppt/slides/slide3.xml><?xml version="1.0" encoding="utf-8"?>
+<file path=ppt/slides/slide19.xml><?xml version="1.0" encoding="utf-8"?>
 <p:sld xmlns:a="http://schemas.openxmlformats.org/drawingml/2006/main" xmlns:r="http://schemas.openxmlformats.org/officeDocument/2006/relationships" xmlns:p="http://schemas.openxmlformats.org/presentationml/2006/main">
   <p:cSld>
     <p:spTree>
@@ -17239,14 +17055,14 @@
           <p:nvPr/>
         </p:nvPicPr>
         <p:blipFill>
-          <a:blip r:embed="rId2"/>
+          <a:blip r:embed="rId3"/>
           <a:stretch>
             <a:fillRect/>
           </a:stretch>
         </p:blipFill>
         <p:spPr>
           <a:xfrm>
-            <a:off x="8509000" y="361315"/>
+            <a:off x="8509000" y="-178435"/>
             <a:ext cx="3683000" cy="1041400"/>
           </a:xfrm>
           <a:prstGeom prst="rect">
@@ -17254,6 +17070,55 @@
           </a:prstGeom>
         </p:spPr>
       </p:pic>
+      <p:graphicFrame>
+        <p:nvGraphicFramePr>
+          <p:cNvPr id="4" name="Object 3"/>
+          <p:cNvGraphicFramePr/>
+          <p:nvPr/>
+        </p:nvGraphicFramePr>
+        <p:xfrm>
+          <a:off x="132715" y="659765"/>
+          <a:ext cx="11910695" cy="6149340"/>
+        </p:xfrm>
+        <a:graphic>
+          <a:graphicData uri="http://schemas.openxmlformats.org/presentationml/2006/ole">
+            <mc:AlternateContent xmlns:mc="http://schemas.openxmlformats.org/markup-compatibility/2006">
+              <mc:Choice xmlns:v="urn:schemas-microsoft-com:vml" Requires="v">
+                <p:oleObj spid="_x0000_s15368" r:id="rId4" imgW="6962775" imgH="5534025" progId="Paint.Picture">
+                  <p:embed/>
+                </p:oleObj>
+              </mc:Choice>
+              <mc:Fallback>
+                <p:oleObj r:id="rId4" imgW="6962775" imgH="5534025" progId="Paint.Picture">
+                  <p:embed/>
+                  <p:pic>
+                    <p:nvPicPr>
+                      <p:cNvPr id="0" name=""/>
+                      <p:cNvPicPr/>
+                      <p:nvPr/>
+                    </p:nvPicPr>
+                    <p:blipFill>
+                      <a:blip r:embed="rId5"/>
+                      <a:stretch>
+                        <a:fillRect/>
+                      </a:stretch>
+                    </p:blipFill>
+                    <p:spPr>
+                      <a:xfrm>
+                        <a:off x="132715" y="659765"/>
+                        <a:ext cx="11910695" cy="6149340"/>
+                      </a:xfrm>
+                      <a:prstGeom prst="rect">
+                        <a:avLst/>
+                      </a:prstGeom>
+                    </p:spPr>
+                  </p:pic>
+                </p:oleObj>
+              </mc:Fallback>
+            </mc:AlternateContent>
+          </a:graphicData>
+        </a:graphic>
+      </p:graphicFrame>
       <p:sp>
         <p:nvSpPr>
           <p:cNvPr id="7" name="Text Box 6"/>
@@ -17262,8 +17127,8 @@
         </p:nvSpPr>
         <p:spPr>
           <a:xfrm>
-            <a:off x="269543" y="2001518"/>
-            <a:ext cx="11734800" cy="3784600"/>
+            <a:off x="229870" y="0"/>
+            <a:ext cx="7230110" cy="645160"/>
           </a:xfrm>
           <a:prstGeom prst="rect">
             <a:avLst/>
@@ -17276,185 +17141,27 @@
           </a:bodyPr>
           <a:lstStyle/>
           <a:p>
-            <a:endParaRPr lang="en-US" sz="2400" dirty="0"/>
-          </a:p>
-          <a:p>
-            <a:pPr marL="342900" indent="-342900">
-              <a:buFont typeface="Wingdings" panose="05000000000000000000" charset="0"/>
-              <a:buChar char="Ø"/>
-            </a:pPr>
-            <a:r>
-              <a:rPr lang="en-US" sz="2400" dirty="0"/>
-              <a:t>Keyword def marks the start of function header.</a:t>
-            </a:r>
-          </a:p>
-          <a:p>
-            <a:pPr marL="342900" indent="-342900">
-              <a:buFont typeface="Wingdings" panose="05000000000000000000" charset="0"/>
-              <a:buChar char="Ø"/>
-            </a:pPr>
-            <a:r>
-              <a:rPr lang="en-US" sz="2400" dirty="0"/>
-              <a:t>A function name to uniquely identify it. Function naming follows the same rules of writing identifiers in Python.</a:t>
-            </a:r>
-          </a:p>
-          <a:p>
-            <a:pPr marL="342900" indent="-342900">
-              <a:buFont typeface="Wingdings" panose="05000000000000000000" charset="0"/>
-              <a:buChar char="Ø"/>
-            </a:pPr>
-            <a:r>
-              <a:rPr lang="en-US" sz="2400" dirty="0"/>
-              <a:t>Parameters (arguments) through which we pass values to a function. They are optional.</a:t>
-            </a:r>
-          </a:p>
-          <a:p>
-            <a:pPr marL="342900" indent="-342900">
-              <a:buFont typeface="Wingdings" panose="05000000000000000000" charset="0"/>
-              <a:buChar char="Ø"/>
-            </a:pPr>
-            <a:r>
-              <a:rPr lang="en-US" sz="2400" dirty="0"/>
-              <a:t>A colon (:) to mark the end of function header.</a:t>
-            </a:r>
-          </a:p>
-          <a:p>
-            <a:pPr marL="342900" indent="-342900">
-              <a:buFont typeface="Wingdings" panose="05000000000000000000" charset="0"/>
-              <a:buChar char="Ø"/>
-            </a:pPr>
-            <a:r>
-              <a:rPr lang="en-US" sz="2400" dirty="0"/>
-              <a:t>Optional documentation string (docstring) to describe what the function does.</a:t>
-            </a:r>
-          </a:p>
-          <a:p>
-            <a:pPr marL="342900" indent="-342900">
-              <a:buFont typeface="Wingdings" panose="05000000000000000000" charset="0"/>
-              <a:buChar char="Ø"/>
-            </a:pPr>
-            <a:r>
-              <a:rPr lang="en-US" sz="2400" dirty="0"/>
-              <a:t>One or more valid python statements that make up the function body. Statements must   </a:t>
-            </a:r>
-          </a:p>
-          <a:p>
-            <a:pPr>
-              <a:buFont typeface="Wingdings" panose="05000000000000000000" charset="0"/>
-            </a:pPr>
-            <a:r>
-              <a:rPr lang="en-US" sz="2400" dirty="0"/>
-              <a:t>      have same indentation level (usually 4 spaces).</a:t>
-            </a:r>
-          </a:p>
-          <a:p>
-            <a:pPr marL="342900" indent="-342900">
-              <a:buFont typeface="Wingdings" panose="05000000000000000000" charset="0"/>
-              <a:buChar char="Ø"/>
-            </a:pPr>
-            <a:r>
-              <a:rPr lang="en-US" sz="2400" dirty="0"/>
-              <a:t> An optional return statement to return a value from the function.</a:t>
-            </a:r>
-          </a:p>
-        </p:txBody>
-      </p:sp>
-      <p:sp>
-        <p:nvSpPr>
-          <p:cNvPr id="9" name="Text Box 8"/>
-          <p:cNvSpPr txBox="1"/>
-          <p:nvPr/>
-        </p:nvSpPr>
-        <p:spPr>
-          <a:xfrm>
-            <a:off x="0" y="100925"/>
-            <a:ext cx="8112760" cy="1323439"/>
-          </a:xfrm>
-          <a:prstGeom prst="rect">
-            <a:avLst/>
-          </a:prstGeom>
-          <a:noFill/>
-        </p:spPr>
-        <p:txBody>
-          <a:bodyPr wrap="square" rtlCol="0" anchor="t">
-            <a:spAutoFit/>
-          </a:bodyPr>
-          <a:lstStyle/>
-          <a:p>
-            <a:r>
-              <a:rPr lang="en-US" sz="4000" b="1" dirty="0">
-                <a:latin typeface="Arial" panose="020B0604020202020204" pitchFamily="34" charset="0"/>
-                <a:cs typeface="Arial" panose="020B0604020202020204" pitchFamily="34" charset="0"/>
-              </a:rPr>
-              <a:t>Function definition consists of following components.</a:t>
-            </a:r>
-          </a:p>
-        </p:txBody>
-      </p:sp>
-      <p:sp>
-        <p:nvSpPr>
-          <p:cNvPr id="11" name="Rectangle 10"/>
-          <p:cNvSpPr/>
-          <p:nvPr/>
-        </p:nvSpPr>
-        <p:spPr>
-          <a:xfrm>
-            <a:off x="7872147" y="6324906"/>
-            <a:ext cx="4319853" cy="369332"/>
-          </a:xfrm>
-          <a:prstGeom prst="rect">
-            <a:avLst/>
-          </a:prstGeom>
-        </p:spPr>
-        <p:txBody>
-          <a:bodyPr wrap="square">
-            <a:spAutoFit/>
-          </a:bodyPr>
-          <a:lstStyle/>
-          <a:p>
-            <a:pPr algn="ctr"/>
-            <a:r>
-              <a:rPr lang="en-US" dirty="0">
-                <a:latin typeface="Verdana" panose="020B0604030504040204" pitchFamily="34" charset="0"/>
-                <a:ea typeface="Verdana" panose="020B0604030504040204" pitchFamily="34" charset="0"/>
-              </a:rPr>
-              <a:t>Python </a:t>
-            </a:r>
-            <a:r>
-              <a:rPr lang="en-US" dirty="0" smtClean="0">
-                <a:latin typeface="Verdana" panose="020B0604030504040204" pitchFamily="34" charset="0"/>
-                <a:ea typeface="Verdana" panose="020B0604030504040204" pitchFamily="34" charset="0"/>
-              </a:rPr>
-              <a:t>Function-Modules-Packages</a:t>
-            </a:r>
-            <a:endParaRPr lang="en-US" dirty="0">
-              <a:latin typeface="Verdana" panose="020B0604030504040204" pitchFamily="34" charset="0"/>
-              <a:ea typeface="Verdana" panose="020B0604030504040204" pitchFamily="34" charset="0"/>
-            </a:endParaRPr>
+            <a:r>
+              <a:rPr lang="en-US" sz="3600"/>
+              <a:t>Format Code List (strftime())</a:t>
+            </a:r>
           </a:p>
         </p:txBody>
       </p:sp>
     </p:spTree>
     <p:extLst>
       <p:ext uri="{BB962C8B-B14F-4D97-AF65-F5344CB8AC3E}">
-        <p14:creationId xmlns:p14="http://schemas.microsoft.com/office/powerpoint/2010/main" val="1048557086"/>
+        <p14:creationId xmlns:p14="http://schemas.microsoft.com/office/powerpoint/2010/main" val="3196905473"/>
       </p:ext>
     </p:extLst>
   </p:cSld>
   <p:clrMapOvr>
     <a:masterClrMapping/>
   </p:clrMapOvr>
-  <p:timing>
-    <p:tnLst>
-      <p:par>
-        <p:cTn id="1" dur="indefinite" restart="never" nodeType="tmRoot"/>
-      </p:par>
-    </p:tnLst>
-  </p:timing>
 </p:sld>
 </file>
 
-<file path=ppt/slides/slide4.xml><?xml version="1.0" encoding="utf-8"?>
+<file path=ppt/slides/slide2.xml><?xml version="1.0" encoding="utf-8"?>
 <p:sld xmlns:a="http://schemas.openxmlformats.org/drawingml/2006/main" xmlns:r="http://schemas.openxmlformats.org/officeDocument/2006/relationships" xmlns:p="http://schemas.openxmlformats.org/presentationml/2006/main">
   <p:cSld>
     <p:spTree>
@@ -17859,7 +17566,7 @@
         </p:blipFill>
         <p:spPr>
           <a:xfrm>
-            <a:off x="8762528" y="86755"/>
+            <a:off x="8509000" y="361315"/>
             <a:ext cx="3683000" cy="1041400"/>
           </a:xfrm>
           <a:prstGeom prst="rect">
@@ -17875,8 +17582,8 @@
         </p:nvSpPr>
         <p:spPr>
           <a:xfrm>
-            <a:off x="151208" y="79653"/>
-            <a:ext cx="8310245" cy="1322070"/>
+            <a:off x="266065" y="361315"/>
+            <a:ext cx="7463790" cy="1322070"/>
           </a:xfrm>
           <a:prstGeom prst="rect">
             <a:avLst/>
@@ -17902,7 +17609,7 @@
                 <a:ea typeface="Microsoft YaHei" panose="020B0503020204020204" pitchFamily="34" charset="-122"/>
                 <a:sym typeface="+mn-ea"/>
               </a:rPr>
-              <a:t>How to call a function in python? </a:t>
+              <a:t>What is a function in Python? </a:t>
             </a:r>
           </a:p>
           <a:p>
@@ -17920,14 +17627,14 @@
       </p:sp>
       <p:sp>
         <p:nvSpPr>
-          <p:cNvPr id="9" name="Text Box 8"/>
+          <p:cNvPr id="7" name="Text Box 6"/>
           <p:cNvSpPr txBox="1"/>
           <p:nvPr/>
         </p:nvSpPr>
         <p:spPr>
           <a:xfrm>
-            <a:off x="390857" y="2039937"/>
-            <a:ext cx="11569700" cy="2246769"/>
+            <a:off x="266065" y="1636395"/>
+            <a:ext cx="11735435" cy="1568450"/>
           </a:xfrm>
           <a:prstGeom prst="rect">
             <a:avLst/>
@@ -17941,23 +17648,70 @@
           <a:lstStyle/>
           <a:p>
             <a:r>
-              <a:rPr lang="en-US" sz="2800" dirty="0"/>
-              <a:t>Once we have defined a function, we can call it from another function, program or even the Python prompt. To call a function we simply type the function name with appropriate parameters</a:t>
-            </a:r>
-            <a:r>
-              <a:rPr lang="en-US" sz="2800" dirty="0" smtClean="0"/>
-              <a:t>.</a:t>
-            </a:r>
-          </a:p>
-          <a:p>
-            <a:endParaRPr lang="en-US" sz="2800" dirty="0"/>
-          </a:p>
-          <a:p>
-            <a:r>
-              <a:rPr lang="en-US" sz="2800" dirty="0" smtClean="0"/>
-              <a:t>functionName(Argument)</a:t>
-            </a:r>
-            <a:endParaRPr lang="en-US" sz="2800" dirty="0"/>
+              <a:rPr lang="en-US" sz="2400" dirty="0"/>
+              <a:t>In Python, function is a group of related statements that perform a specific task.</a:t>
+            </a:r>
+          </a:p>
+          <a:p>
+            <a:r>
+              <a:rPr lang="en-US" sz="2400" dirty="0"/>
+              <a:t>Functions help break our program into smaller and modular chunks. As our program grows larger and larger, functions make it more organized and manageable.</a:t>
+            </a:r>
+          </a:p>
+          <a:p>
+            <a:r>
+              <a:rPr lang="en-US" sz="2400" dirty="0"/>
+              <a:t>Furthermore, it avoids repetition and makes code reusable.</a:t>
+            </a:r>
+          </a:p>
+        </p:txBody>
+      </p:sp>
+      <p:sp>
+        <p:nvSpPr>
+          <p:cNvPr id="9" name="Text Box 8"/>
+          <p:cNvSpPr txBox="1"/>
+          <p:nvPr/>
+        </p:nvSpPr>
+        <p:spPr>
+          <a:xfrm>
+            <a:off x="704215" y="3438525"/>
+            <a:ext cx="9598025" cy="1198880"/>
+          </a:xfrm>
+          <a:prstGeom prst="rect">
+            <a:avLst/>
+          </a:prstGeom>
+          <a:noFill/>
+        </p:spPr>
+        <p:txBody>
+          <a:bodyPr wrap="square" rtlCol="0" anchor="t">
+            <a:spAutoFit/>
+          </a:bodyPr>
+          <a:lstStyle/>
+          <a:p>
+            <a:r>
+              <a:rPr lang="en-US" sz="2400" b="1" dirty="0"/>
+              <a:t>def </a:t>
+            </a:r>
+            <a:r>
+              <a:rPr lang="en-US" sz="2400" b="1" dirty="0" err="1"/>
+              <a:t>function_name</a:t>
+            </a:r>
+            <a:r>
+              <a:rPr lang="en-US" sz="2400" b="1" dirty="0"/>
+              <a:t>(parameters):</a:t>
+            </a:r>
+          </a:p>
+          <a:p>
+            <a:r>
+              <a:rPr lang="en-US" sz="2400" b="1" dirty="0"/>
+              <a:t>	"""docstring"""</a:t>
+            </a:r>
+          </a:p>
+          <a:p>
+            <a:r>
+              <a:rPr lang="en-US" sz="2400" b="1" dirty="0"/>
+              <a:t>	statement(s)</a:t>
+            </a:r>
           </a:p>
         </p:txBody>
       </p:sp>
@@ -18007,7 +17761,7 @@
     </p:spTree>
     <p:extLst>
       <p:ext uri="{BB962C8B-B14F-4D97-AF65-F5344CB8AC3E}">
-        <p14:creationId xmlns:p14="http://schemas.microsoft.com/office/powerpoint/2010/main" val="2217473539"/>
+        <p14:creationId xmlns:p14="http://schemas.microsoft.com/office/powerpoint/2010/main" val="29508546"/>
       </p:ext>
     </p:extLst>
   </p:cSld>
@@ -18024,7 +17778,7 @@
 </p:sld>
 </file>
 
-<file path=ppt/slides/slide5.xml><?xml version="1.0" encoding="utf-8"?>
+<file path=ppt/slides/slide20.xml><?xml version="1.0" encoding="utf-8"?>
 <p:sld xmlns:a="http://schemas.openxmlformats.org/drawingml/2006/main" xmlns:r="http://schemas.openxmlformats.org/officeDocument/2006/relationships" xmlns:p="http://schemas.openxmlformats.org/presentationml/2006/main">
   <p:cSld>
     <p:spTree>
@@ -18422,7 +18176,7 @@
           <p:nvPr/>
         </p:nvPicPr>
         <p:blipFill>
-          <a:blip r:embed="rId3"/>
+          <a:blip r:embed="rId2"/>
           <a:stretch>
             <a:fillRect/>
           </a:stretch>
@@ -18445,8 +18199,8 @@
         </p:nvSpPr>
         <p:spPr>
           <a:xfrm>
-            <a:off x="243205" y="1402715"/>
-            <a:ext cx="11706225" cy="1198880"/>
+            <a:off x="86995" y="153670"/>
+            <a:ext cx="4831080" cy="645160"/>
           </a:xfrm>
           <a:prstGeom prst="rect">
             <a:avLst/>
@@ -18459,17 +18213,56 @@
           </a:bodyPr>
           <a:lstStyle/>
           <a:p>
+            <a:pPr lvl="0" algn="l">
+              <a:buClrTx/>
+              <a:buSzTx/>
+              <a:buFontTx/>
+            </a:pPr>
+            <a:r>
+              <a:rPr lang="en-US" sz="3600">
+                <a:sym typeface="+mn-ea"/>
+              </a:rPr>
+              <a:t>Python time Module</a:t>
+            </a:r>
+          </a:p>
+        </p:txBody>
+      </p:sp>
+      <p:sp>
+        <p:nvSpPr>
+          <p:cNvPr id="6" name="Text Box 5"/>
+          <p:cNvSpPr txBox="1"/>
+          <p:nvPr/>
+        </p:nvSpPr>
+        <p:spPr>
+          <a:xfrm>
+            <a:off x="369570" y="1351915"/>
+            <a:ext cx="11154410" cy="4215765"/>
+          </a:xfrm>
+          <a:prstGeom prst="rect">
+            <a:avLst/>
+          </a:prstGeom>
+          <a:noFill/>
+        </p:spPr>
+        <p:txBody>
+          <a:bodyPr wrap="square" rtlCol="0" anchor="t">
+            <a:spAutoFit/>
+          </a:bodyPr>
+          <a:lstStyle/>
+          <a:p>
+            <a:r>
+              <a:rPr lang="en-US" sz="2800"/>
+              <a:t>Functions in time Module ::</a:t>
+            </a:r>
+            <a:endParaRPr lang="en-US" sz="2400"/>
+          </a:p>
+          <a:p>
             <a:pPr marL="342900" indent="-342900">
               <a:buFont typeface="Wingdings" panose="05000000000000000000" charset="0"/>
               <a:buChar char="Ø"/>
             </a:pPr>
             <a:r>
-              <a:rPr lang="en-US" sz="2400" dirty="0"/>
-              <a:t>Functions that we define ourselves to do certain specific task are referred as </a:t>
-            </a:r>
-            <a:r>
-              <a:rPr lang="en-US" sz="2400" b="1" dirty="0"/>
-              <a:t>user-defined functions.</a:t>
+              <a:rPr lang="en-US" sz="2400"/>
+              <a:t>time.time()</a:t>
             </a:r>
           </a:p>
           <a:p>
@@ -18478,12 +18271,88 @@
               <a:buChar char="Ø"/>
             </a:pPr>
             <a:r>
-              <a:rPr lang="en-US" sz="2400" dirty="0"/>
-              <a:t>Functions that readily come with Python are called </a:t>
-            </a:r>
-            <a:r>
-              <a:rPr lang="en-US" sz="2400" b="1" dirty="0"/>
-              <a:t>built-in functions.</a:t>
+              <a:rPr lang="en-US" sz="2400"/>
+              <a:t>time.ctime()</a:t>
+            </a:r>
+          </a:p>
+          <a:p>
+            <a:pPr marL="342900" indent="-342900">
+              <a:buFont typeface="Wingdings" panose="05000000000000000000" charset="0"/>
+              <a:buChar char="Ø"/>
+            </a:pPr>
+            <a:r>
+              <a:rPr lang="en-US" sz="2400"/>
+              <a:t>time.sleep()</a:t>
+            </a:r>
+          </a:p>
+          <a:p>
+            <a:pPr marL="342900" indent="-342900">
+              <a:buFont typeface="Wingdings" panose="05000000000000000000" charset="0"/>
+              <a:buChar char="Ø"/>
+            </a:pPr>
+            <a:r>
+              <a:rPr lang="en-US" sz="2400"/>
+              <a:t>time.struct_time Class</a:t>
+            </a:r>
+          </a:p>
+          <a:p>
+            <a:pPr marL="342900" indent="-342900">
+              <a:buFont typeface="Wingdings" panose="05000000000000000000" charset="0"/>
+              <a:buChar char="Ø"/>
+            </a:pPr>
+            <a:r>
+              <a:rPr lang="en-US" sz="2400"/>
+              <a:t>time.localtime()</a:t>
+            </a:r>
+          </a:p>
+          <a:p>
+            <a:pPr marL="342900" indent="-342900">
+              <a:buFont typeface="Wingdings" panose="05000000000000000000" charset="0"/>
+              <a:buChar char="Ø"/>
+            </a:pPr>
+            <a:r>
+              <a:rPr lang="en-US" sz="2400"/>
+              <a:t>time.gmtime()</a:t>
+            </a:r>
+          </a:p>
+          <a:p>
+            <a:pPr marL="342900" indent="-342900">
+              <a:buFont typeface="Wingdings" panose="05000000000000000000" charset="0"/>
+              <a:buChar char="Ø"/>
+            </a:pPr>
+            <a:r>
+              <a:rPr lang="en-US" sz="2400"/>
+              <a:t>time.mktime()</a:t>
+            </a:r>
+          </a:p>
+          <a:p>
+            <a:pPr marL="342900" indent="-342900">
+              <a:buFont typeface="Wingdings" panose="05000000000000000000" charset="0"/>
+              <a:buChar char="Ø"/>
+            </a:pPr>
+            <a:r>
+              <a:rPr lang="en-US" sz="2400"/>
+              <a:t>time.asctime()</a:t>
+            </a:r>
+          </a:p>
+          <a:p>
+            <a:pPr marL="342900" indent="-342900">
+              <a:buFont typeface="Wingdings" panose="05000000000000000000" charset="0"/>
+              <a:buChar char="Ø"/>
+            </a:pPr>
+            <a:r>
+              <a:rPr lang="en-US" sz="2400"/>
+              <a:t>time.strftime()</a:t>
+            </a:r>
+          </a:p>
+          <a:p>
+            <a:pPr marL="342900" indent="-342900">
+              <a:buFont typeface="Wingdings" panose="05000000000000000000" charset="0"/>
+              <a:buChar char="Ø"/>
+            </a:pPr>
+            <a:r>
+              <a:rPr lang="en-US" sz="2400"/>
+              <a:t>time.strptime()</a:t>
             </a:r>
           </a:p>
         </p:txBody>
@@ -18496,8 +18365,8 @@
         </p:nvSpPr>
         <p:spPr>
           <a:xfrm>
-            <a:off x="243205" y="2858770"/>
-            <a:ext cx="11239500" cy="3046095"/>
+            <a:off x="511810" y="757555"/>
+            <a:ext cx="7997190" cy="460375"/>
           </a:xfrm>
           <a:prstGeom prst="rect">
             <a:avLst/>
@@ -18511,193 +18380,26 @@
           <a:lstStyle/>
           <a:p>
             <a:r>
-              <a:rPr lang="en-US" sz="2400" b="1" dirty="0"/>
-              <a:t># Program to illustrate</a:t>
-            </a:r>
-          </a:p>
-          <a:p>
-            <a:r>
-              <a:rPr lang="en-US" sz="2400" b="1" dirty="0"/>
-              <a:t># the use of user-defined functions</a:t>
-            </a:r>
-          </a:p>
-          <a:p>
-            <a:r>
-              <a:rPr lang="en-US" sz="2400" b="1" dirty="0"/>
-              <a:t>def </a:t>
-            </a:r>
-            <a:r>
-              <a:rPr lang="en-US" sz="2400" b="1" dirty="0" err="1"/>
-              <a:t>add_numbers</a:t>
-            </a:r>
-            <a:r>
-              <a:rPr lang="en-US" sz="2400" b="1" dirty="0"/>
-              <a:t>(</a:t>
-            </a:r>
-            <a:r>
-              <a:rPr lang="en-US" sz="2400" b="1" dirty="0" err="1"/>
-              <a:t>x,y</a:t>
-            </a:r>
-            <a:r>
-              <a:rPr lang="en-US" sz="2400" b="1" dirty="0"/>
-              <a:t>):</a:t>
-            </a:r>
-          </a:p>
-          <a:p>
-            <a:r>
-              <a:rPr lang="en-US" sz="2400" b="1" dirty="0"/>
-              <a:t>   sum = x + y</a:t>
-            </a:r>
-          </a:p>
-          <a:p>
-            <a:r>
-              <a:rPr lang="en-US" sz="2400" b="1" dirty="0"/>
-              <a:t>   return sum</a:t>
-            </a:r>
-          </a:p>
-          <a:p>
-            <a:r>
-              <a:rPr lang="en-US" sz="2400" b="1" dirty="0"/>
-              <a:t>num1 = 5</a:t>
-            </a:r>
-          </a:p>
-          <a:p>
-            <a:r>
-              <a:rPr lang="en-US" sz="2400" b="1" dirty="0"/>
-              <a:t>num2 = 6</a:t>
-            </a:r>
-          </a:p>
-          <a:p>
-            <a:r>
-              <a:rPr lang="en-US" sz="2400" b="1" dirty="0"/>
-              <a:t>print("The sum is", </a:t>
-            </a:r>
-            <a:r>
-              <a:rPr lang="en-US" sz="2400" b="1" dirty="0" err="1"/>
-              <a:t>add_numbers</a:t>
-            </a:r>
-            <a:r>
-              <a:rPr lang="en-US" sz="2400" b="1" dirty="0"/>
-              <a:t>(num1, num2))</a:t>
-            </a:r>
-          </a:p>
-        </p:txBody>
-      </p:sp>
-      <p:sp>
-        <p:nvSpPr>
-          <p:cNvPr id="9" name="Text Box 8"/>
-          <p:cNvSpPr txBox="1"/>
-          <p:nvPr/>
-        </p:nvSpPr>
-        <p:spPr>
-          <a:xfrm>
-            <a:off x="17010" y="87739"/>
-            <a:ext cx="7256780" cy="1322070"/>
-          </a:xfrm>
-          <a:prstGeom prst="rect">
-            <a:avLst/>
-          </a:prstGeom>
-          <a:noFill/>
-          <a:ln w="9525">
-            <a:noFill/>
-          </a:ln>
-        </p:spPr>
-        <p:txBody>
-          <a:bodyPr wrap="none" rtlCol="0" anchor="t">
-            <a:spAutoFit/>
-          </a:bodyPr>
-          <a:lstStyle/>
-          <a:p>
-            <a:pPr lvl="0" algn="l"/>
-            <a:r>
-              <a:rPr lang="en-US" altLang="zh-CN" sz="4000" b="1" dirty="0">
-                <a:solidFill>
-                  <a:srgbClr val="262626"/>
-                </a:solidFill>
-                <a:latin typeface="Arial" panose="020B0604020202020204" pitchFamily="34" charset="0"/>
-                <a:ea typeface="Microsoft YaHei" panose="020B0503020204020204" pitchFamily="34" charset="-122"/>
-                <a:sym typeface="+mn-ea"/>
-              </a:rPr>
-              <a:t>Types of function in python? </a:t>
-            </a:r>
-          </a:p>
-          <a:p>
-            <a:pPr lvl="0" algn="l"/>
-            <a:endParaRPr lang="en-US" altLang="zh-CN" sz="4000" b="1" dirty="0">
-              <a:solidFill>
-                <a:srgbClr val="262626"/>
-              </a:solidFill>
-              <a:latin typeface="Arial" panose="020B0604020202020204" pitchFamily="34" charset="0"/>
-              <a:ea typeface="Microsoft YaHei" panose="020B0503020204020204" pitchFamily="34" charset="-122"/>
-              <a:sym typeface="+mn-ea"/>
-            </a:endParaRPr>
-          </a:p>
-        </p:txBody>
-      </p:sp>
-      <p:sp>
-        <p:nvSpPr>
-          <p:cNvPr id="11" name="Rectangle 10"/>
-          <p:cNvSpPr/>
-          <p:nvPr/>
-        </p:nvSpPr>
-        <p:spPr>
-          <a:xfrm>
-            <a:off x="7872147" y="6324906"/>
-            <a:ext cx="4319853" cy="369332"/>
-          </a:xfrm>
-          <a:prstGeom prst="rect">
-            <a:avLst/>
-          </a:prstGeom>
-        </p:spPr>
-        <p:txBody>
-          <a:bodyPr wrap="square">
-            <a:spAutoFit/>
-          </a:bodyPr>
-          <a:lstStyle/>
-          <a:p>
-            <a:pPr algn="ctr"/>
-            <a:r>
-              <a:rPr lang="en-US" dirty="0">
-                <a:latin typeface="Verdana" panose="020B0604030504040204" pitchFamily="34" charset="0"/>
-                <a:ea typeface="Verdana" panose="020B0604030504040204" pitchFamily="34" charset="0"/>
-              </a:rPr>
-              <a:t>Python </a:t>
-            </a:r>
-            <a:r>
-              <a:rPr lang="en-US" dirty="0" smtClean="0">
-                <a:latin typeface="Verdana" panose="020B0604030504040204" pitchFamily="34" charset="0"/>
-                <a:ea typeface="Verdana" panose="020B0604030504040204" pitchFamily="34" charset="0"/>
-              </a:rPr>
-              <a:t>Function-Modules-Packages</a:t>
-            </a:r>
-            <a:endParaRPr lang="en-US" dirty="0">
-              <a:latin typeface="Verdana" panose="020B0604030504040204" pitchFamily="34" charset="0"/>
-              <a:ea typeface="Verdana" panose="020B0604030504040204" pitchFamily="34" charset="0"/>
-            </a:endParaRPr>
+              <a:rPr lang="en-US" sz="2400" b="1"/>
+              <a:t>time module use to handle time-related tasks.</a:t>
+            </a:r>
           </a:p>
         </p:txBody>
       </p:sp>
     </p:spTree>
     <p:extLst>
       <p:ext uri="{BB962C8B-B14F-4D97-AF65-F5344CB8AC3E}">
-        <p14:creationId xmlns:p14="http://schemas.microsoft.com/office/powerpoint/2010/main" val="3723179510"/>
+        <p14:creationId xmlns:p14="http://schemas.microsoft.com/office/powerpoint/2010/main" val="1669814898"/>
       </p:ext>
     </p:extLst>
   </p:cSld>
   <p:clrMapOvr>
     <a:masterClrMapping/>
   </p:clrMapOvr>
-  <p:timing>
-    <p:tnLst>
-      <p:par>
-        <p:cTn id="1" dur="indefinite" restart="never" nodeType="tmRoot"/>
-      </p:par>
-    </p:tnLst>
-  </p:timing>
 </p:sld>
 </file>
 
-<file path=ppt/slides/slide6.xml><?xml version="1.0" encoding="utf-8"?>
+<file path=ppt/slides/slide21.xml><?xml version="1.0" encoding="utf-8"?>
 <p:sld xmlns:a="http://schemas.openxmlformats.org/drawingml/2006/main" xmlns:r="http://schemas.openxmlformats.org/officeDocument/2006/relationships" xmlns:p="http://schemas.openxmlformats.org/presentationml/2006/main">
   <p:cSld>
     <p:spTree>
@@ -19095,6 +18797,4346 @@
           <p:nvPr/>
         </p:nvPicPr>
         <p:blipFill>
+          <a:blip r:embed="rId2"/>
+          <a:stretch>
+            <a:fillRect/>
+          </a:stretch>
+        </p:blipFill>
+        <p:spPr>
+          <a:xfrm>
+            <a:off x="8509000" y="361315"/>
+            <a:ext cx="3683000" cy="1041400"/>
+          </a:xfrm>
+          <a:prstGeom prst="rect">
+            <a:avLst/>
+          </a:prstGeom>
+        </p:spPr>
+      </p:pic>
+      <p:sp>
+        <p:nvSpPr>
+          <p:cNvPr id="4" name="Text Box 3"/>
+          <p:cNvSpPr txBox="1"/>
+          <p:nvPr/>
+        </p:nvSpPr>
+        <p:spPr>
+          <a:xfrm>
+            <a:off x="161290" y="99060"/>
+            <a:ext cx="6821170" cy="583565"/>
+          </a:xfrm>
+          <a:prstGeom prst="rect">
+            <a:avLst/>
+          </a:prstGeom>
+          <a:noFill/>
+        </p:spPr>
+        <p:txBody>
+          <a:bodyPr wrap="none" rtlCol="0" anchor="t">
+            <a:spAutoFit/>
+          </a:bodyPr>
+          <a:lstStyle/>
+          <a:p>
+            <a:r>
+              <a:rPr lang="en-US" sz="3200">
+                <a:sym typeface="+mn-ea"/>
+              </a:rPr>
+              <a:t>Python Directory and Files Management</a:t>
+            </a:r>
+          </a:p>
+        </p:txBody>
+      </p:sp>
+      <p:sp>
+        <p:nvSpPr>
+          <p:cNvPr id="6" name="Text Box 5"/>
+          <p:cNvSpPr txBox="1"/>
+          <p:nvPr/>
+        </p:nvSpPr>
+        <p:spPr>
+          <a:xfrm>
+            <a:off x="431800" y="1884045"/>
+            <a:ext cx="11329035" cy="829945"/>
+          </a:xfrm>
+          <a:prstGeom prst="rect">
+            <a:avLst/>
+          </a:prstGeom>
+          <a:noFill/>
+        </p:spPr>
+        <p:txBody>
+          <a:bodyPr wrap="square" rtlCol="0" anchor="t">
+            <a:spAutoFit/>
+          </a:bodyPr>
+          <a:lstStyle/>
+          <a:p>
+            <a:r>
+              <a:rPr lang="en-US" sz="2400" dirty="0"/>
+              <a:t>A directory or folder is a collection of files and sub directories. Python has the </a:t>
+            </a:r>
+            <a:r>
+              <a:rPr lang="en-US" sz="2400" dirty="0" err="1"/>
+              <a:t>os</a:t>
+            </a:r>
+            <a:r>
+              <a:rPr lang="en-US" sz="2400" dirty="0"/>
+              <a:t> module, which provides us with many useful methods to work with directories (and files as well).</a:t>
+            </a:r>
+          </a:p>
+        </p:txBody>
+      </p:sp>
+      <p:sp>
+        <p:nvSpPr>
+          <p:cNvPr id="7" name="Text Box 6"/>
+          <p:cNvSpPr txBox="1"/>
+          <p:nvPr/>
+        </p:nvSpPr>
+        <p:spPr>
+          <a:xfrm>
+            <a:off x="431800" y="3244850"/>
+            <a:ext cx="10968355" cy="3785652"/>
+          </a:xfrm>
+          <a:prstGeom prst="rect">
+            <a:avLst/>
+          </a:prstGeom>
+          <a:noFill/>
+        </p:spPr>
+        <p:txBody>
+          <a:bodyPr wrap="square" rtlCol="0" anchor="t">
+            <a:spAutoFit/>
+          </a:bodyPr>
+          <a:lstStyle/>
+          <a:p>
+            <a:pPr marL="285750" indent="-285750">
+              <a:buFont typeface="Wingdings" panose="05000000000000000000" charset="0"/>
+              <a:buChar char="Ø"/>
+            </a:pPr>
+            <a:r>
+              <a:rPr lang="en-US" sz="2400" dirty="0"/>
+              <a:t>Get Current Directory</a:t>
+            </a:r>
+          </a:p>
+          <a:p>
+            <a:pPr marL="285750" indent="-285750">
+              <a:buFont typeface="Wingdings" panose="05000000000000000000" charset="0"/>
+              <a:buChar char="Ø"/>
+            </a:pPr>
+            <a:r>
+              <a:rPr lang="en-US" sz="2400" dirty="0"/>
+              <a:t>Changing Directory</a:t>
+            </a:r>
+          </a:p>
+          <a:p>
+            <a:pPr marL="285750" indent="-285750">
+              <a:buFont typeface="Wingdings" panose="05000000000000000000" charset="0"/>
+              <a:buChar char="Ø"/>
+            </a:pPr>
+            <a:r>
+              <a:rPr lang="en-US" sz="2400" dirty="0"/>
+              <a:t>List Directories and Files</a:t>
+            </a:r>
+          </a:p>
+          <a:p>
+            <a:pPr marL="285750" indent="-285750">
+              <a:buFont typeface="Wingdings" panose="05000000000000000000" charset="0"/>
+              <a:buChar char="Ø"/>
+            </a:pPr>
+            <a:r>
+              <a:rPr lang="en-US" sz="2400" dirty="0"/>
+              <a:t>Making a New Directory</a:t>
+            </a:r>
+          </a:p>
+          <a:p>
+            <a:pPr marL="285750" indent="-285750">
+              <a:buFont typeface="Wingdings" panose="05000000000000000000" charset="0"/>
+              <a:buChar char="Ø"/>
+            </a:pPr>
+            <a:r>
+              <a:rPr lang="en-US" sz="2400" dirty="0"/>
+              <a:t>Renaming a Directory or a File</a:t>
+            </a:r>
+          </a:p>
+          <a:p>
+            <a:pPr marL="285750" indent="-285750">
+              <a:buFont typeface="Wingdings" panose="05000000000000000000" charset="0"/>
+              <a:buChar char="Ø"/>
+            </a:pPr>
+            <a:r>
+              <a:rPr lang="en-US" sz="2400" dirty="0"/>
+              <a:t>Removing Directory or </a:t>
+            </a:r>
+            <a:r>
+              <a:rPr lang="en-US" sz="2400" dirty="0" smtClean="0"/>
+              <a:t>File</a:t>
+            </a:r>
+          </a:p>
+          <a:p>
+            <a:pPr marL="285750" indent="-285750">
+              <a:buFont typeface="Wingdings" panose="05000000000000000000" charset="0"/>
+              <a:buChar char="Ø"/>
+            </a:pPr>
+            <a:endParaRPr lang="en-US" sz="2400" dirty="0"/>
+          </a:p>
+          <a:p>
+            <a:pPr marL="285750" indent="-285750">
+              <a:buFont typeface="Wingdings" panose="05000000000000000000" charset="0"/>
+              <a:buChar char="Ø"/>
+            </a:pPr>
+            <a:endParaRPr lang="en-US" sz="2400" dirty="0" smtClean="0"/>
+          </a:p>
+          <a:p>
+            <a:r>
+              <a:rPr lang="en-US" sz="2400" b="1" dirty="0" smtClean="0"/>
+              <a:t>OS &amp; </a:t>
+            </a:r>
+            <a:r>
+              <a:rPr lang="en-US" sz="2400" b="1" dirty="0" err="1"/>
+              <a:t>Shutil</a:t>
+            </a:r>
+            <a:r>
+              <a:rPr lang="en-US" sz="2400" b="1" dirty="0"/>
+              <a:t> Module</a:t>
+            </a:r>
+          </a:p>
+          <a:p>
+            <a:endParaRPr lang="en-US" sz="2400" dirty="0"/>
+          </a:p>
+        </p:txBody>
+      </p:sp>
+    </p:spTree>
+    <p:extLst>
+      <p:ext uri="{BB962C8B-B14F-4D97-AF65-F5344CB8AC3E}">
+        <p14:creationId xmlns:p14="http://schemas.microsoft.com/office/powerpoint/2010/main" val="1929498389"/>
+      </p:ext>
+    </p:extLst>
+  </p:cSld>
+  <p:clrMapOvr>
+    <a:masterClrMapping/>
+  </p:clrMapOvr>
+</p:sld>
+</file>
+
+<file path=ppt/slides/slide22.xml><?xml version="1.0" encoding="utf-8"?>
+<p:sld xmlns:a="http://schemas.openxmlformats.org/drawingml/2006/main" xmlns:r="http://schemas.openxmlformats.org/officeDocument/2006/relationships" xmlns:p="http://schemas.openxmlformats.org/presentationml/2006/main">
+  <p:cSld>
+    <p:spTree>
+      <p:nvGrpSpPr>
+        <p:cNvPr id="1" name=""/>
+        <p:cNvGrpSpPr/>
+        <p:nvPr/>
+      </p:nvGrpSpPr>
+      <p:grpSpPr>
+        <a:xfrm>
+          <a:off x="0" y="0"/>
+          <a:ext cx="0" cy="0"/>
+          <a:chOff x="0" y="0"/>
+          <a:chExt cx="0" cy="0"/>
+        </a:xfrm>
+      </p:grpSpPr>
+      <p:sp>
+        <p:nvSpPr>
+          <p:cNvPr id="2" name="直角三角形 1"/>
+          <p:cNvSpPr/>
+          <p:nvPr/>
+        </p:nvSpPr>
+        <p:spPr>
+          <a:xfrm flipH="1" flipV="1">
+            <a:off x="4076700" y="0"/>
+            <a:ext cx="8115300" cy="6273800"/>
+          </a:xfrm>
+          <a:prstGeom prst="rtTriangle">
+            <a:avLst/>
+          </a:prstGeom>
+          <a:solidFill>
+            <a:srgbClr val="747472"/>
+          </a:solidFill>
+          <a:ln>
+            <a:noFill/>
+          </a:ln>
+        </p:spPr>
+        <p:style>
+          <a:lnRef idx="2">
+            <a:schemeClr val="accent1">
+              <a:shade val="50000"/>
+            </a:schemeClr>
+          </a:lnRef>
+          <a:fillRef idx="1">
+            <a:schemeClr val="accent1"/>
+          </a:fillRef>
+          <a:effectRef idx="0">
+            <a:schemeClr val="accent1"/>
+          </a:effectRef>
+          <a:fontRef idx="minor">
+            <a:schemeClr val="lt1"/>
+          </a:fontRef>
+        </p:style>
+        <p:txBody>
+          <a:bodyPr anchor="ctr"/>
+          <a:lstStyle/>
+          <a:p>
+            <a:pPr marL="0" marR="0" lvl="0" indent="0" algn="ctr" defTabSz="914400" rtl="0" eaLnBrk="1" fontAlgn="auto" latinLnBrk="0" hangingPunct="1">
+              <a:lnSpc>
+                <a:spcPct val="100000"/>
+              </a:lnSpc>
+              <a:spcBef>
+                <a:spcPts val="0"/>
+              </a:spcBef>
+              <a:spcAft>
+                <a:spcPts val="0"/>
+              </a:spcAft>
+              <a:buClrTx/>
+              <a:buSzTx/>
+              <a:buFontTx/>
+              <a:buNone/>
+              <a:defRPr/>
+            </a:pPr>
+            <a:endParaRPr kumimoji="0" lang="zh-CN" altLang="en-US" sz="1800" b="0" i="0" u="none" strike="noStrike" kern="1200" cap="none" spc="0" normalizeH="0" baseline="0" noProof="0">
+              <a:ln>
+                <a:noFill/>
+              </a:ln>
+              <a:solidFill>
+                <a:schemeClr val="lt1"/>
+              </a:solidFill>
+              <a:effectLst/>
+              <a:uLnTx/>
+              <a:uFillTx/>
+              <a:latin typeface="+mn-lt"/>
+              <a:ea typeface="+mn-ea"/>
+              <a:cs typeface="+mn-cs"/>
+            </a:endParaRPr>
+          </a:p>
+        </p:txBody>
+      </p:sp>
+      <p:sp>
+        <p:nvSpPr>
+          <p:cNvPr id="3" name="等腰三角形 2"/>
+          <p:cNvSpPr/>
+          <p:nvPr/>
+        </p:nvSpPr>
+        <p:spPr>
+          <a:xfrm rot="19088536">
+            <a:off x="7283450" y="-541337"/>
+            <a:ext cx="2414588" cy="9158288"/>
+          </a:xfrm>
+          <a:custGeom>
+            <a:avLst/>
+            <a:gdLst>
+              <a:gd name="connsiteX0" fmla="*/ 0 w 1117600"/>
+              <a:gd name="connsiteY0" fmla="*/ 5702300 h 5702300"/>
+              <a:gd name="connsiteX1" fmla="*/ 558800 w 1117600"/>
+              <a:gd name="connsiteY1" fmla="*/ 0 h 5702300"/>
+              <a:gd name="connsiteX2" fmla="*/ 1117600 w 1117600"/>
+              <a:gd name="connsiteY2" fmla="*/ 5702300 h 5702300"/>
+              <a:gd name="connsiteX3" fmla="*/ 0 w 1117600"/>
+              <a:gd name="connsiteY3" fmla="*/ 5702300 h 5702300"/>
+              <a:gd name="connsiteX0-1" fmla="*/ 0 w 2070142"/>
+              <a:gd name="connsiteY0-2" fmla="*/ 5702300 h 7817508"/>
+              <a:gd name="connsiteX1-3" fmla="*/ 558800 w 2070142"/>
+              <a:gd name="connsiteY1-4" fmla="*/ 0 h 7817508"/>
+              <a:gd name="connsiteX2-5" fmla="*/ 2070142 w 2070142"/>
+              <a:gd name="connsiteY2-6" fmla="*/ 7817508 h 7817508"/>
+              <a:gd name="connsiteX3-7" fmla="*/ 0 w 2070142"/>
+              <a:gd name="connsiteY3-8" fmla="*/ 5702300 h 7817508"/>
+              <a:gd name="connsiteX0-9" fmla="*/ 0 w 2414257"/>
+              <a:gd name="connsiteY0-10" fmla="*/ 6314781 h 7817508"/>
+              <a:gd name="connsiteX1-11" fmla="*/ 902915 w 2414257"/>
+              <a:gd name="connsiteY1-12" fmla="*/ 0 h 7817508"/>
+              <a:gd name="connsiteX2-13" fmla="*/ 2414257 w 2414257"/>
+              <a:gd name="connsiteY2-14" fmla="*/ 7817508 h 7817508"/>
+              <a:gd name="connsiteX3-15" fmla="*/ 0 w 2414257"/>
+              <a:gd name="connsiteY3-16" fmla="*/ 6314781 h 7817508"/>
+              <a:gd name="connsiteX0-17" fmla="*/ 0 w 2414257"/>
+              <a:gd name="connsiteY0-18" fmla="*/ 6314781 h 7817508"/>
+              <a:gd name="connsiteX1-19" fmla="*/ 902915 w 2414257"/>
+              <a:gd name="connsiteY1-20" fmla="*/ 0 h 7817508"/>
+              <a:gd name="connsiteX2-21" fmla="*/ 2414257 w 2414257"/>
+              <a:gd name="connsiteY2-22" fmla="*/ 7817508 h 7817508"/>
+              <a:gd name="connsiteX3-23" fmla="*/ 1191330 w 2414257"/>
+              <a:gd name="connsiteY3-24" fmla="*/ 7039908 h 7817508"/>
+              <a:gd name="connsiteX4" fmla="*/ 0 w 2414257"/>
+              <a:gd name="connsiteY4" fmla="*/ 6314781 h 7817508"/>
+              <a:gd name="connsiteX0-25" fmla="*/ 0 w 2414257"/>
+              <a:gd name="connsiteY0-26" fmla="*/ 6314781 h 8205626"/>
+              <a:gd name="connsiteX1-27" fmla="*/ 902915 w 2414257"/>
+              <a:gd name="connsiteY1-28" fmla="*/ 0 h 8205626"/>
+              <a:gd name="connsiteX2-29" fmla="*/ 2414257 w 2414257"/>
+              <a:gd name="connsiteY2-30" fmla="*/ 7817508 h 8205626"/>
+              <a:gd name="connsiteX3-31" fmla="*/ 2073759 w 2414257"/>
+              <a:gd name="connsiteY3-32" fmla="*/ 8205626 h 8205626"/>
+              <a:gd name="connsiteX4-33" fmla="*/ 0 w 2414257"/>
+              <a:gd name="connsiteY4-34" fmla="*/ 6314781 h 8205626"/>
+              <a:gd name="connsiteX0-35" fmla="*/ 0 w 2414257"/>
+              <a:gd name="connsiteY0-36" fmla="*/ 6436203 h 8327048"/>
+              <a:gd name="connsiteX1-37" fmla="*/ 329641 w 2414257"/>
+              <a:gd name="connsiteY1-38" fmla="*/ 0 h 8327048"/>
+              <a:gd name="connsiteX2-39" fmla="*/ 2414257 w 2414257"/>
+              <a:gd name="connsiteY2-40" fmla="*/ 7938930 h 8327048"/>
+              <a:gd name="connsiteX3-41" fmla="*/ 2073759 w 2414257"/>
+              <a:gd name="connsiteY3-42" fmla="*/ 8327048 h 8327048"/>
+              <a:gd name="connsiteX4-43" fmla="*/ 0 w 2414257"/>
+              <a:gd name="connsiteY4-44" fmla="*/ 6436203 h 8327048"/>
+              <a:gd name="connsiteX0-45" fmla="*/ 0 w 2414257"/>
+              <a:gd name="connsiteY0-46" fmla="*/ 6431068 h 8321913"/>
+              <a:gd name="connsiteX1-47" fmla="*/ 563761 w 2414257"/>
+              <a:gd name="connsiteY1-48" fmla="*/ 0 h 8321913"/>
+              <a:gd name="connsiteX2-49" fmla="*/ 2414257 w 2414257"/>
+              <a:gd name="connsiteY2-50" fmla="*/ 7933795 h 8321913"/>
+              <a:gd name="connsiteX3-51" fmla="*/ 2073759 w 2414257"/>
+              <a:gd name="connsiteY3-52" fmla="*/ 8321913 h 8321913"/>
+              <a:gd name="connsiteX4-53" fmla="*/ 0 w 2414257"/>
+              <a:gd name="connsiteY4-54" fmla="*/ 6431068 h 8321913"/>
+              <a:gd name="connsiteX0-55" fmla="*/ 0 w 2414257"/>
+              <a:gd name="connsiteY0-56" fmla="*/ 7267650 h 9158495"/>
+              <a:gd name="connsiteX1-57" fmla="*/ 239027 w 2414257"/>
+              <a:gd name="connsiteY1-58" fmla="*/ 0 h 9158495"/>
+              <a:gd name="connsiteX2-59" fmla="*/ 2414257 w 2414257"/>
+              <a:gd name="connsiteY2-60" fmla="*/ 8770377 h 9158495"/>
+              <a:gd name="connsiteX3-61" fmla="*/ 2073759 w 2414257"/>
+              <a:gd name="connsiteY3-62" fmla="*/ 9158495 h 9158495"/>
+              <a:gd name="connsiteX4-63" fmla="*/ 0 w 2414257"/>
+              <a:gd name="connsiteY4-64" fmla="*/ 7267650 h 9158495"/>
+            </a:gdLst>
+            <a:ahLst/>
+            <a:cxnLst>
+              <a:cxn ang="0">
+                <a:pos x="connsiteX0-1" y="connsiteY0-2"/>
+              </a:cxn>
+              <a:cxn ang="0">
+                <a:pos x="connsiteX1-3" y="connsiteY1-4"/>
+              </a:cxn>
+              <a:cxn ang="0">
+                <a:pos x="connsiteX2-5" y="connsiteY2-6"/>
+              </a:cxn>
+              <a:cxn ang="0">
+                <a:pos x="connsiteX3-7" y="connsiteY3-8"/>
+              </a:cxn>
+              <a:cxn ang="0">
+                <a:pos x="connsiteX4-33" y="connsiteY4-34"/>
+              </a:cxn>
+            </a:cxnLst>
+            <a:rect l="l" t="t" r="r" b="b"/>
+            <a:pathLst>
+              <a:path w="2414257" h="9158495">
+                <a:moveTo>
+                  <a:pt x="0" y="7267650"/>
+                </a:moveTo>
+                <a:lnTo>
+                  <a:pt x="239027" y="0"/>
+                </a:lnTo>
+                <a:lnTo>
+                  <a:pt x="2414257" y="8770377"/>
+                </a:lnTo>
+                <a:lnTo>
+                  <a:pt x="2073759" y="9158495"/>
+                </a:lnTo>
+                <a:lnTo>
+                  <a:pt x="0" y="7267650"/>
+                </a:lnTo>
+                <a:close/>
+              </a:path>
+            </a:pathLst>
+          </a:custGeom>
+          <a:solidFill>
+            <a:srgbClr val="C4C4C4"/>
+          </a:solidFill>
+          <a:ln>
+            <a:noFill/>
+          </a:ln>
+        </p:spPr>
+        <p:style>
+          <a:lnRef idx="2">
+            <a:schemeClr val="accent1">
+              <a:shade val="50000"/>
+            </a:schemeClr>
+          </a:lnRef>
+          <a:fillRef idx="1">
+            <a:schemeClr val="accent1"/>
+          </a:fillRef>
+          <a:effectRef idx="0">
+            <a:schemeClr val="accent1"/>
+          </a:effectRef>
+          <a:fontRef idx="minor">
+            <a:schemeClr val="lt1"/>
+          </a:fontRef>
+        </p:style>
+        <p:txBody>
+          <a:bodyPr anchor="ctr"/>
+          <a:lstStyle/>
+          <a:p>
+            <a:pPr marL="0" marR="0" lvl="0" indent="0" algn="ctr" defTabSz="914400" rtl="0" eaLnBrk="1" fontAlgn="auto" latinLnBrk="0" hangingPunct="1">
+              <a:lnSpc>
+                <a:spcPct val="100000"/>
+              </a:lnSpc>
+              <a:spcBef>
+                <a:spcPts val="0"/>
+              </a:spcBef>
+              <a:spcAft>
+                <a:spcPts val="0"/>
+              </a:spcAft>
+              <a:buClrTx/>
+              <a:buSzTx/>
+              <a:buFontTx/>
+              <a:buNone/>
+              <a:defRPr/>
+            </a:pPr>
+            <a:endParaRPr kumimoji="0" lang="zh-CN" altLang="en-US" sz="1800" b="0" i="0" u="none" strike="noStrike" kern="1200" cap="none" spc="0" normalizeH="0" baseline="0" noProof="0">
+              <a:ln>
+                <a:noFill/>
+              </a:ln>
+              <a:solidFill>
+                <a:schemeClr val="lt1"/>
+              </a:solidFill>
+              <a:effectLst/>
+              <a:uLnTx/>
+              <a:uFillTx/>
+              <a:latin typeface="+mn-lt"/>
+              <a:ea typeface="+mn-ea"/>
+              <a:cs typeface="+mn-cs"/>
+            </a:endParaRPr>
+          </a:p>
+        </p:txBody>
+      </p:sp>
+      <p:sp>
+        <p:nvSpPr>
+          <p:cNvPr id="8" name="任意多边形 7"/>
+          <p:cNvSpPr/>
+          <p:nvPr/>
+        </p:nvSpPr>
+        <p:spPr>
+          <a:xfrm rot="7572289">
+            <a:off x="5132388" y="-1582737"/>
+            <a:ext cx="741363" cy="6269038"/>
+          </a:xfrm>
+          <a:custGeom>
+            <a:avLst/>
+            <a:gdLst>
+              <a:gd name="connsiteX0" fmla="*/ 742650 w 742650"/>
+              <a:gd name="connsiteY0" fmla="*/ 6268899 h 6268899"/>
+              <a:gd name="connsiteX1" fmla="*/ 0 w 742650"/>
+              <a:gd name="connsiteY1" fmla="*/ 5254376 h 6268899"/>
+              <a:gd name="connsiteX2" fmla="*/ 242314 w 742650"/>
+              <a:gd name="connsiteY2" fmla="*/ 0 h 6268899"/>
+            </a:gdLst>
+            <a:ahLst/>
+            <a:cxnLst>
+              <a:cxn ang="0">
+                <a:pos x="connsiteX0" y="connsiteY0"/>
+              </a:cxn>
+              <a:cxn ang="0">
+                <a:pos x="connsiteX1" y="connsiteY1"/>
+              </a:cxn>
+              <a:cxn ang="0">
+                <a:pos x="connsiteX2" y="connsiteY2"/>
+              </a:cxn>
+            </a:cxnLst>
+            <a:rect l="l" t="t" r="r" b="b"/>
+            <a:pathLst>
+              <a:path w="742650" h="6268899">
+                <a:moveTo>
+                  <a:pt x="742650" y="6268899"/>
+                </a:moveTo>
+                <a:lnTo>
+                  <a:pt x="0" y="5254376"/>
+                </a:lnTo>
+                <a:lnTo>
+                  <a:pt x="242314" y="0"/>
+                </a:lnTo>
+                <a:close/>
+              </a:path>
+            </a:pathLst>
+          </a:custGeom>
+          <a:solidFill>
+            <a:srgbClr val="F0B931"/>
+          </a:solidFill>
+          <a:ln>
+            <a:noFill/>
+          </a:ln>
+        </p:spPr>
+        <p:style>
+          <a:lnRef idx="2">
+            <a:schemeClr val="accent1">
+              <a:shade val="50000"/>
+            </a:schemeClr>
+          </a:lnRef>
+          <a:fillRef idx="1">
+            <a:schemeClr val="accent1"/>
+          </a:fillRef>
+          <a:effectRef idx="0">
+            <a:schemeClr val="accent1"/>
+          </a:effectRef>
+          <a:fontRef idx="minor">
+            <a:schemeClr val="lt1"/>
+          </a:fontRef>
+        </p:style>
+        <p:txBody>
+          <a:bodyPr anchor="ctr"/>
+          <a:lstStyle/>
+          <a:p>
+            <a:pPr marL="0" marR="0" lvl="0" indent="0" algn="ctr" defTabSz="914400" rtl="0" eaLnBrk="1" fontAlgn="auto" latinLnBrk="0" hangingPunct="1">
+              <a:lnSpc>
+                <a:spcPct val="100000"/>
+              </a:lnSpc>
+              <a:spcBef>
+                <a:spcPts val="0"/>
+              </a:spcBef>
+              <a:spcAft>
+                <a:spcPts val="0"/>
+              </a:spcAft>
+              <a:buClrTx/>
+              <a:buSzTx/>
+              <a:buFontTx/>
+              <a:buNone/>
+              <a:defRPr/>
+            </a:pPr>
+            <a:endParaRPr kumimoji="0" lang="zh-CN" altLang="en-US" sz="1800" b="0" i="0" u="none" strike="noStrike" kern="1200" cap="none" spc="0" normalizeH="0" baseline="0" noProof="0">
+              <a:ln>
+                <a:noFill/>
+              </a:ln>
+              <a:solidFill>
+                <a:schemeClr val="lt1"/>
+              </a:solidFill>
+              <a:effectLst/>
+              <a:uLnTx/>
+              <a:uFillTx/>
+              <a:latin typeface="+mn-lt"/>
+              <a:ea typeface="+mn-ea"/>
+              <a:cs typeface="+mn-cs"/>
+            </a:endParaRPr>
+          </a:p>
+        </p:txBody>
+      </p:sp>
+      <p:pic>
+        <p:nvPicPr>
+          <p:cNvPr id="5" name="Picture 4" descr="python-logo"/>
+          <p:cNvPicPr>
+            <a:picLocks noChangeAspect="1"/>
+          </p:cNvPicPr>
+          <p:nvPr/>
+        </p:nvPicPr>
+        <p:blipFill>
+          <a:blip r:embed="rId2"/>
+          <a:stretch>
+            <a:fillRect/>
+          </a:stretch>
+        </p:blipFill>
+        <p:spPr>
+          <a:xfrm>
+            <a:off x="8509000" y="361315"/>
+            <a:ext cx="3683000" cy="1041400"/>
+          </a:xfrm>
+          <a:prstGeom prst="rect">
+            <a:avLst/>
+          </a:prstGeom>
+        </p:spPr>
+      </p:pic>
+      <p:sp>
+        <p:nvSpPr>
+          <p:cNvPr id="4" name="Text Box 3"/>
+          <p:cNvSpPr txBox="1"/>
+          <p:nvPr/>
+        </p:nvSpPr>
+        <p:spPr>
+          <a:xfrm>
+            <a:off x="161290" y="99060"/>
+            <a:ext cx="6821170" cy="583565"/>
+          </a:xfrm>
+          <a:prstGeom prst="rect">
+            <a:avLst/>
+          </a:prstGeom>
+          <a:noFill/>
+        </p:spPr>
+        <p:txBody>
+          <a:bodyPr wrap="none" rtlCol="0" anchor="t">
+            <a:spAutoFit/>
+          </a:bodyPr>
+          <a:lstStyle/>
+          <a:p>
+            <a:r>
+              <a:rPr lang="en-US" sz="3200">
+                <a:sym typeface="+mn-ea"/>
+              </a:rPr>
+              <a:t>Python Directory and Files Management</a:t>
+            </a:r>
+          </a:p>
+        </p:txBody>
+      </p:sp>
+      <p:sp>
+        <p:nvSpPr>
+          <p:cNvPr id="9" name="Rectangle 8"/>
+          <p:cNvSpPr/>
+          <p:nvPr/>
+        </p:nvSpPr>
+        <p:spPr>
+          <a:xfrm>
+            <a:off x="228954" y="1011156"/>
+            <a:ext cx="3676519" cy="461665"/>
+          </a:xfrm>
+          <a:prstGeom prst="rect">
+            <a:avLst/>
+          </a:prstGeom>
+        </p:spPr>
+        <p:txBody>
+          <a:bodyPr wrap="none">
+            <a:spAutoFit/>
+          </a:bodyPr>
+          <a:lstStyle/>
+          <a:p>
+            <a:r>
+              <a:rPr lang="en-US" sz="2400" b="1" dirty="0" smtClean="0"/>
+              <a:t>Python OS &amp; </a:t>
+            </a:r>
+            <a:r>
+              <a:rPr lang="en-US" sz="2400" b="1" dirty="0" err="1"/>
+              <a:t>Shutil</a:t>
+            </a:r>
+            <a:r>
+              <a:rPr lang="en-US" sz="2400" b="1" dirty="0"/>
+              <a:t> Module</a:t>
+            </a:r>
+          </a:p>
+        </p:txBody>
+      </p:sp>
+      <p:sp>
+        <p:nvSpPr>
+          <p:cNvPr id="10" name="Rectangle 9"/>
+          <p:cNvSpPr/>
+          <p:nvPr/>
+        </p:nvSpPr>
+        <p:spPr>
+          <a:xfrm>
+            <a:off x="161290" y="1618097"/>
+            <a:ext cx="11585675" cy="1569660"/>
+          </a:xfrm>
+          <a:prstGeom prst="rect">
+            <a:avLst/>
+          </a:prstGeom>
+        </p:spPr>
+        <p:txBody>
+          <a:bodyPr wrap="square">
+            <a:spAutoFit/>
+          </a:bodyPr>
+          <a:lstStyle/>
+          <a:p>
+            <a:r>
+              <a:rPr lang="en-US" sz="2400" dirty="0"/>
+              <a:t>The </a:t>
+            </a:r>
+            <a:r>
+              <a:rPr lang="en-US" sz="2400" dirty="0" err="1"/>
+              <a:t>shutil</a:t>
+            </a:r>
+            <a:r>
+              <a:rPr lang="en-US" sz="2400" dirty="0"/>
+              <a:t> in Python is a module that offers several functions to deal with operations on files and their collections. It provides the ability to copy and removal of files.</a:t>
+            </a:r>
+          </a:p>
+          <a:p>
+            <a:r>
+              <a:rPr lang="en-US" sz="2400" dirty="0"/>
+              <a:t>In a way, it is similar to the OS Module; however, the OS Module does have functions dealing with collections of files</a:t>
+            </a:r>
+            <a:r>
+              <a:rPr lang="en-US" dirty="0"/>
+              <a:t>.</a:t>
+            </a:r>
+          </a:p>
+        </p:txBody>
+      </p:sp>
+      <p:sp>
+        <p:nvSpPr>
+          <p:cNvPr id="11" name="Rectangle 10"/>
+          <p:cNvSpPr/>
+          <p:nvPr/>
+        </p:nvSpPr>
+        <p:spPr>
+          <a:xfrm>
+            <a:off x="228954" y="3333033"/>
+            <a:ext cx="11701789" cy="1569660"/>
+          </a:xfrm>
+          <a:prstGeom prst="rect">
+            <a:avLst/>
+          </a:prstGeom>
+        </p:spPr>
+        <p:txBody>
+          <a:bodyPr wrap="square">
+            <a:spAutoFit/>
+          </a:bodyPr>
+          <a:lstStyle/>
+          <a:p>
+            <a:pPr marL="342900" indent="-342900">
+              <a:buFont typeface="Wingdings" panose="05000000000000000000" pitchFamily="2" charset="2"/>
+              <a:buChar char="Ø"/>
+            </a:pPr>
+            <a:r>
+              <a:rPr lang="en-US" sz="2400" b="1" dirty="0" err="1" smtClean="0"/>
+              <a:t>Shuttil</a:t>
+            </a:r>
+            <a:r>
+              <a:rPr lang="en-US" sz="2400" b="1" dirty="0" smtClean="0"/>
+              <a:t> Functions : </a:t>
+            </a:r>
+            <a:r>
+              <a:rPr lang="en-US" sz="2400" dirty="0" err="1" smtClean="0"/>
+              <a:t>copytree</a:t>
+            </a:r>
+            <a:r>
+              <a:rPr lang="en-US" sz="2400" dirty="0"/>
+              <a:t>(), </a:t>
+            </a:r>
+            <a:r>
+              <a:rPr lang="en-US" sz="2400" dirty="0" err="1"/>
+              <a:t>make_archive</a:t>
+            </a:r>
+            <a:r>
+              <a:rPr lang="en-US" sz="2400" dirty="0"/>
+              <a:t>(), which(), </a:t>
+            </a:r>
+            <a:r>
+              <a:rPr lang="en-US" sz="2400" dirty="0" err="1"/>
+              <a:t>rmtree</a:t>
+            </a:r>
+            <a:r>
+              <a:rPr lang="en-US" sz="2400" dirty="0"/>
+              <a:t>(), copy(), copy2(), </a:t>
+            </a:r>
+            <a:r>
+              <a:rPr lang="en-US" sz="2400" dirty="0" err="1"/>
+              <a:t>copystat</a:t>
+            </a:r>
+            <a:r>
+              <a:rPr lang="en-US" sz="2400" dirty="0"/>
+              <a:t>(), move(), etc</a:t>
+            </a:r>
+            <a:r>
+              <a:rPr lang="en-US" sz="2400" dirty="0" smtClean="0"/>
+              <a:t>.</a:t>
+            </a:r>
+          </a:p>
+          <a:p>
+            <a:endParaRPr lang="en-US" sz="2400" dirty="0"/>
+          </a:p>
+          <a:p>
+            <a:pPr marL="342900" indent="-342900">
+              <a:buFont typeface="Wingdings" panose="05000000000000000000" pitchFamily="2" charset="2"/>
+              <a:buChar char="Ø"/>
+            </a:pPr>
+            <a:r>
+              <a:rPr lang="en-US" sz="2400" b="1" dirty="0" smtClean="0"/>
+              <a:t>OS Module Functions </a:t>
+            </a:r>
+            <a:r>
+              <a:rPr lang="en-US" sz="2400" b="1" dirty="0"/>
+              <a:t>: </a:t>
+            </a:r>
+            <a:r>
+              <a:rPr lang="en-US" sz="2400" dirty="0" err="1"/>
+              <a:t>getcwd</a:t>
+            </a:r>
+            <a:r>
+              <a:rPr lang="en-US" sz="2400" dirty="0"/>
+              <a:t>(),</a:t>
+            </a:r>
+            <a:r>
+              <a:rPr lang="en-US" sz="2400" dirty="0" err="1"/>
+              <a:t>mkdir</a:t>
+            </a:r>
+            <a:r>
+              <a:rPr lang="en-US" sz="2400" dirty="0"/>
+              <a:t>(),</a:t>
+            </a:r>
+            <a:r>
+              <a:rPr lang="en-US" sz="2400" dirty="0" err="1"/>
+              <a:t>chdir</a:t>
+            </a:r>
+            <a:r>
+              <a:rPr lang="en-US" sz="2400" dirty="0"/>
+              <a:t>(),</a:t>
+            </a:r>
+            <a:r>
+              <a:rPr lang="en-US" sz="2400" dirty="0" err="1"/>
+              <a:t>rmdir</a:t>
+            </a:r>
+            <a:r>
+              <a:rPr lang="en-US" sz="2400" dirty="0"/>
+              <a:t>(),</a:t>
+            </a:r>
+            <a:r>
+              <a:rPr lang="en-US" sz="2400" dirty="0" err="1"/>
+              <a:t>listdir</a:t>
+            </a:r>
+            <a:r>
+              <a:rPr lang="en-US" sz="2400" dirty="0"/>
+              <a:t>(),</a:t>
+            </a:r>
+            <a:r>
+              <a:rPr lang="en-US" sz="2400" dirty="0" err="1"/>
+              <a:t>os.path.join</a:t>
+            </a:r>
+            <a:r>
+              <a:rPr lang="en-US" sz="2400" dirty="0"/>
+              <a:t>()</a:t>
+            </a:r>
+          </a:p>
+        </p:txBody>
+      </p:sp>
+    </p:spTree>
+    <p:extLst>
+      <p:ext uri="{BB962C8B-B14F-4D97-AF65-F5344CB8AC3E}">
+        <p14:creationId xmlns:p14="http://schemas.microsoft.com/office/powerpoint/2010/main" val="3864355180"/>
+      </p:ext>
+    </p:extLst>
+  </p:cSld>
+  <p:clrMapOvr>
+    <a:masterClrMapping/>
+  </p:clrMapOvr>
+</p:sld>
+</file>
+
+<file path=ppt/slides/slide23.xml><?xml version="1.0" encoding="utf-8"?>
+<p:sld xmlns:a="http://schemas.openxmlformats.org/drawingml/2006/main" xmlns:r="http://schemas.openxmlformats.org/officeDocument/2006/relationships" xmlns:p="http://schemas.openxmlformats.org/presentationml/2006/main">
+  <p:cSld>
+    <p:spTree>
+      <p:nvGrpSpPr>
+        <p:cNvPr id="1" name=""/>
+        <p:cNvGrpSpPr/>
+        <p:nvPr/>
+      </p:nvGrpSpPr>
+      <p:grpSpPr>
+        <a:xfrm>
+          <a:off x="0" y="0"/>
+          <a:ext cx="0" cy="0"/>
+          <a:chOff x="0" y="0"/>
+          <a:chExt cx="0" cy="0"/>
+        </a:xfrm>
+      </p:grpSpPr>
+      <p:sp>
+        <p:nvSpPr>
+          <p:cNvPr id="2" name="直角三角形 1"/>
+          <p:cNvSpPr/>
+          <p:nvPr/>
+        </p:nvSpPr>
+        <p:spPr>
+          <a:xfrm flipH="1" flipV="1">
+            <a:off x="4076700" y="0"/>
+            <a:ext cx="8115300" cy="6273800"/>
+          </a:xfrm>
+          <a:prstGeom prst="rtTriangle">
+            <a:avLst/>
+          </a:prstGeom>
+          <a:solidFill>
+            <a:srgbClr val="747472"/>
+          </a:solidFill>
+          <a:ln>
+            <a:noFill/>
+          </a:ln>
+        </p:spPr>
+        <p:style>
+          <a:lnRef idx="2">
+            <a:schemeClr val="accent1">
+              <a:shade val="50000"/>
+            </a:schemeClr>
+          </a:lnRef>
+          <a:fillRef idx="1">
+            <a:schemeClr val="accent1"/>
+          </a:fillRef>
+          <a:effectRef idx="0">
+            <a:schemeClr val="accent1"/>
+          </a:effectRef>
+          <a:fontRef idx="minor">
+            <a:schemeClr val="lt1"/>
+          </a:fontRef>
+        </p:style>
+        <p:txBody>
+          <a:bodyPr anchor="ctr"/>
+          <a:lstStyle/>
+          <a:p>
+            <a:pPr marL="0" marR="0" lvl="0" indent="0" algn="ctr" defTabSz="914400" rtl="0" eaLnBrk="1" fontAlgn="auto" latinLnBrk="0" hangingPunct="1">
+              <a:lnSpc>
+                <a:spcPct val="100000"/>
+              </a:lnSpc>
+              <a:spcBef>
+                <a:spcPts val="0"/>
+              </a:spcBef>
+              <a:spcAft>
+                <a:spcPts val="0"/>
+              </a:spcAft>
+              <a:buClrTx/>
+              <a:buSzTx/>
+              <a:buFontTx/>
+              <a:buNone/>
+              <a:defRPr/>
+            </a:pPr>
+            <a:endParaRPr kumimoji="0" lang="zh-CN" altLang="en-US" sz="1800" b="0" i="0" u="none" strike="noStrike" kern="1200" cap="none" spc="0" normalizeH="0" baseline="0" noProof="0">
+              <a:ln>
+                <a:noFill/>
+              </a:ln>
+              <a:solidFill>
+                <a:schemeClr val="lt1"/>
+              </a:solidFill>
+              <a:effectLst/>
+              <a:uLnTx/>
+              <a:uFillTx/>
+              <a:latin typeface="+mn-lt"/>
+              <a:ea typeface="+mn-ea"/>
+              <a:cs typeface="+mn-cs"/>
+            </a:endParaRPr>
+          </a:p>
+        </p:txBody>
+      </p:sp>
+      <p:sp>
+        <p:nvSpPr>
+          <p:cNvPr id="3" name="等腰三角形 2"/>
+          <p:cNvSpPr/>
+          <p:nvPr/>
+        </p:nvSpPr>
+        <p:spPr>
+          <a:xfrm rot="19088536">
+            <a:off x="7283450" y="-541337"/>
+            <a:ext cx="2414588" cy="9158288"/>
+          </a:xfrm>
+          <a:custGeom>
+            <a:avLst/>
+            <a:gdLst>
+              <a:gd name="connsiteX0" fmla="*/ 0 w 1117600"/>
+              <a:gd name="connsiteY0" fmla="*/ 5702300 h 5702300"/>
+              <a:gd name="connsiteX1" fmla="*/ 558800 w 1117600"/>
+              <a:gd name="connsiteY1" fmla="*/ 0 h 5702300"/>
+              <a:gd name="connsiteX2" fmla="*/ 1117600 w 1117600"/>
+              <a:gd name="connsiteY2" fmla="*/ 5702300 h 5702300"/>
+              <a:gd name="connsiteX3" fmla="*/ 0 w 1117600"/>
+              <a:gd name="connsiteY3" fmla="*/ 5702300 h 5702300"/>
+              <a:gd name="connsiteX0-1" fmla="*/ 0 w 2070142"/>
+              <a:gd name="connsiteY0-2" fmla="*/ 5702300 h 7817508"/>
+              <a:gd name="connsiteX1-3" fmla="*/ 558800 w 2070142"/>
+              <a:gd name="connsiteY1-4" fmla="*/ 0 h 7817508"/>
+              <a:gd name="connsiteX2-5" fmla="*/ 2070142 w 2070142"/>
+              <a:gd name="connsiteY2-6" fmla="*/ 7817508 h 7817508"/>
+              <a:gd name="connsiteX3-7" fmla="*/ 0 w 2070142"/>
+              <a:gd name="connsiteY3-8" fmla="*/ 5702300 h 7817508"/>
+              <a:gd name="connsiteX0-9" fmla="*/ 0 w 2414257"/>
+              <a:gd name="connsiteY0-10" fmla="*/ 6314781 h 7817508"/>
+              <a:gd name="connsiteX1-11" fmla="*/ 902915 w 2414257"/>
+              <a:gd name="connsiteY1-12" fmla="*/ 0 h 7817508"/>
+              <a:gd name="connsiteX2-13" fmla="*/ 2414257 w 2414257"/>
+              <a:gd name="connsiteY2-14" fmla="*/ 7817508 h 7817508"/>
+              <a:gd name="connsiteX3-15" fmla="*/ 0 w 2414257"/>
+              <a:gd name="connsiteY3-16" fmla="*/ 6314781 h 7817508"/>
+              <a:gd name="connsiteX0-17" fmla="*/ 0 w 2414257"/>
+              <a:gd name="connsiteY0-18" fmla="*/ 6314781 h 7817508"/>
+              <a:gd name="connsiteX1-19" fmla="*/ 902915 w 2414257"/>
+              <a:gd name="connsiteY1-20" fmla="*/ 0 h 7817508"/>
+              <a:gd name="connsiteX2-21" fmla="*/ 2414257 w 2414257"/>
+              <a:gd name="connsiteY2-22" fmla="*/ 7817508 h 7817508"/>
+              <a:gd name="connsiteX3-23" fmla="*/ 1191330 w 2414257"/>
+              <a:gd name="connsiteY3-24" fmla="*/ 7039908 h 7817508"/>
+              <a:gd name="connsiteX4" fmla="*/ 0 w 2414257"/>
+              <a:gd name="connsiteY4" fmla="*/ 6314781 h 7817508"/>
+              <a:gd name="connsiteX0-25" fmla="*/ 0 w 2414257"/>
+              <a:gd name="connsiteY0-26" fmla="*/ 6314781 h 8205626"/>
+              <a:gd name="connsiteX1-27" fmla="*/ 902915 w 2414257"/>
+              <a:gd name="connsiteY1-28" fmla="*/ 0 h 8205626"/>
+              <a:gd name="connsiteX2-29" fmla="*/ 2414257 w 2414257"/>
+              <a:gd name="connsiteY2-30" fmla="*/ 7817508 h 8205626"/>
+              <a:gd name="connsiteX3-31" fmla="*/ 2073759 w 2414257"/>
+              <a:gd name="connsiteY3-32" fmla="*/ 8205626 h 8205626"/>
+              <a:gd name="connsiteX4-33" fmla="*/ 0 w 2414257"/>
+              <a:gd name="connsiteY4-34" fmla="*/ 6314781 h 8205626"/>
+              <a:gd name="connsiteX0-35" fmla="*/ 0 w 2414257"/>
+              <a:gd name="connsiteY0-36" fmla="*/ 6436203 h 8327048"/>
+              <a:gd name="connsiteX1-37" fmla="*/ 329641 w 2414257"/>
+              <a:gd name="connsiteY1-38" fmla="*/ 0 h 8327048"/>
+              <a:gd name="connsiteX2-39" fmla="*/ 2414257 w 2414257"/>
+              <a:gd name="connsiteY2-40" fmla="*/ 7938930 h 8327048"/>
+              <a:gd name="connsiteX3-41" fmla="*/ 2073759 w 2414257"/>
+              <a:gd name="connsiteY3-42" fmla="*/ 8327048 h 8327048"/>
+              <a:gd name="connsiteX4-43" fmla="*/ 0 w 2414257"/>
+              <a:gd name="connsiteY4-44" fmla="*/ 6436203 h 8327048"/>
+              <a:gd name="connsiteX0-45" fmla="*/ 0 w 2414257"/>
+              <a:gd name="connsiteY0-46" fmla="*/ 6431068 h 8321913"/>
+              <a:gd name="connsiteX1-47" fmla="*/ 563761 w 2414257"/>
+              <a:gd name="connsiteY1-48" fmla="*/ 0 h 8321913"/>
+              <a:gd name="connsiteX2-49" fmla="*/ 2414257 w 2414257"/>
+              <a:gd name="connsiteY2-50" fmla="*/ 7933795 h 8321913"/>
+              <a:gd name="connsiteX3-51" fmla="*/ 2073759 w 2414257"/>
+              <a:gd name="connsiteY3-52" fmla="*/ 8321913 h 8321913"/>
+              <a:gd name="connsiteX4-53" fmla="*/ 0 w 2414257"/>
+              <a:gd name="connsiteY4-54" fmla="*/ 6431068 h 8321913"/>
+              <a:gd name="connsiteX0-55" fmla="*/ 0 w 2414257"/>
+              <a:gd name="connsiteY0-56" fmla="*/ 7267650 h 9158495"/>
+              <a:gd name="connsiteX1-57" fmla="*/ 239027 w 2414257"/>
+              <a:gd name="connsiteY1-58" fmla="*/ 0 h 9158495"/>
+              <a:gd name="connsiteX2-59" fmla="*/ 2414257 w 2414257"/>
+              <a:gd name="connsiteY2-60" fmla="*/ 8770377 h 9158495"/>
+              <a:gd name="connsiteX3-61" fmla="*/ 2073759 w 2414257"/>
+              <a:gd name="connsiteY3-62" fmla="*/ 9158495 h 9158495"/>
+              <a:gd name="connsiteX4-63" fmla="*/ 0 w 2414257"/>
+              <a:gd name="connsiteY4-64" fmla="*/ 7267650 h 9158495"/>
+            </a:gdLst>
+            <a:ahLst/>
+            <a:cxnLst>
+              <a:cxn ang="0">
+                <a:pos x="connsiteX0-1" y="connsiteY0-2"/>
+              </a:cxn>
+              <a:cxn ang="0">
+                <a:pos x="connsiteX1-3" y="connsiteY1-4"/>
+              </a:cxn>
+              <a:cxn ang="0">
+                <a:pos x="connsiteX2-5" y="connsiteY2-6"/>
+              </a:cxn>
+              <a:cxn ang="0">
+                <a:pos x="connsiteX3-7" y="connsiteY3-8"/>
+              </a:cxn>
+              <a:cxn ang="0">
+                <a:pos x="connsiteX4-33" y="connsiteY4-34"/>
+              </a:cxn>
+            </a:cxnLst>
+            <a:rect l="l" t="t" r="r" b="b"/>
+            <a:pathLst>
+              <a:path w="2414257" h="9158495">
+                <a:moveTo>
+                  <a:pt x="0" y="7267650"/>
+                </a:moveTo>
+                <a:lnTo>
+                  <a:pt x="239027" y="0"/>
+                </a:lnTo>
+                <a:lnTo>
+                  <a:pt x="2414257" y="8770377"/>
+                </a:lnTo>
+                <a:lnTo>
+                  <a:pt x="2073759" y="9158495"/>
+                </a:lnTo>
+                <a:lnTo>
+                  <a:pt x="0" y="7267650"/>
+                </a:lnTo>
+                <a:close/>
+              </a:path>
+            </a:pathLst>
+          </a:custGeom>
+          <a:solidFill>
+            <a:srgbClr val="C4C4C4"/>
+          </a:solidFill>
+          <a:ln>
+            <a:noFill/>
+          </a:ln>
+        </p:spPr>
+        <p:style>
+          <a:lnRef idx="2">
+            <a:schemeClr val="accent1">
+              <a:shade val="50000"/>
+            </a:schemeClr>
+          </a:lnRef>
+          <a:fillRef idx="1">
+            <a:schemeClr val="accent1"/>
+          </a:fillRef>
+          <a:effectRef idx="0">
+            <a:schemeClr val="accent1"/>
+          </a:effectRef>
+          <a:fontRef idx="minor">
+            <a:schemeClr val="lt1"/>
+          </a:fontRef>
+        </p:style>
+        <p:txBody>
+          <a:bodyPr anchor="ctr"/>
+          <a:lstStyle/>
+          <a:p>
+            <a:pPr marL="0" marR="0" lvl="0" indent="0" algn="ctr" defTabSz="914400" rtl="0" eaLnBrk="1" fontAlgn="auto" latinLnBrk="0" hangingPunct="1">
+              <a:lnSpc>
+                <a:spcPct val="100000"/>
+              </a:lnSpc>
+              <a:spcBef>
+                <a:spcPts val="0"/>
+              </a:spcBef>
+              <a:spcAft>
+                <a:spcPts val="0"/>
+              </a:spcAft>
+              <a:buClrTx/>
+              <a:buSzTx/>
+              <a:buFontTx/>
+              <a:buNone/>
+              <a:defRPr/>
+            </a:pPr>
+            <a:endParaRPr kumimoji="0" lang="zh-CN" altLang="en-US" sz="1800" b="0" i="0" u="none" strike="noStrike" kern="1200" cap="none" spc="0" normalizeH="0" baseline="0" noProof="0">
+              <a:ln>
+                <a:noFill/>
+              </a:ln>
+              <a:solidFill>
+                <a:schemeClr val="lt1"/>
+              </a:solidFill>
+              <a:effectLst/>
+              <a:uLnTx/>
+              <a:uFillTx/>
+              <a:latin typeface="+mn-lt"/>
+              <a:ea typeface="+mn-ea"/>
+              <a:cs typeface="+mn-cs"/>
+            </a:endParaRPr>
+          </a:p>
+        </p:txBody>
+      </p:sp>
+      <p:sp>
+        <p:nvSpPr>
+          <p:cNvPr id="8" name="任意多边形 7"/>
+          <p:cNvSpPr/>
+          <p:nvPr/>
+        </p:nvSpPr>
+        <p:spPr>
+          <a:xfrm rot="7572289">
+            <a:off x="5132388" y="-1582737"/>
+            <a:ext cx="741363" cy="6269038"/>
+          </a:xfrm>
+          <a:custGeom>
+            <a:avLst/>
+            <a:gdLst>
+              <a:gd name="connsiteX0" fmla="*/ 742650 w 742650"/>
+              <a:gd name="connsiteY0" fmla="*/ 6268899 h 6268899"/>
+              <a:gd name="connsiteX1" fmla="*/ 0 w 742650"/>
+              <a:gd name="connsiteY1" fmla="*/ 5254376 h 6268899"/>
+              <a:gd name="connsiteX2" fmla="*/ 242314 w 742650"/>
+              <a:gd name="connsiteY2" fmla="*/ 0 h 6268899"/>
+            </a:gdLst>
+            <a:ahLst/>
+            <a:cxnLst>
+              <a:cxn ang="0">
+                <a:pos x="connsiteX0" y="connsiteY0"/>
+              </a:cxn>
+              <a:cxn ang="0">
+                <a:pos x="connsiteX1" y="connsiteY1"/>
+              </a:cxn>
+              <a:cxn ang="0">
+                <a:pos x="connsiteX2" y="connsiteY2"/>
+              </a:cxn>
+            </a:cxnLst>
+            <a:rect l="l" t="t" r="r" b="b"/>
+            <a:pathLst>
+              <a:path w="742650" h="6268899">
+                <a:moveTo>
+                  <a:pt x="742650" y="6268899"/>
+                </a:moveTo>
+                <a:lnTo>
+                  <a:pt x="0" y="5254376"/>
+                </a:lnTo>
+                <a:lnTo>
+                  <a:pt x="242314" y="0"/>
+                </a:lnTo>
+                <a:close/>
+              </a:path>
+            </a:pathLst>
+          </a:custGeom>
+          <a:solidFill>
+            <a:srgbClr val="F0B931"/>
+          </a:solidFill>
+          <a:ln>
+            <a:noFill/>
+          </a:ln>
+        </p:spPr>
+        <p:style>
+          <a:lnRef idx="2">
+            <a:schemeClr val="accent1">
+              <a:shade val="50000"/>
+            </a:schemeClr>
+          </a:lnRef>
+          <a:fillRef idx="1">
+            <a:schemeClr val="accent1"/>
+          </a:fillRef>
+          <a:effectRef idx="0">
+            <a:schemeClr val="accent1"/>
+          </a:effectRef>
+          <a:fontRef idx="minor">
+            <a:schemeClr val="lt1"/>
+          </a:fontRef>
+        </p:style>
+        <p:txBody>
+          <a:bodyPr anchor="ctr"/>
+          <a:lstStyle/>
+          <a:p>
+            <a:pPr marL="0" marR="0" lvl="0" indent="0" algn="ctr" defTabSz="914400" rtl="0" eaLnBrk="1" fontAlgn="auto" latinLnBrk="0" hangingPunct="1">
+              <a:lnSpc>
+                <a:spcPct val="100000"/>
+              </a:lnSpc>
+              <a:spcBef>
+                <a:spcPts val="0"/>
+              </a:spcBef>
+              <a:spcAft>
+                <a:spcPts val="0"/>
+              </a:spcAft>
+              <a:buClrTx/>
+              <a:buSzTx/>
+              <a:buFontTx/>
+              <a:buNone/>
+              <a:defRPr/>
+            </a:pPr>
+            <a:endParaRPr kumimoji="0" lang="zh-CN" altLang="en-US" sz="1800" b="0" i="0" u="none" strike="noStrike" kern="1200" cap="none" spc="0" normalizeH="0" baseline="0" noProof="0">
+              <a:ln>
+                <a:noFill/>
+              </a:ln>
+              <a:solidFill>
+                <a:schemeClr val="lt1"/>
+              </a:solidFill>
+              <a:effectLst/>
+              <a:uLnTx/>
+              <a:uFillTx/>
+              <a:latin typeface="+mn-lt"/>
+              <a:ea typeface="+mn-ea"/>
+              <a:cs typeface="+mn-cs"/>
+            </a:endParaRPr>
+          </a:p>
+        </p:txBody>
+      </p:sp>
+      <p:pic>
+        <p:nvPicPr>
+          <p:cNvPr id="5" name="Picture 4" descr="python-logo"/>
+          <p:cNvPicPr>
+            <a:picLocks noChangeAspect="1"/>
+          </p:cNvPicPr>
+          <p:nvPr/>
+        </p:nvPicPr>
+        <p:blipFill>
+          <a:blip r:embed="rId4"/>
+          <a:stretch>
+            <a:fillRect/>
+          </a:stretch>
+        </p:blipFill>
+        <p:spPr>
+          <a:xfrm>
+            <a:off x="8509000" y="361315"/>
+            <a:ext cx="3683000" cy="1041400"/>
+          </a:xfrm>
+          <a:prstGeom prst="rect">
+            <a:avLst/>
+          </a:prstGeom>
+        </p:spPr>
+      </p:pic>
+      <p:sp>
+        <p:nvSpPr>
+          <p:cNvPr id="18436" name="文本框 8"/>
+          <p:cNvSpPr txBox="1"/>
+          <p:nvPr/>
+        </p:nvSpPr>
+        <p:spPr>
+          <a:xfrm>
+            <a:off x="127953" y="207328"/>
+            <a:ext cx="4249420" cy="706755"/>
+          </a:xfrm>
+          <a:prstGeom prst="rect">
+            <a:avLst/>
+          </a:prstGeom>
+          <a:noFill/>
+          <a:ln w="9525">
+            <a:noFill/>
+          </a:ln>
+        </p:spPr>
+        <p:txBody>
+          <a:bodyPr wrap="none" anchor="t">
+            <a:spAutoFit/>
+          </a:bodyPr>
+          <a:lstStyle/>
+          <a:p>
+            <a:pPr lvl="0" algn="l"/>
+            <a:r>
+              <a:rPr lang="en-US" altLang="zh-CN" sz="4000" b="1" dirty="0">
+                <a:solidFill>
+                  <a:srgbClr val="262626"/>
+                </a:solidFill>
+                <a:latin typeface="Arial" panose="020B0604020202020204" pitchFamily="34" charset="0"/>
+                <a:ea typeface="Microsoft YaHei" panose="020B0503020204020204" pitchFamily="34" charset="-122"/>
+                <a:sym typeface="+mn-ea"/>
+              </a:rPr>
+              <a:t>Python Package </a:t>
+            </a:r>
+          </a:p>
+        </p:txBody>
+      </p:sp>
+      <p:sp>
+        <p:nvSpPr>
+          <p:cNvPr id="4" name="Text Box 3"/>
+          <p:cNvSpPr txBox="1"/>
+          <p:nvPr/>
+        </p:nvSpPr>
+        <p:spPr>
+          <a:xfrm>
+            <a:off x="408940" y="1402715"/>
+            <a:ext cx="11374755" cy="2306955"/>
+          </a:xfrm>
+          <a:prstGeom prst="rect">
+            <a:avLst/>
+          </a:prstGeom>
+          <a:noFill/>
+        </p:spPr>
+        <p:txBody>
+          <a:bodyPr wrap="square" rtlCol="0" anchor="t">
+            <a:spAutoFit/>
+          </a:bodyPr>
+          <a:lstStyle/>
+          <a:p>
+            <a:r>
+              <a:rPr lang="en-US" sz="2400"/>
+              <a:t>The packages in python facilitate the developer with the application development environment by providing a</a:t>
+            </a:r>
+            <a:r>
+              <a:rPr lang="en-US" sz="2400" b="1"/>
+              <a:t> hierarchical directory structure</a:t>
+            </a:r>
+            <a:r>
+              <a:rPr lang="en-US" sz="2400"/>
+              <a:t> where a package contains sub-packages, modules, and sub-modules.</a:t>
+            </a:r>
+          </a:p>
+          <a:p>
+            <a:r>
+              <a:rPr lang="en-US" sz="2400" b="1"/>
+              <a:t>A directory must contain a file named __init__.py in order for Python to consider it as a package. This file can be left empty but we generally place the initialization code for that package in this file.</a:t>
+            </a:r>
+          </a:p>
+        </p:txBody>
+      </p:sp>
+      <p:graphicFrame>
+        <p:nvGraphicFramePr>
+          <p:cNvPr id="6" name="Object 5"/>
+          <p:cNvGraphicFramePr/>
+          <p:nvPr/>
+        </p:nvGraphicFramePr>
+        <p:xfrm>
+          <a:off x="549275" y="3709670"/>
+          <a:ext cx="11500485" cy="3015615"/>
+        </p:xfrm>
+        <a:graphic>
+          <a:graphicData uri="http://schemas.openxmlformats.org/presentationml/2006/ole">
+            <mc:AlternateContent xmlns:mc="http://schemas.openxmlformats.org/markup-compatibility/2006">
+              <mc:Choice xmlns:v="urn:schemas-microsoft-com:vml" Requires="v">
+                <p:oleObj spid="_x0000_s12312" r:id="rId5" imgW="7477125" imgH="3143250" progId="Paint.Picture">
+                  <p:embed/>
+                </p:oleObj>
+              </mc:Choice>
+              <mc:Fallback>
+                <p:oleObj r:id="rId5" imgW="7477125" imgH="3143250" progId="Paint.Picture">
+                  <p:embed/>
+                  <p:pic>
+                    <p:nvPicPr>
+                      <p:cNvPr id="0" name=""/>
+                      <p:cNvPicPr/>
+                      <p:nvPr/>
+                    </p:nvPicPr>
+                    <p:blipFill>
+                      <a:blip r:embed="rId6"/>
+                      <a:stretch>
+                        <a:fillRect/>
+                      </a:stretch>
+                    </p:blipFill>
+                    <p:spPr>
+                      <a:xfrm>
+                        <a:off x="549275" y="3709670"/>
+                        <a:ext cx="11500485" cy="3015615"/>
+                      </a:xfrm>
+                      <a:prstGeom prst="rect">
+                        <a:avLst/>
+                      </a:prstGeom>
+                    </p:spPr>
+                  </p:pic>
+                </p:oleObj>
+              </mc:Fallback>
+            </mc:AlternateContent>
+          </a:graphicData>
+        </a:graphic>
+      </p:graphicFrame>
+      <p:sp>
+        <p:nvSpPr>
+          <p:cNvPr id="9" name="Rectangle 8"/>
+          <p:cNvSpPr/>
+          <p:nvPr/>
+        </p:nvSpPr>
+        <p:spPr>
+          <a:xfrm>
+            <a:off x="7801027" y="6445352"/>
+            <a:ext cx="4319853" cy="369332"/>
+          </a:xfrm>
+          <a:prstGeom prst="rect">
+            <a:avLst/>
+          </a:prstGeom>
+        </p:spPr>
+        <p:txBody>
+          <a:bodyPr wrap="square">
+            <a:spAutoFit/>
+          </a:bodyPr>
+          <a:lstStyle/>
+          <a:p>
+            <a:pPr algn="ctr"/>
+            <a:r>
+              <a:rPr lang="en-US" dirty="0">
+                <a:latin typeface="Verdana" panose="020B0604030504040204" pitchFamily="34" charset="0"/>
+                <a:ea typeface="Verdana" panose="020B0604030504040204" pitchFamily="34" charset="0"/>
+              </a:rPr>
+              <a:t>Python </a:t>
+            </a:r>
+            <a:r>
+              <a:rPr lang="en-US" dirty="0" smtClean="0">
+                <a:latin typeface="Verdana" panose="020B0604030504040204" pitchFamily="34" charset="0"/>
+                <a:ea typeface="Verdana" panose="020B0604030504040204" pitchFamily="34" charset="0"/>
+              </a:rPr>
+              <a:t>Function-Modules-Packages</a:t>
+            </a:r>
+            <a:endParaRPr lang="en-US" dirty="0">
+              <a:latin typeface="Verdana" panose="020B0604030504040204" pitchFamily="34" charset="0"/>
+              <a:ea typeface="Verdana" panose="020B0604030504040204" pitchFamily="34" charset="0"/>
+            </a:endParaRPr>
+          </a:p>
+        </p:txBody>
+      </p:sp>
+    </p:spTree>
+    <p:extLst>
+      <p:ext uri="{BB962C8B-B14F-4D97-AF65-F5344CB8AC3E}">
+        <p14:creationId xmlns:p14="http://schemas.microsoft.com/office/powerpoint/2010/main" val="147953526"/>
+      </p:ext>
+    </p:extLst>
+  </p:cSld>
+  <p:clrMapOvr>
+    <a:masterClrMapping/>
+  </p:clrMapOvr>
+  <p:timing>
+    <p:tnLst>
+      <p:par>
+        <p:cTn id="1" dur="indefinite" restart="never" nodeType="tmRoot"/>
+      </p:par>
+    </p:tnLst>
+  </p:timing>
+</p:sld>
+</file>
+
+<file path=ppt/slides/slide24.xml><?xml version="1.0" encoding="utf-8"?>
+<p:sld xmlns:a="http://schemas.openxmlformats.org/drawingml/2006/main" xmlns:r="http://schemas.openxmlformats.org/officeDocument/2006/relationships" xmlns:p="http://schemas.openxmlformats.org/presentationml/2006/main">
+  <p:cSld>
+    <p:spTree>
+      <p:nvGrpSpPr>
+        <p:cNvPr id="1" name=""/>
+        <p:cNvGrpSpPr/>
+        <p:nvPr/>
+      </p:nvGrpSpPr>
+      <p:grpSpPr>
+        <a:xfrm>
+          <a:off x="0" y="0"/>
+          <a:ext cx="0" cy="0"/>
+          <a:chOff x="0" y="0"/>
+          <a:chExt cx="0" cy="0"/>
+        </a:xfrm>
+      </p:grpSpPr>
+      <p:sp>
+        <p:nvSpPr>
+          <p:cNvPr id="2" name="直角三角形 1"/>
+          <p:cNvSpPr/>
+          <p:nvPr/>
+        </p:nvSpPr>
+        <p:spPr>
+          <a:xfrm flipH="1" flipV="1">
+            <a:off x="4076700" y="0"/>
+            <a:ext cx="8115300" cy="6273800"/>
+          </a:xfrm>
+          <a:prstGeom prst="rtTriangle">
+            <a:avLst/>
+          </a:prstGeom>
+          <a:solidFill>
+            <a:srgbClr val="747472"/>
+          </a:solidFill>
+          <a:ln>
+            <a:noFill/>
+          </a:ln>
+        </p:spPr>
+        <p:style>
+          <a:lnRef idx="2">
+            <a:schemeClr val="accent1">
+              <a:shade val="50000"/>
+            </a:schemeClr>
+          </a:lnRef>
+          <a:fillRef idx="1">
+            <a:schemeClr val="accent1"/>
+          </a:fillRef>
+          <a:effectRef idx="0">
+            <a:schemeClr val="accent1"/>
+          </a:effectRef>
+          <a:fontRef idx="minor">
+            <a:schemeClr val="lt1"/>
+          </a:fontRef>
+        </p:style>
+        <p:txBody>
+          <a:bodyPr anchor="ctr"/>
+          <a:lstStyle/>
+          <a:p>
+            <a:pPr marL="0" marR="0" lvl="0" indent="0" algn="ctr" defTabSz="914400" rtl="0" eaLnBrk="1" fontAlgn="auto" latinLnBrk="0" hangingPunct="1">
+              <a:lnSpc>
+                <a:spcPct val="100000"/>
+              </a:lnSpc>
+              <a:spcBef>
+                <a:spcPts val="0"/>
+              </a:spcBef>
+              <a:spcAft>
+                <a:spcPts val="0"/>
+              </a:spcAft>
+              <a:buClrTx/>
+              <a:buSzTx/>
+              <a:buFontTx/>
+              <a:buNone/>
+              <a:defRPr/>
+            </a:pPr>
+            <a:endParaRPr kumimoji="0" lang="zh-CN" altLang="en-US" sz="1800" b="0" i="0" u="none" strike="noStrike" kern="1200" cap="none" spc="0" normalizeH="0" baseline="0" noProof="0">
+              <a:ln>
+                <a:noFill/>
+              </a:ln>
+              <a:solidFill>
+                <a:schemeClr val="lt1"/>
+              </a:solidFill>
+              <a:effectLst/>
+              <a:uLnTx/>
+              <a:uFillTx/>
+              <a:latin typeface="+mn-lt"/>
+              <a:ea typeface="+mn-ea"/>
+              <a:cs typeface="+mn-cs"/>
+            </a:endParaRPr>
+          </a:p>
+        </p:txBody>
+      </p:sp>
+      <p:sp>
+        <p:nvSpPr>
+          <p:cNvPr id="3" name="等腰三角形 2"/>
+          <p:cNvSpPr/>
+          <p:nvPr/>
+        </p:nvSpPr>
+        <p:spPr>
+          <a:xfrm rot="19088536">
+            <a:off x="7283450" y="-541337"/>
+            <a:ext cx="2414588" cy="9158288"/>
+          </a:xfrm>
+          <a:custGeom>
+            <a:avLst/>
+            <a:gdLst>
+              <a:gd name="connsiteX0" fmla="*/ 0 w 1117600"/>
+              <a:gd name="connsiteY0" fmla="*/ 5702300 h 5702300"/>
+              <a:gd name="connsiteX1" fmla="*/ 558800 w 1117600"/>
+              <a:gd name="connsiteY1" fmla="*/ 0 h 5702300"/>
+              <a:gd name="connsiteX2" fmla="*/ 1117600 w 1117600"/>
+              <a:gd name="connsiteY2" fmla="*/ 5702300 h 5702300"/>
+              <a:gd name="connsiteX3" fmla="*/ 0 w 1117600"/>
+              <a:gd name="connsiteY3" fmla="*/ 5702300 h 5702300"/>
+              <a:gd name="connsiteX0-1" fmla="*/ 0 w 2070142"/>
+              <a:gd name="connsiteY0-2" fmla="*/ 5702300 h 7817508"/>
+              <a:gd name="connsiteX1-3" fmla="*/ 558800 w 2070142"/>
+              <a:gd name="connsiteY1-4" fmla="*/ 0 h 7817508"/>
+              <a:gd name="connsiteX2-5" fmla="*/ 2070142 w 2070142"/>
+              <a:gd name="connsiteY2-6" fmla="*/ 7817508 h 7817508"/>
+              <a:gd name="connsiteX3-7" fmla="*/ 0 w 2070142"/>
+              <a:gd name="connsiteY3-8" fmla="*/ 5702300 h 7817508"/>
+              <a:gd name="connsiteX0-9" fmla="*/ 0 w 2414257"/>
+              <a:gd name="connsiteY0-10" fmla="*/ 6314781 h 7817508"/>
+              <a:gd name="connsiteX1-11" fmla="*/ 902915 w 2414257"/>
+              <a:gd name="connsiteY1-12" fmla="*/ 0 h 7817508"/>
+              <a:gd name="connsiteX2-13" fmla="*/ 2414257 w 2414257"/>
+              <a:gd name="connsiteY2-14" fmla="*/ 7817508 h 7817508"/>
+              <a:gd name="connsiteX3-15" fmla="*/ 0 w 2414257"/>
+              <a:gd name="connsiteY3-16" fmla="*/ 6314781 h 7817508"/>
+              <a:gd name="connsiteX0-17" fmla="*/ 0 w 2414257"/>
+              <a:gd name="connsiteY0-18" fmla="*/ 6314781 h 7817508"/>
+              <a:gd name="connsiteX1-19" fmla="*/ 902915 w 2414257"/>
+              <a:gd name="connsiteY1-20" fmla="*/ 0 h 7817508"/>
+              <a:gd name="connsiteX2-21" fmla="*/ 2414257 w 2414257"/>
+              <a:gd name="connsiteY2-22" fmla="*/ 7817508 h 7817508"/>
+              <a:gd name="connsiteX3-23" fmla="*/ 1191330 w 2414257"/>
+              <a:gd name="connsiteY3-24" fmla="*/ 7039908 h 7817508"/>
+              <a:gd name="connsiteX4" fmla="*/ 0 w 2414257"/>
+              <a:gd name="connsiteY4" fmla="*/ 6314781 h 7817508"/>
+              <a:gd name="connsiteX0-25" fmla="*/ 0 w 2414257"/>
+              <a:gd name="connsiteY0-26" fmla="*/ 6314781 h 8205626"/>
+              <a:gd name="connsiteX1-27" fmla="*/ 902915 w 2414257"/>
+              <a:gd name="connsiteY1-28" fmla="*/ 0 h 8205626"/>
+              <a:gd name="connsiteX2-29" fmla="*/ 2414257 w 2414257"/>
+              <a:gd name="connsiteY2-30" fmla="*/ 7817508 h 8205626"/>
+              <a:gd name="connsiteX3-31" fmla="*/ 2073759 w 2414257"/>
+              <a:gd name="connsiteY3-32" fmla="*/ 8205626 h 8205626"/>
+              <a:gd name="connsiteX4-33" fmla="*/ 0 w 2414257"/>
+              <a:gd name="connsiteY4-34" fmla="*/ 6314781 h 8205626"/>
+              <a:gd name="connsiteX0-35" fmla="*/ 0 w 2414257"/>
+              <a:gd name="connsiteY0-36" fmla="*/ 6436203 h 8327048"/>
+              <a:gd name="connsiteX1-37" fmla="*/ 329641 w 2414257"/>
+              <a:gd name="connsiteY1-38" fmla="*/ 0 h 8327048"/>
+              <a:gd name="connsiteX2-39" fmla="*/ 2414257 w 2414257"/>
+              <a:gd name="connsiteY2-40" fmla="*/ 7938930 h 8327048"/>
+              <a:gd name="connsiteX3-41" fmla="*/ 2073759 w 2414257"/>
+              <a:gd name="connsiteY3-42" fmla="*/ 8327048 h 8327048"/>
+              <a:gd name="connsiteX4-43" fmla="*/ 0 w 2414257"/>
+              <a:gd name="connsiteY4-44" fmla="*/ 6436203 h 8327048"/>
+              <a:gd name="connsiteX0-45" fmla="*/ 0 w 2414257"/>
+              <a:gd name="connsiteY0-46" fmla="*/ 6431068 h 8321913"/>
+              <a:gd name="connsiteX1-47" fmla="*/ 563761 w 2414257"/>
+              <a:gd name="connsiteY1-48" fmla="*/ 0 h 8321913"/>
+              <a:gd name="connsiteX2-49" fmla="*/ 2414257 w 2414257"/>
+              <a:gd name="connsiteY2-50" fmla="*/ 7933795 h 8321913"/>
+              <a:gd name="connsiteX3-51" fmla="*/ 2073759 w 2414257"/>
+              <a:gd name="connsiteY3-52" fmla="*/ 8321913 h 8321913"/>
+              <a:gd name="connsiteX4-53" fmla="*/ 0 w 2414257"/>
+              <a:gd name="connsiteY4-54" fmla="*/ 6431068 h 8321913"/>
+              <a:gd name="connsiteX0-55" fmla="*/ 0 w 2414257"/>
+              <a:gd name="connsiteY0-56" fmla="*/ 7267650 h 9158495"/>
+              <a:gd name="connsiteX1-57" fmla="*/ 239027 w 2414257"/>
+              <a:gd name="connsiteY1-58" fmla="*/ 0 h 9158495"/>
+              <a:gd name="connsiteX2-59" fmla="*/ 2414257 w 2414257"/>
+              <a:gd name="connsiteY2-60" fmla="*/ 8770377 h 9158495"/>
+              <a:gd name="connsiteX3-61" fmla="*/ 2073759 w 2414257"/>
+              <a:gd name="connsiteY3-62" fmla="*/ 9158495 h 9158495"/>
+              <a:gd name="connsiteX4-63" fmla="*/ 0 w 2414257"/>
+              <a:gd name="connsiteY4-64" fmla="*/ 7267650 h 9158495"/>
+            </a:gdLst>
+            <a:ahLst/>
+            <a:cxnLst>
+              <a:cxn ang="0">
+                <a:pos x="connsiteX0-1" y="connsiteY0-2"/>
+              </a:cxn>
+              <a:cxn ang="0">
+                <a:pos x="connsiteX1-3" y="connsiteY1-4"/>
+              </a:cxn>
+              <a:cxn ang="0">
+                <a:pos x="connsiteX2-5" y="connsiteY2-6"/>
+              </a:cxn>
+              <a:cxn ang="0">
+                <a:pos x="connsiteX3-7" y="connsiteY3-8"/>
+              </a:cxn>
+              <a:cxn ang="0">
+                <a:pos x="connsiteX4-33" y="connsiteY4-34"/>
+              </a:cxn>
+            </a:cxnLst>
+            <a:rect l="l" t="t" r="r" b="b"/>
+            <a:pathLst>
+              <a:path w="2414257" h="9158495">
+                <a:moveTo>
+                  <a:pt x="0" y="7267650"/>
+                </a:moveTo>
+                <a:lnTo>
+                  <a:pt x="239027" y="0"/>
+                </a:lnTo>
+                <a:lnTo>
+                  <a:pt x="2414257" y="8770377"/>
+                </a:lnTo>
+                <a:lnTo>
+                  <a:pt x="2073759" y="9158495"/>
+                </a:lnTo>
+                <a:lnTo>
+                  <a:pt x="0" y="7267650"/>
+                </a:lnTo>
+                <a:close/>
+              </a:path>
+            </a:pathLst>
+          </a:custGeom>
+          <a:solidFill>
+            <a:srgbClr val="C4C4C4"/>
+          </a:solidFill>
+          <a:ln>
+            <a:noFill/>
+          </a:ln>
+        </p:spPr>
+        <p:style>
+          <a:lnRef idx="2">
+            <a:schemeClr val="accent1">
+              <a:shade val="50000"/>
+            </a:schemeClr>
+          </a:lnRef>
+          <a:fillRef idx="1">
+            <a:schemeClr val="accent1"/>
+          </a:fillRef>
+          <a:effectRef idx="0">
+            <a:schemeClr val="accent1"/>
+          </a:effectRef>
+          <a:fontRef idx="minor">
+            <a:schemeClr val="lt1"/>
+          </a:fontRef>
+        </p:style>
+        <p:txBody>
+          <a:bodyPr anchor="ctr"/>
+          <a:lstStyle/>
+          <a:p>
+            <a:pPr marL="0" marR="0" lvl="0" indent="0" algn="ctr" defTabSz="914400" rtl="0" eaLnBrk="1" fontAlgn="auto" latinLnBrk="0" hangingPunct="1">
+              <a:lnSpc>
+                <a:spcPct val="100000"/>
+              </a:lnSpc>
+              <a:spcBef>
+                <a:spcPts val="0"/>
+              </a:spcBef>
+              <a:spcAft>
+                <a:spcPts val="0"/>
+              </a:spcAft>
+              <a:buClrTx/>
+              <a:buSzTx/>
+              <a:buFontTx/>
+              <a:buNone/>
+              <a:defRPr/>
+            </a:pPr>
+            <a:endParaRPr kumimoji="0" lang="zh-CN" altLang="en-US" sz="1800" b="0" i="0" u="none" strike="noStrike" kern="1200" cap="none" spc="0" normalizeH="0" baseline="0" noProof="0">
+              <a:ln>
+                <a:noFill/>
+              </a:ln>
+              <a:solidFill>
+                <a:schemeClr val="lt1"/>
+              </a:solidFill>
+              <a:effectLst/>
+              <a:uLnTx/>
+              <a:uFillTx/>
+              <a:latin typeface="+mn-lt"/>
+              <a:ea typeface="+mn-ea"/>
+              <a:cs typeface="+mn-cs"/>
+            </a:endParaRPr>
+          </a:p>
+        </p:txBody>
+      </p:sp>
+      <p:sp>
+        <p:nvSpPr>
+          <p:cNvPr id="8" name="任意多边形 7"/>
+          <p:cNvSpPr/>
+          <p:nvPr/>
+        </p:nvSpPr>
+        <p:spPr>
+          <a:xfrm rot="7572289">
+            <a:off x="5132388" y="-1582737"/>
+            <a:ext cx="741363" cy="6269038"/>
+          </a:xfrm>
+          <a:custGeom>
+            <a:avLst/>
+            <a:gdLst>
+              <a:gd name="connsiteX0" fmla="*/ 742650 w 742650"/>
+              <a:gd name="connsiteY0" fmla="*/ 6268899 h 6268899"/>
+              <a:gd name="connsiteX1" fmla="*/ 0 w 742650"/>
+              <a:gd name="connsiteY1" fmla="*/ 5254376 h 6268899"/>
+              <a:gd name="connsiteX2" fmla="*/ 242314 w 742650"/>
+              <a:gd name="connsiteY2" fmla="*/ 0 h 6268899"/>
+            </a:gdLst>
+            <a:ahLst/>
+            <a:cxnLst>
+              <a:cxn ang="0">
+                <a:pos x="connsiteX0" y="connsiteY0"/>
+              </a:cxn>
+              <a:cxn ang="0">
+                <a:pos x="connsiteX1" y="connsiteY1"/>
+              </a:cxn>
+              <a:cxn ang="0">
+                <a:pos x="connsiteX2" y="connsiteY2"/>
+              </a:cxn>
+            </a:cxnLst>
+            <a:rect l="l" t="t" r="r" b="b"/>
+            <a:pathLst>
+              <a:path w="742650" h="6268899">
+                <a:moveTo>
+                  <a:pt x="742650" y="6268899"/>
+                </a:moveTo>
+                <a:lnTo>
+                  <a:pt x="0" y="5254376"/>
+                </a:lnTo>
+                <a:lnTo>
+                  <a:pt x="242314" y="0"/>
+                </a:lnTo>
+                <a:close/>
+              </a:path>
+            </a:pathLst>
+          </a:custGeom>
+          <a:solidFill>
+            <a:srgbClr val="F0B931"/>
+          </a:solidFill>
+          <a:ln>
+            <a:noFill/>
+          </a:ln>
+        </p:spPr>
+        <p:style>
+          <a:lnRef idx="2">
+            <a:schemeClr val="accent1">
+              <a:shade val="50000"/>
+            </a:schemeClr>
+          </a:lnRef>
+          <a:fillRef idx="1">
+            <a:schemeClr val="accent1"/>
+          </a:fillRef>
+          <a:effectRef idx="0">
+            <a:schemeClr val="accent1"/>
+          </a:effectRef>
+          <a:fontRef idx="minor">
+            <a:schemeClr val="lt1"/>
+          </a:fontRef>
+        </p:style>
+        <p:txBody>
+          <a:bodyPr anchor="ctr"/>
+          <a:lstStyle/>
+          <a:p>
+            <a:pPr marL="0" marR="0" lvl="0" indent="0" algn="ctr" defTabSz="914400" rtl="0" eaLnBrk="1" fontAlgn="auto" latinLnBrk="0" hangingPunct="1">
+              <a:lnSpc>
+                <a:spcPct val="100000"/>
+              </a:lnSpc>
+              <a:spcBef>
+                <a:spcPts val="0"/>
+              </a:spcBef>
+              <a:spcAft>
+                <a:spcPts val="0"/>
+              </a:spcAft>
+              <a:buClrTx/>
+              <a:buSzTx/>
+              <a:buFontTx/>
+              <a:buNone/>
+              <a:defRPr/>
+            </a:pPr>
+            <a:endParaRPr kumimoji="0" lang="zh-CN" altLang="en-US" sz="1800" b="0" i="0" u="none" strike="noStrike" kern="1200" cap="none" spc="0" normalizeH="0" baseline="0" noProof="0">
+              <a:ln>
+                <a:noFill/>
+              </a:ln>
+              <a:solidFill>
+                <a:schemeClr val="lt1"/>
+              </a:solidFill>
+              <a:effectLst/>
+              <a:uLnTx/>
+              <a:uFillTx/>
+              <a:latin typeface="+mn-lt"/>
+              <a:ea typeface="+mn-ea"/>
+              <a:cs typeface="+mn-cs"/>
+            </a:endParaRPr>
+          </a:p>
+        </p:txBody>
+      </p:sp>
+      <p:pic>
+        <p:nvPicPr>
+          <p:cNvPr id="5" name="Picture 4" descr="python-logo"/>
+          <p:cNvPicPr>
+            <a:picLocks noChangeAspect="1"/>
+          </p:cNvPicPr>
+          <p:nvPr/>
+        </p:nvPicPr>
+        <p:blipFill>
+          <a:blip r:embed="rId2"/>
+          <a:stretch>
+            <a:fillRect/>
+          </a:stretch>
+        </p:blipFill>
+        <p:spPr>
+          <a:xfrm>
+            <a:off x="8509000" y="361315"/>
+            <a:ext cx="3683000" cy="1041400"/>
+          </a:xfrm>
+          <a:prstGeom prst="rect">
+            <a:avLst/>
+          </a:prstGeom>
+        </p:spPr>
+      </p:pic>
+      <p:sp>
+        <p:nvSpPr>
+          <p:cNvPr id="62468" name="文本框 8"/>
+          <p:cNvSpPr txBox="1"/>
+          <p:nvPr/>
+        </p:nvSpPr>
+        <p:spPr>
+          <a:xfrm>
+            <a:off x="785047" y="2269932"/>
+            <a:ext cx="4802187" cy="1014412"/>
+          </a:xfrm>
+          <a:prstGeom prst="rect">
+            <a:avLst/>
+          </a:prstGeom>
+          <a:noFill/>
+          <a:ln w="9525">
+            <a:noFill/>
+          </a:ln>
+        </p:spPr>
+        <p:txBody>
+          <a:bodyPr anchor="t">
+            <a:spAutoFit/>
+          </a:bodyPr>
+          <a:lstStyle/>
+          <a:p>
+            <a:pPr algn="dist" defTabSz="914400"/>
+            <a:r>
+              <a:rPr lang="en-US" altLang="zh-CN" sz="6000" b="1" dirty="0">
+                <a:solidFill>
+                  <a:srgbClr val="262626"/>
+                </a:solidFill>
+                <a:latin typeface="Arial" panose="020B0604020202020204" pitchFamily="34" charset="0"/>
+                <a:ea typeface="Microsoft YaHei" panose="020B0503020204020204" pitchFamily="34" charset="-122"/>
+                <a:sym typeface="Arial" panose="020B0604020202020204" pitchFamily="34" charset="0"/>
+              </a:rPr>
+              <a:t>THANKS</a:t>
+            </a:r>
+          </a:p>
+        </p:txBody>
+      </p:sp>
+      <p:sp>
+        <p:nvSpPr>
+          <p:cNvPr id="11" name="文本框 9"/>
+          <p:cNvSpPr txBox="1"/>
+          <p:nvPr/>
+        </p:nvSpPr>
+        <p:spPr>
+          <a:xfrm>
+            <a:off x="5861050" y="4197180"/>
+            <a:ext cx="5726439" cy="461665"/>
+          </a:xfrm>
+          <a:prstGeom prst="rect">
+            <a:avLst/>
+          </a:prstGeom>
+          <a:noFill/>
+          <a:ln w="9525">
+            <a:noFill/>
+          </a:ln>
+        </p:spPr>
+        <p:txBody>
+          <a:bodyPr wrap="none" anchor="t">
+            <a:spAutoFit/>
+          </a:bodyPr>
+          <a:lstStyle/>
+          <a:p>
+            <a:r>
+              <a:rPr lang="en-US" altLang="zh-CN" sz="2400" b="1" dirty="0">
+                <a:solidFill>
+                  <a:srgbClr val="262626"/>
+                </a:solidFill>
+                <a:latin typeface="Verdana" panose="020B0604030504040204" pitchFamily="34" charset="0"/>
+                <a:ea typeface="Verdana" panose="020B0604030504040204" pitchFamily="34" charset="0"/>
+                <a:sym typeface="Arial" panose="020B0604020202020204" pitchFamily="34" charset="0"/>
+              </a:rPr>
+              <a:t>instructor: </a:t>
+            </a:r>
+            <a:r>
+              <a:rPr lang="en-US" altLang="zh-CN" sz="2400" dirty="0" smtClean="0">
+                <a:solidFill>
+                  <a:srgbClr val="262626"/>
+                </a:solidFill>
+                <a:latin typeface="Verdana" panose="020B0604030504040204" pitchFamily="34" charset="0"/>
+                <a:ea typeface="Verdana" panose="020B0604030504040204" pitchFamily="34" charset="0"/>
+                <a:sym typeface="Arial" panose="020B0604020202020204" pitchFamily="34" charset="0"/>
+              </a:rPr>
+              <a:t>Anirudha </a:t>
+            </a:r>
+            <a:r>
+              <a:rPr lang="en-US" altLang="zh-CN" sz="2400" dirty="0">
+                <a:solidFill>
+                  <a:srgbClr val="262626"/>
+                </a:solidFill>
+                <a:latin typeface="Verdana" panose="020B0604030504040204" pitchFamily="34" charset="0"/>
+                <a:ea typeface="Verdana" panose="020B0604030504040204" pitchFamily="34" charset="0"/>
+                <a:sym typeface="Arial" panose="020B0604020202020204" pitchFamily="34" charset="0"/>
+              </a:rPr>
+              <a:t>Anil Gaikwad</a:t>
+            </a:r>
+            <a:r>
+              <a:rPr lang="zh-CN" altLang="en-US" sz="2400" dirty="0">
+                <a:solidFill>
+                  <a:srgbClr val="262626"/>
+                </a:solidFill>
+                <a:latin typeface="Verdana" panose="020B0604030504040204" pitchFamily="34" charset="0"/>
+                <a:ea typeface="Microsoft YaHei" panose="020B0503020204020204" pitchFamily="34" charset="-122"/>
+                <a:sym typeface="Arial" panose="020B0604020202020204" pitchFamily="34" charset="0"/>
+              </a:rPr>
+              <a:t> </a:t>
+            </a:r>
+          </a:p>
+        </p:txBody>
+      </p:sp>
+      <p:sp>
+        <p:nvSpPr>
+          <p:cNvPr id="9" name="Rectangle 8"/>
+          <p:cNvSpPr/>
+          <p:nvPr/>
+        </p:nvSpPr>
+        <p:spPr>
+          <a:xfrm>
+            <a:off x="7872147" y="6324906"/>
+            <a:ext cx="4319853" cy="369332"/>
+          </a:xfrm>
+          <a:prstGeom prst="rect">
+            <a:avLst/>
+          </a:prstGeom>
+        </p:spPr>
+        <p:txBody>
+          <a:bodyPr wrap="square">
+            <a:spAutoFit/>
+          </a:bodyPr>
+          <a:lstStyle/>
+          <a:p>
+            <a:pPr algn="ctr"/>
+            <a:r>
+              <a:rPr lang="en-US" dirty="0">
+                <a:latin typeface="Verdana" panose="020B0604030504040204" pitchFamily="34" charset="0"/>
+                <a:ea typeface="Verdana" panose="020B0604030504040204" pitchFamily="34" charset="0"/>
+              </a:rPr>
+              <a:t>Python </a:t>
+            </a:r>
+            <a:r>
+              <a:rPr lang="en-US" dirty="0" smtClean="0">
+                <a:latin typeface="Verdana" panose="020B0604030504040204" pitchFamily="34" charset="0"/>
+                <a:ea typeface="Verdana" panose="020B0604030504040204" pitchFamily="34" charset="0"/>
+              </a:rPr>
+              <a:t>Function-Modules-Packages</a:t>
+            </a:r>
+            <a:endParaRPr lang="en-US" dirty="0">
+              <a:latin typeface="Verdana" panose="020B0604030504040204" pitchFamily="34" charset="0"/>
+              <a:ea typeface="Verdana" panose="020B0604030504040204" pitchFamily="34" charset="0"/>
+            </a:endParaRPr>
+          </a:p>
+        </p:txBody>
+      </p:sp>
+    </p:spTree>
+    <p:extLst>
+      <p:ext uri="{BB962C8B-B14F-4D97-AF65-F5344CB8AC3E}">
+        <p14:creationId xmlns:p14="http://schemas.microsoft.com/office/powerpoint/2010/main" val="1263160597"/>
+      </p:ext>
+    </p:extLst>
+  </p:cSld>
+  <p:clrMapOvr>
+    <a:masterClrMapping/>
+  </p:clrMapOvr>
+  <p:timing>
+    <p:tnLst>
+      <p:par>
+        <p:cTn id="1" dur="indefinite" restart="never" nodeType="tmRoot"/>
+      </p:par>
+    </p:tnLst>
+  </p:timing>
+</p:sld>
+</file>
+
+<file path=ppt/slides/slide3.xml><?xml version="1.0" encoding="utf-8"?>
+<p:sld xmlns:a="http://schemas.openxmlformats.org/drawingml/2006/main" xmlns:r="http://schemas.openxmlformats.org/officeDocument/2006/relationships" xmlns:p="http://schemas.openxmlformats.org/presentationml/2006/main">
+  <p:cSld>
+    <p:spTree>
+      <p:nvGrpSpPr>
+        <p:cNvPr id="1" name=""/>
+        <p:cNvGrpSpPr/>
+        <p:nvPr/>
+      </p:nvGrpSpPr>
+      <p:grpSpPr>
+        <a:xfrm>
+          <a:off x="0" y="0"/>
+          <a:ext cx="0" cy="0"/>
+          <a:chOff x="0" y="0"/>
+          <a:chExt cx="0" cy="0"/>
+        </a:xfrm>
+      </p:grpSpPr>
+      <p:sp>
+        <p:nvSpPr>
+          <p:cNvPr id="2" name="直角三角形 1"/>
+          <p:cNvSpPr/>
+          <p:nvPr/>
+        </p:nvSpPr>
+        <p:spPr>
+          <a:xfrm flipH="1" flipV="1">
+            <a:off x="4076700" y="0"/>
+            <a:ext cx="8115300" cy="6273800"/>
+          </a:xfrm>
+          <a:prstGeom prst="rtTriangle">
+            <a:avLst/>
+          </a:prstGeom>
+          <a:solidFill>
+            <a:srgbClr val="747472"/>
+          </a:solidFill>
+          <a:ln>
+            <a:noFill/>
+          </a:ln>
+        </p:spPr>
+        <p:style>
+          <a:lnRef idx="2">
+            <a:schemeClr val="accent1">
+              <a:shade val="50000"/>
+            </a:schemeClr>
+          </a:lnRef>
+          <a:fillRef idx="1">
+            <a:schemeClr val="accent1"/>
+          </a:fillRef>
+          <a:effectRef idx="0">
+            <a:schemeClr val="accent1"/>
+          </a:effectRef>
+          <a:fontRef idx="minor">
+            <a:schemeClr val="lt1"/>
+          </a:fontRef>
+        </p:style>
+        <p:txBody>
+          <a:bodyPr anchor="ctr"/>
+          <a:lstStyle/>
+          <a:p>
+            <a:pPr marL="0" marR="0" lvl="0" indent="0" algn="ctr" defTabSz="914400" rtl="0" eaLnBrk="1" fontAlgn="auto" latinLnBrk="0" hangingPunct="1">
+              <a:lnSpc>
+                <a:spcPct val="100000"/>
+              </a:lnSpc>
+              <a:spcBef>
+                <a:spcPts val="0"/>
+              </a:spcBef>
+              <a:spcAft>
+                <a:spcPts val="0"/>
+              </a:spcAft>
+              <a:buClrTx/>
+              <a:buSzTx/>
+              <a:buFontTx/>
+              <a:buNone/>
+              <a:defRPr/>
+            </a:pPr>
+            <a:endParaRPr kumimoji="0" lang="zh-CN" altLang="en-US" sz="1800" b="0" i="0" u="none" strike="noStrike" kern="1200" cap="none" spc="0" normalizeH="0" baseline="0" noProof="0">
+              <a:ln>
+                <a:noFill/>
+              </a:ln>
+              <a:solidFill>
+                <a:schemeClr val="lt1"/>
+              </a:solidFill>
+              <a:effectLst/>
+              <a:uLnTx/>
+              <a:uFillTx/>
+              <a:latin typeface="+mn-lt"/>
+              <a:ea typeface="+mn-ea"/>
+              <a:cs typeface="+mn-cs"/>
+            </a:endParaRPr>
+          </a:p>
+        </p:txBody>
+      </p:sp>
+      <p:sp>
+        <p:nvSpPr>
+          <p:cNvPr id="3" name="等腰三角形 2"/>
+          <p:cNvSpPr/>
+          <p:nvPr/>
+        </p:nvSpPr>
+        <p:spPr>
+          <a:xfrm rot="19088536">
+            <a:off x="7283450" y="-541337"/>
+            <a:ext cx="2414588" cy="9158288"/>
+          </a:xfrm>
+          <a:custGeom>
+            <a:avLst/>
+            <a:gdLst>
+              <a:gd name="connsiteX0" fmla="*/ 0 w 1117600"/>
+              <a:gd name="connsiteY0" fmla="*/ 5702300 h 5702300"/>
+              <a:gd name="connsiteX1" fmla="*/ 558800 w 1117600"/>
+              <a:gd name="connsiteY1" fmla="*/ 0 h 5702300"/>
+              <a:gd name="connsiteX2" fmla="*/ 1117600 w 1117600"/>
+              <a:gd name="connsiteY2" fmla="*/ 5702300 h 5702300"/>
+              <a:gd name="connsiteX3" fmla="*/ 0 w 1117600"/>
+              <a:gd name="connsiteY3" fmla="*/ 5702300 h 5702300"/>
+              <a:gd name="connsiteX0-1" fmla="*/ 0 w 2070142"/>
+              <a:gd name="connsiteY0-2" fmla="*/ 5702300 h 7817508"/>
+              <a:gd name="connsiteX1-3" fmla="*/ 558800 w 2070142"/>
+              <a:gd name="connsiteY1-4" fmla="*/ 0 h 7817508"/>
+              <a:gd name="connsiteX2-5" fmla="*/ 2070142 w 2070142"/>
+              <a:gd name="connsiteY2-6" fmla="*/ 7817508 h 7817508"/>
+              <a:gd name="connsiteX3-7" fmla="*/ 0 w 2070142"/>
+              <a:gd name="connsiteY3-8" fmla="*/ 5702300 h 7817508"/>
+              <a:gd name="connsiteX0-9" fmla="*/ 0 w 2414257"/>
+              <a:gd name="connsiteY0-10" fmla="*/ 6314781 h 7817508"/>
+              <a:gd name="connsiteX1-11" fmla="*/ 902915 w 2414257"/>
+              <a:gd name="connsiteY1-12" fmla="*/ 0 h 7817508"/>
+              <a:gd name="connsiteX2-13" fmla="*/ 2414257 w 2414257"/>
+              <a:gd name="connsiteY2-14" fmla="*/ 7817508 h 7817508"/>
+              <a:gd name="connsiteX3-15" fmla="*/ 0 w 2414257"/>
+              <a:gd name="connsiteY3-16" fmla="*/ 6314781 h 7817508"/>
+              <a:gd name="connsiteX0-17" fmla="*/ 0 w 2414257"/>
+              <a:gd name="connsiteY0-18" fmla="*/ 6314781 h 7817508"/>
+              <a:gd name="connsiteX1-19" fmla="*/ 902915 w 2414257"/>
+              <a:gd name="connsiteY1-20" fmla="*/ 0 h 7817508"/>
+              <a:gd name="connsiteX2-21" fmla="*/ 2414257 w 2414257"/>
+              <a:gd name="connsiteY2-22" fmla="*/ 7817508 h 7817508"/>
+              <a:gd name="connsiteX3-23" fmla="*/ 1191330 w 2414257"/>
+              <a:gd name="connsiteY3-24" fmla="*/ 7039908 h 7817508"/>
+              <a:gd name="connsiteX4" fmla="*/ 0 w 2414257"/>
+              <a:gd name="connsiteY4" fmla="*/ 6314781 h 7817508"/>
+              <a:gd name="connsiteX0-25" fmla="*/ 0 w 2414257"/>
+              <a:gd name="connsiteY0-26" fmla="*/ 6314781 h 8205626"/>
+              <a:gd name="connsiteX1-27" fmla="*/ 902915 w 2414257"/>
+              <a:gd name="connsiteY1-28" fmla="*/ 0 h 8205626"/>
+              <a:gd name="connsiteX2-29" fmla="*/ 2414257 w 2414257"/>
+              <a:gd name="connsiteY2-30" fmla="*/ 7817508 h 8205626"/>
+              <a:gd name="connsiteX3-31" fmla="*/ 2073759 w 2414257"/>
+              <a:gd name="connsiteY3-32" fmla="*/ 8205626 h 8205626"/>
+              <a:gd name="connsiteX4-33" fmla="*/ 0 w 2414257"/>
+              <a:gd name="connsiteY4-34" fmla="*/ 6314781 h 8205626"/>
+              <a:gd name="connsiteX0-35" fmla="*/ 0 w 2414257"/>
+              <a:gd name="connsiteY0-36" fmla="*/ 6436203 h 8327048"/>
+              <a:gd name="connsiteX1-37" fmla="*/ 329641 w 2414257"/>
+              <a:gd name="connsiteY1-38" fmla="*/ 0 h 8327048"/>
+              <a:gd name="connsiteX2-39" fmla="*/ 2414257 w 2414257"/>
+              <a:gd name="connsiteY2-40" fmla="*/ 7938930 h 8327048"/>
+              <a:gd name="connsiteX3-41" fmla="*/ 2073759 w 2414257"/>
+              <a:gd name="connsiteY3-42" fmla="*/ 8327048 h 8327048"/>
+              <a:gd name="connsiteX4-43" fmla="*/ 0 w 2414257"/>
+              <a:gd name="connsiteY4-44" fmla="*/ 6436203 h 8327048"/>
+              <a:gd name="connsiteX0-45" fmla="*/ 0 w 2414257"/>
+              <a:gd name="connsiteY0-46" fmla="*/ 6431068 h 8321913"/>
+              <a:gd name="connsiteX1-47" fmla="*/ 563761 w 2414257"/>
+              <a:gd name="connsiteY1-48" fmla="*/ 0 h 8321913"/>
+              <a:gd name="connsiteX2-49" fmla="*/ 2414257 w 2414257"/>
+              <a:gd name="connsiteY2-50" fmla="*/ 7933795 h 8321913"/>
+              <a:gd name="connsiteX3-51" fmla="*/ 2073759 w 2414257"/>
+              <a:gd name="connsiteY3-52" fmla="*/ 8321913 h 8321913"/>
+              <a:gd name="connsiteX4-53" fmla="*/ 0 w 2414257"/>
+              <a:gd name="connsiteY4-54" fmla="*/ 6431068 h 8321913"/>
+              <a:gd name="connsiteX0-55" fmla="*/ 0 w 2414257"/>
+              <a:gd name="connsiteY0-56" fmla="*/ 7267650 h 9158495"/>
+              <a:gd name="connsiteX1-57" fmla="*/ 239027 w 2414257"/>
+              <a:gd name="connsiteY1-58" fmla="*/ 0 h 9158495"/>
+              <a:gd name="connsiteX2-59" fmla="*/ 2414257 w 2414257"/>
+              <a:gd name="connsiteY2-60" fmla="*/ 8770377 h 9158495"/>
+              <a:gd name="connsiteX3-61" fmla="*/ 2073759 w 2414257"/>
+              <a:gd name="connsiteY3-62" fmla="*/ 9158495 h 9158495"/>
+              <a:gd name="connsiteX4-63" fmla="*/ 0 w 2414257"/>
+              <a:gd name="connsiteY4-64" fmla="*/ 7267650 h 9158495"/>
+            </a:gdLst>
+            <a:ahLst/>
+            <a:cxnLst>
+              <a:cxn ang="0">
+                <a:pos x="connsiteX0-1" y="connsiteY0-2"/>
+              </a:cxn>
+              <a:cxn ang="0">
+                <a:pos x="connsiteX1-3" y="connsiteY1-4"/>
+              </a:cxn>
+              <a:cxn ang="0">
+                <a:pos x="connsiteX2-5" y="connsiteY2-6"/>
+              </a:cxn>
+              <a:cxn ang="0">
+                <a:pos x="connsiteX3-7" y="connsiteY3-8"/>
+              </a:cxn>
+              <a:cxn ang="0">
+                <a:pos x="connsiteX4-33" y="connsiteY4-34"/>
+              </a:cxn>
+            </a:cxnLst>
+            <a:rect l="l" t="t" r="r" b="b"/>
+            <a:pathLst>
+              <a:path w="2414257" h="9158495">
+                <a:moveTo>
+                  <a:pt x="0" y="7267650"/>
+                </a:moveTo>
+                <a:lnTo>
+                  <a:pt x="239027" y="0"/>
+                </a:lnTo>
+                <a:lnTo>
+                  <a:pt x="2414257" y="8770377"/>
+                </a:lnTo>
+                <a:lnTo>
+                  <a:pt x="2073759" y="9158495"/>
+                </a:lnTo>
+                <a:lnTo>
+                  <a:pt x="0" y="7267650"/>
+                </a:lnTo>
+                <a:close/>
+              </a:path>
+            </a:pathLst>
+          </a:custGeom>
+          <a:solidFill>
+            <a:srgbClr val="C4C4C4"/>
+          </a:solidFill>
+          <a:ln>
+            <a:noFill/>
+          </a:ln>
+        </p:spPr>
+        <p:style>
+          <a:lnRef idx="2">
+            <a:schemeClr val="accent1">
+              <a:shade val="50000"/>
+            </a:schemeClr>
+          </a:lnRef>
+          <a:fillRef idx="1">
+            <a:schemeClr val="accent1"/>
+          </a:fillRef>
+          <a:effectRef idx="0">
+            <a:schemeClr val="accent1"/>
+          </a:effectRef>
+          <a:fontRef idx="minor">
+            <a:schemeClr val="lt1"/>
+          </a:fontRef>
+        </p:style>
+        <p:txBody>
+          <a:bodyPr anchor="ctr"/>
+          <a:lstStyle/>
+          <a:p>
+            <a:pPr marL="0" marR="0" lvl="0" indent="0" algn="ctr" defTabSz="914400" rtl="0" eaLnBrk="1" fontAlgn="auto" latinLnBrk="0" hangingPunct="1">
+              <a:lnSpc>
+                <a:spcPct val="100000"/>
+              </a:lnSpc>
+              <a:spcBef>
+                <a:spcPts val="0"/>
+              </a:spcBef>
+              <a:spcAft>
+                <a:spcPts val="0"/>
+              </a:spcAft>
+              <a:buClrTx/>
+              <a:buSzTx/>
+              <a:buFontTx/>
+              <a:buNone/>
+              <a:defRPr/>
+            </a:pPr>
+            <a:endParaRPr kumimoji="0" lang="zh-CN" altLang="en-US" sz="1800" b="0" i="0" u="none" strike="noStrike" kern="1200" cap="none" spc="0" normalizeH="0" baseline="0" noProof="0">
+              <a:ln>
+                <a:noFill/>
+              </a:ln>
+              <a:solidFill>
+                <a:schemeClr val="lt1"/>
+              </a:solidFill>
+              <a:effectLst/>
+              <a:uLnTx/>
+              <a:uFillTx/>
+              <a:latin typeface="+mn-lt"/>
+              <a:ea typeface="+mn-ea"/>
+              <a:cs typeface="+mn-cs"/>
+            </a:endParaRPr>
+          </a:p>
+        </p:txBody>
+      </p:sp>
+      <p:sp>
+        <p:nvSpPr>
+          <p:cNvPr id="8" name="任意多边形 7"/>
+          <p:cNvSpPr/>
+          <p:nvPr/>
+        </p:nvSpPr>
+        <p:spPr>
+          <a:xfrm rot="7572289">
+            <a:off x="5132388" y="-1582737"/>
+            <a:ext cx="741363" cy="6269038"/>
+          </a:xfrm>
+          <a:custGeom>
+            <a:avLst/>
+            <a:gdLst>
+              <a:gd name="connsiteX0" fmla="*/ 742650 w 742650"/>
+              <a:gd name="connsiteY0" fmla="*/ 6268899 h 6268899"/>
+              <a:gd name="connsiteX1" fmla="*/ 0 w 742650"/>
+              <a:gd name="connsiteY1" fmla="*/ 5254376 h 6268899"/>
+              <a:gd name="connsiteX2" fmla="*/ 242314 w 742650"/>
+              <a:gd name="connsiteY2" fmla="*/ 0 h 6268899"/>
+            </a:gdLst>
+            <a:ahLst/>
+            <a:cxnLst>
+              <a:cxn ang="0">
+                <a:pos x="connsiteX0" y="connsiteY0"/>
+              </a:cxn>
+              <a:cxn ang="0">
+                <a:pos x="connsiteX1" y="connsiteY1"/>
+              </a:cxn>
+              <a:cxn ang="0">
+                <a:pos x="connsiteX2" y="connsiteY2"/>
+              </a:cxn>
+            </a:cxnLst>
+            <a:rect l="l" t="t" r="r" b="b"/>
+            <a:pathLst>
+              <a:path w="742650" h="6268899">
+                <a:moveTo>
+                  <a:pt x="742650" y="6268899"/>
+                </a:moveTo>
+                <a:lnTo>
+                  <a:pt x="0" y="5254376"/>
+                </a:lnTo>
+                <a:lnTo>
+                  <a:pt x="242314" y="0"/>
+                </a:lnTo>
+                <a:close/>
+              </a:path>
+            </a:pathLst>
+          </a:custGeom>
+          <a:solidFill>
+            <a:srgbClr val="F0B931"/>
+          </a:solidFill>
+          <a:ln>
+            <a:noFill/>
+          </a:ln>
+        </p:spPr>
+        <p:style>
+          <a:lnRef idx="2">
+            <a:schemeClr val="accent1">
+              <a:shade val="50000"/>
+            </a:schemeClr>
+          </a:lnRef>
+          <a:fillRef idx="1">
+            <a:schemeClr val="accent1"/>
+          </a:fillRef>
+          <a:effectRef idx="0">
+            <a:schemeClr val="accent1"/>
+          </a:effectRef>
+          <a:fontRef idx="minor">
+            <a:schemeClr val="lt1"/>
+          </a:fontRef>
+        </p:style>
+        <p:txBody>
+          <a:bodyPr anchor="ctr"/>
+          <a:lstStyle/>
+          <a:p>
+            <a:pPr marL="0" marR="0" lvl="0" indent="0" algn="ctr" defTabSz="914400" rtl="0" eaLnBrk="1" fontAlgn="auto" latinLnBrk="0" hangingPunct="1">
+              <a:lnSpc>
+                <a:spcPct val="100000"/>
+              </a:lnSpc>
+              <a:spcBef>
+                <a:spcPts val="0"/>
+              </a:spcBef>
+              <a:spcAft>
+                <a:spcPts val="0"/>
+              </a:spcAft>
+              <a:buClrTx/>
+              <a:buSzTx/>
+              <a:buFontTx/>
+              <a:buNone/>
+              <a:defRPr/>
+            </a:pPr>
+            <a:endParaRPr kumimoji="0" lang="zh-CN" altLang="en-US" sz="1800" b="0" i="0" u="none" strike="noStrike" kern="1200" cap="none" spc="0" normalizeH="0" baseline="0" noProof="0">
+              <a:ln>
+                <a:noFill/>
+              </a:ln>
+              <a:solidFill>
+                <a:schemeClr val="lt1"/>
+              </a:solidFill>
+              <a:effectLst/>
+              <a:uLnTx/>
+              <a:uFillTx/>
+              <a:latin typeface="+mn-lt"/>
+              <a:ea typeface="+mn-ea"/>
+              <a:cs typeface="+mn-cs"/>
+            </a:endParaRPr>
+          </a:p>
+        </p:txBody>
+      </p:sp>
+      <p:pic>
+        <p:nvPicPr>
+          <p:cNvPr id="5" name="Picture 4" descr="python-logo"/>
+          <p:cNvPicPr>
+            <a:picLocks noChangeAspect="1"/>
+          </p:cNvPicPr>
+          <p:nvPr/>
+        </p:nvPicPr>
+        <p:blipFill>
+          <a:blip r:embed="rId2"/>
+          <a:stretch>
+            <a:fillRect/>
+          </a:stretch>
+        </p:blipFill>
+        <p:spPr>
+          <a:xfrm>
+            <a:off x="8509000" y="361315"/>
+            <a:ext cx="3683000" cy="1041400"/>
+          </a:xfrm>
+          <a:prstGeom prst="rect">
+            <a:avLst/>
+          </a:prstGeom>
+        </p:spPr>
+      </p:pic>
+      <p:sp>
+        <p:nvSpPr>
+          <p:cNvPr id="7" name="Text Box 6"/>
+          <p:cNvSpPr txBox="1"/>
+          <p:nvPr/>
+        </p:nvSpPr>
+        <p:spPr>
+          <a:xfrm>
+            <a:off x="269543" y="2001518"/>
+            <a:ext cx="11734800" cy="3784600"/>
+          </a:xfrm>
+          <a:prstGeom prst="rect">
+            <a:avLst/>
+          </a:prstGeom>
+          <a:noFill/>
+        </p:spPr>
+        <p:txBody>
+          <a:bodyPr wrap="square" rtlCol="0" anchor="t">
+            <a:spAutoFit/>
+          </a:bodyPr>
+          <a:lstStyle/>
+          <a:p>
+            <a:endParaRPr lang="en-US" sz="2400" dirty="0"/>
+          </a:p>
+          <a:p>
+            <a:pPr marL="342900" indent="-342900">
+              <a:buFont typeface="Wingdings" panose="05000000000000000000" charset="0"/>
+              <a:buChar char="Ø"/>
+            </a:pPr>
+            <a:r>
+              <a:rPr lang="en-US" sz="2400" dirty="0"/>
+              <a:t>Keyword def marks the start of function header.</a:t>
+            </a:r>
+          </a:p>
+          <a:p>
+            <a:pPr marL="342900" indent="-342900">
+              <a:buFont typeface="Wingdings" panose="05000000000000000000" charset="0"/>
+              <a:buChar char="Ø"/>
+            </a:pPr>
+            <a:r>
+              <a:rPr lang="en-US" sz="2400" dirty="0"/>
+              <a:t>A function name to uniquely identify it. Function naming follows the same rules of writing identifiers in Python.</a:t>
+            </a:r>
+          </a:p>
+          <a:p>
+            <a:pPr marL="342900" indent="-342900">
+              <a:buFont typeface="Wingdings" panose="05000000000000000000" charset="0"/>
+              <a:buChar char="Ø"/>
+            </a:pPr>
+            <a:r>
+              <a:rPr lang="en-US" sz="2400" dirty="0"/>
+              <a:t>Parameters (arguments) through which we pass values to a function. They are optional.</a:t>
+            </a:r>
+          </a:p>
+          <a:p>
+            <a:pPr marL="342900" indent="-342900">
+              <a:buFont typeface="Wingdings" panose="05000000000000000000" charset="0"/>
+              <a:buChar char="Ø"/>
+            </a:pPr>
+            <a:r>
+              <a:rPr lang="en-US" sz="2400" dirty="0"/>
+              <a:t>A colon (:) to mark the end of function header.</a:t>
+            </a:r>
+          </a:p>
+          <a:p>
+            <a:pPr marL="342900" indent="-342900">
+              <a:buFont typeface="Wingdings" panose="05000000000000000000" charset="0"/>
+              <a:buChar char="Ø"/>
+            </a:pPr>
+            <a:r>
+              <a:rPr lang="en-US" sz="2400" dirty="0"/>
+              <a:t>Optional documentation string (docstring) to describe what the function does.</a:t>
+            </a:r>
+          </a:p>
+          <a:p>
+            <a:pPr marL="342900" indent="-342900">
+              <a:buFont typeface="Wingdings" panose="05000000000000000000" charset="0"/>
+              <a:buChar char="Ø"/>
+            </a:pPr>
+            <a:r>
+              <a:rPr lang="en-US" sz="2400" dirty="0"/>
+              <a:t>One or more valid python statements that make up the function body. Statements must   </a:t>
+            </a:r>
+          </a:p>
+          <a:p>
+            <a:pPr>
+              <a:buFont typeface="Wingdings" panose="05000000000000000000" charset="0"/>
+            </a:pPr>
+            <a:r>
+              <a:rPr lang="en-US" sz="2400" dirty="0"/>
+              <a:t>      have same indentation level (usually 4 spaces).</a:t>
+            </a:r>
+          </a:p>
+          <a:p>
+            <a:pPr marL="342900" indent="-342900">
+              <a:buFont typeface="Wingdings" panose="05000000000000000000" charset="0"/>
+              <a:buChar char="Ø"/>
+            </a:pPr>
+            <a:r>
+              <a:rPr lang="en-US" sz="2400" dirty="0"/>
+              <a:t> An optional return statement to return a value from the function.</a:t>
+            </a:r>
+          </a:p>
+        </p:txBody>
+      </p:sp>
+      <p:sp>
+        <p:nvSpPr>
+          <p:cNvPr id="9" name="Text Box 8"/>
+          <p:cNvSpPr txBox="1"/>
+          <p:nvPr/>
+        </p:nvSpPr>
+        <p:spPr>
+          <a:xfrm>
+            <a:off x="0" y="100925"/>
+            <a:ext cx="8112760" cy="1323439"/>
+          </a:xfrm>
+          <a:prstGeom prst="rect">
+            <a:avLst/>
+          </a:prstGeom>
+          <a:noFill/>
+        </p:spPr>
+        <p:txBody>
+          <a:bodyPr wrap="square" rtlCol="0" anchor="t">
+            <a:spAutoFit/>
+          </a:bodyPr>
+          <a:lstStyle/>
+          <a:p>
+            <a:r>
+              <a:rPr lang="en-US" sz="4000" b="1" dirty="0">
+                <a:latin typeface="Arial" panose="020B0604020202020204" pitchFamily="34" charset="0"/>
+                <a:cs typeface="Arial" panose="020B0604020202020204" pitchFamily="34" charset="0"/>
+              </a:rPr>
+              <a:t>Function definition consists of following components.</a:t>
+            </a:r>
+          </a:p>
+        </p:txBody>
+      </p:sp>
+      <p:sp>
+        <p:nvSpPr>
+          <p:cNvPr id="11" name="Rectangle 10"/>
+          <p:cNvSpPr/>
+          <p:nvPr/>
+        </p:nvSpPr>
+        <p:spPr>
+          <a:xfrm>
+            <a:off x="7872147" y="6324906"/>
+            <a:ext cx="4319853" cy="369332"/>
+          </a:xfrm>
+          <a:prstGeom prst="rect">
+            <a:avLst/>
+          </a:prstGeom>
+        </p:spPr>
+        <p:txBody>
+          <a:bodyPr wrap="square">
+            <a:spAutoFit/>
+          </a:bodyPr>
+          <a:lstStyle/>
+          <a:p>
+            <a:pPr algn="ctr"/>
+            <a:r>
+              <a:rPr lang="en-US" dirty="0">
+                <a:latin typeface="Verdana" panose="020B0604030504040204" pitchFamily="34" charset="0"/>
+                <a:ea typeface="Verdana" panose="020B0604030504040204" pitchFamily="34" charset="0"/>
+              </a:rPr>
+              <a:t>Python </a:t>
+            </a:r>
+            <a:r>
+              <a:rPr lang="en-US" dirty="0" smtClean="0">
+                <a:latin typeface="Verdana" panose="020B0604030504040204" pitchFamily="34" charset="0"/>
+                <a:ea typeface="Verdana" panose="020B0604030504040204" pitchFamily="34" charset="0"/>
+              </a:rPr>
+              <a:t>Function-Modules-Packages</a:t>
+            </a:r>
+            <a:endParaRPr lang="en-US" dirty="0">
+              <a:latin typeface="Verdana" panose="020B0604030504040204" pitchFamily="34" charset="0"/>
+              <a:ea typeface="Verdana" panose="020B0604030504040204" pitchFamily="34" charset="0"/>
+            </a:endParaRPr>
+          </a:p>
+        </p:txBody>
+      </p:sp>
+    </p:spTree>
+    <p:extLst>
+      <p:ext uri="{BB962C8B-B14F-4D97-AF65-F5344CB8AC3E}">
+        <p14:creationId xmlns:p14="http://schemas.microsoft.com/office/powerpoint/2010/main" val="1048557086"/>
+      </p:ext>
+    </p:extLst>
+  </p:cSld>
+  <p:clrMapOvr>
+    <a:masterClrMapping/>
+  </p:clrMapOvr>
+  <p:timing>
+    <p:tnLst>
+      <p:par>
+        <p:cTn id="1" dur="indefinite" restart="never" nodeType="tmRoot"/>
+      </p:par>
+    </p:tnLst>
+  </p:timing>
+</p:sld>
+</file>
+
+<file path=ppt/slides/slide4.xml><?xml version="1.0" encoding="utf-8"?>
+<p:sld xmlns:a="http://schemas.openxmlformats.org/drawingml/2006/main" xmlns:r="http://schemas.openxmlformats.org/officeDocument/2006/relationships" xmlns:p="http://schemas.openxmlformats.org/presentationml/2006/main">
+  <p:cSld>
+    <p:spTree>
+      <p:nvGrpSpPr>
+        <p:cNvPr id="1" name=""/>
+        <p:cNvGrpSpPr/>
+        <p:nvPr/>
+      </p:nvGrpSpPr>
+      <p:grpSpPr>
+        <a:xfrm>
+          <a:off x="0" y="0"/>
+          <a:ext cx="0" cy="0"/>
+          <a:chOff x="0" y="0"/>
+          <a:chExt cx="0" cy="0"/>
+        </a:xfrm>
+      </p:grpSpPr>
+      <p:sp>
+        <p:nvSpPr>
+          <p:cNvPr id="2" name="直角三角形 1"/>
+          <p:cNvSpPr/>
+          <p:nvPr/>
+        </p:nvSpPr>
+        <p:spPr>
+          <a:xfrm flipH="1" flipV="1">
+            <a:off x="4076700" y="0"/>
+            <a:ext cx="8115300" cy="6273800"/>
+          </a:xfrm>
+          <a:prstGeom prst="rtTriangle">
+            <a:avLst/>
+          </a:prstGeom>
+          <a:solidFill>
+            <a:srgbClr val="747472"/>
+          </a:solidFill>
+          <a:ln>
+            <a:noFill/>
+          </a:ln>
+        </p:spPr>
+        <p:style>
+          <a:lnRef idx="2">
+            <a:schemeClr val="accent1">
+              <a:shade val="50000"/>
+            </a:schemeClr>
+          </a:lnRef>
+          <a:fillRef idx="1">
+            <a:schemeClr val="accent1"/>
+          </a:fillRef>
+          <a:effectRef idx="0">
+            <a:schemeClr val="accent1"/>
+          </a:effectRef>
+          <a:fontRef idx="minor">
+            <a:schemeClr val="lt1"/>
+          </a:fontRef>
+        </p:style>
+        <p:txBody>
+          <a:bodyPr anchor="ctr"/>
+          <a:lstStyle/>
+          <a:p>
+            <a:pPr marL="0" marR="0" lvl="0" indent="0" algn="ctr" defTabSz="914400" rtl="0" eaLnBrk="1" fontAlgn="auto" latinLnBrk="0" hangingPunct="1">
+              <a:lnSpc>
+                <a:spcPct val="100000"/>
+              </a:lnSpc>
+              <a:spcBef>
+                <a:spcPts val="0"/>
+              </a:spcBef>
+              <a:spcAft>
+                <a:spcPts val="0"/>
+              </a:spcAft>
+              <a:buClrTx/>
+              <a:buSzTx/>
+              <a:buFontTx/>
+              <a:buNone/>
+              <a:defRPr/>
+            </a:pPr>
+            <a:endParaRPr kumimoji="0" lang="zh-CN" altLang="en-US" sz="1800" b="0" i="0" u="none" strike="noStrike" kern="1200" cap="none" spc="0" normalizeH="0" baseline="0" noProof="0">
+              <a:ln>
+                <a:noFill/>
+              </a:ln>
+              <a:solidFill>
+                <a:schemeClr val="lt1"/>
+              </a:solidFill>
+              <a:effectLst/>
+              <a:uLnTx/>
+              <a:uFillTx/>
+              <a:latin typeface="+mn-lt"/>
+              <a:ea typeface="+mn-ea"/>
+              <a:cs typeface="+mn-cs"/>
+            </a:endParaRPr>
+          </a:p>
+        </p:txBody>
+      </p:sp>
+      <p:sp>
+        <p:nvSpPr>
+          <p:cNvPr id="3" name="等腰三角形 2"/>
+          <p:cNvSpPr/>
+          <p:nvPr/>
+        </p:nvSpPr>
+        <p:spPr>
+          <a:xfrm rot="19088536">
+            <a:off x="7283450" y="-541337"/>
+            <a:ext cx="2414588" cy="9158288"/>
+          </a:xfrm>
+          <a:custGeom>
+            <a:avLst/>
+            <a:gdLst>
+              <a:gd name="connsiteX0" fmla="*/ 0 w 1117600"/>
+              <a:gd name="connsiteY0" fmla="*/ 5702300 h 5702300"/>
+              <a:gd name="connsiteX1" fmla="*/ 558800 w 1117600"/>
+              <a:gd name="connsiteY1" fmla="*/ 0 h 5702300"/>
+              <a:gd name="connsiteX2" fmla="*/ 1117600 w 1117600"/>
+              <a:gd name="connsiteY2" fmla="*/ 5702300 h 5702300"/>
+              <a:gd name="connsiteX3" fmla="*/ 0 w 1117600"/>
+              <a:gd name="connsiteY3" fmla="*/ 5702300 h 5702300"/>
+              <a:gd name="connsiteX0-1" fmla="*/ 0 w 2070142"/>
+              <a:gd name="connsiteY0-2" fmla="*/ 5702300 h 7817508"/>
+              <a:gd name="connsiteX1-3" fmla="*/ 558800 w 2070142"/>
+              <a:gd name="connsiteY1-4" fmla="*/ 0 h 7817508"/>
+              <a:gd name="connsiteX2-5" fmla="*/ 2070142 w 2070142"/>
+              <a:gd name="connsiteY2-6" fmla="*/ 7817508 h 7817508"/>
+              <a:gd name="connsiteX3-7" fmla="*/ 0 w 2070142"/>
+              <a:gd name="connsiteY3-8" fmla="*/ 5702300 h 7817508"/>
+              <a:gd name="connsiteX0-9" fmla="*/ 0 w 2414257"/>
+              <a:gd name="connsiteY0-10" fmla="*/ 6314781 h 7817508"/>
+              <a:gd name="connsiteX1-11" fmla="*/ 902915 w 2414257"/>
+              <a:gd name="connsiteY1-12" fmla="*/ 0 h 7817508"/>
+              <a:gd name="connsiteX2-13" fmla="*/ 2414257 w 2414257"/>
+              <a:gd name="connsiteY2-14" fmla="*/ 7817508 h 7817508"/>
+              <a:gd name="connsiteX3-15" fmla="*/ 0 w 2414257"/>
+              <a:gd name="connsiteY3-16" fmla="*/ 6314781 h 7817508"/>
+              <a:gd name="connsiteX0-17" fmla="*/ 0 w 2414257"/>
+              <a:gd name="connsiteY0-18" fmla="*/ 6314781 h 7817508"/>
+              <a:gd name="connsiteX1-19" fmla="*/ 902915 w 2414257"/>
+              <a:gd name="connsiteY1-20" fmla="*/ 0 h 7817508"/>
+              <a:gd name="connsiteX2-21" fmla="*/ 2414257 w 2414257"/>
+              <a:gd name="connsiteY2-22" fmla="*/ 7817508 h 7817508"/>
+              <a:gd name="connsiteX3-23" fmla="*/ 1191330 w 2414257"/>
+              <a:gd name="connsiteY3-24" fmla="*/ 7039908 h 7817508"/>
+              <a:gd name="connsiteX4" fmla="*/ 0 w 2414257"/>
+              <a:gd name="connsiteY4" fmla="*/ 6314781 h 7817508"/>
+              <a:gd name="connsiteX0-25" fmla="*/ 0 w 2414257"/>
+              <a:gd name="connsiteY0-26" fmla="*/ 6314781 h 8205626"/>
+              <a:gd name="connsiteX1-27" fmla="*/ 902915 w 2414257"/>
+              <a:gd name="connsiteY1-28" fmla="*/ 0 h 8205626"/>
+              <a:gd name="connsiteX2-29" fmla="*/ 2414257 w 2414257"/>
+              <a:gd name="connsiteY2-30" fmla="*/ 7817508 h 8205626"/>
+              <a:gd name="connsiteX3-31" fmla="*/ 2073759 w 2414257"/>
+              <a:gd name="connsiteY3-32" fmla="*/ 8205626 h 8205626"/>
+              <a:gd name="connsiteX4-33" fmla="*/ 0 w 2414257"/>
+              <a:gd name="connsiteY4-34" fmla="*/ 6314781 h 8205626"/>
+              <a:gd name="connsiteX0-35" fmla="*/ 0 w 2414257"/>
+              <a:gd name="connsiteY0-36" fmla="*/ 6436203 h 8327048"/>
+              <a:gd name="connsiteX1-37" fmla="*/ 329641 w 2414257"/>
+              <a:gd name="connsiteY1-38" fmla="*/ 0 h 8327048"/>
+              <a:gd name="connsiteX2-39" fmla="*/ 2414257 w 2414257"/>
+              <a:gd name="connsiteY2-40" fmla="*/ 7938930 h 8327048"/>
+              <a:gd name="connsiteX3-41" fmla="*/ 2073759 w 2414257"/>
+              <a:gd name="connsiteY3-42" fmla="*/ 8327048 h 8327048"/>
+              <a:gd name="connsiteX4-43" fmla="*/ 0 w 2414257"/>
+              <a:gd name="connsiteY4-44" fmla="*/ 6436203 h 8327048"/>
+              <a:gd name="connsiteX0-45" fmla="*/ 0 w 2414257"/>
+              <a:gd name="connsiteY0-46" fmla="*/ 6431068 h 8321913"/>
+              <a:gd name="connsiteX1-47" fmla="*/ 563761 w 2414257"/>
+              <a:gd name="connsiteY1-48" fmla="*/ 0 h 8321913"/>
+              <a:gd name="connsiteX2-49" fmla="*/ 2414257 w 2414257"/>
+              <a:gd name="connsiteY2-50" fmla="*/ 7933795 h 8321913"/>
+              <a:gd name="connsiteX3-51" fmla="*/ 2073759 w 2414257"/>
+              <a:gd name="connsiteY3-52" fmla="*/ 8321913 h 8321913"/>
+              <a:gd name="connsiteX4-53" fmla="*/ 0 w 2414257"/>
+              <a:gd name="connsiteY4-54" fmla="*/ 6431068 h 8321913"/>
+              <a:gd name="connsiteX0-55" fmla="*/ 0 w 2414257"/>
+              <a:gd name="connsiteY0-56" fmla="*/ 7267650 h 9158495"/>
+              <a:gd name="connsiteX1-57" fmla="*/ 239027 w 2414257"/>
+              <a:gd name="connsiteY1-58" fmla="*/ 0 h 9158495"/>
+              <a:gd name="connsiteX2-59" fmla="*/ 2414257 w 2414257"/>
+              <a:gd name="connsiteY2-60" fmla="*/ 8770377 h 9158495"/>
+              <a:gd name="connsiteX3-61" fmla="*/ 2073759 w 2414257"/>
+              <a:gd name="connsiteY3-62" fmla="*/ 9158495 h 9158495"/>
+              <a:gd name="connsiteX4-63" fmla="*/ 0 w 2414257"/>
+              <a:gd name="connsiteY4-64" fmla="*/ 7267650 h 9158495"/>
+            </a:gdLst>
+            <a:ahLst/>
+            <a:cxnLst>
+              <a:cxn ang="0">
+                <a:pos x="connsiteX0-1" y="connsiteY0-2"/>
+              </a:cxn>
+              <a:cxn ang="0">
+                <a:pos x="connsiteX1-3" y="connsiteY1-4"/>
+              </a:cxn>
+              <a:cxn ang="0">
+                <a:pos x="connsiteX2-5" y="connsiteY2-6"/>
+              </a:cxn>
+              <a:cxn ang="0">
+                <a:pos x="connsiteX3-7" y="connsiteY3-8"/>
+              </a:cxn>
+              <a:cxn ang="0">
+                <a:pos x="connsiteX4-33" y="connsiteY4-34"/>
+              </a:cxn>
+            </a:cxnLst>
+            <a:rect l="l" t="t" r="r" b="b"/>
+            <a:pathLst>
+              <a:path w="2414257" h="9158495">
+                <a:moveTo>
+                  <a:pt x="0" y="7267650"/>
+                </a:moveTo>
+                <a:lnTo>
+                  <a:pt x="239027" y="0"/>
+                </a:lnTo>
+                <a:lnTo>
+                  <a:pt x="2414257" y="8770377"/>
+                </a:lnTo>
+                <a:lnTo>
+                  <a:pt x="2073759" y="9158495"/>
+                </a:lnTo>
+                <a:lnTo>
+                  <a:pt x="0" y="7267650"/>
+                </a:lnTo>
+                <a:close/>
+              </a:path>
+            </a:pathLst>
+          </a:custGeom>
+          <a:solidFill>
+            <a:srgbClr val="C4C4C4"/>
+          </a:solidFill>
+          <a:ln>
+            <a:noFill/>
+          </a:ln>
+        </p:spPr>
+        <p:style>
+          <a:lnRef idx="2">
+            <a:schemeClr val="accent1">
+              <a:shade val="50000"/>
+            </a:schemeClr>
+          </a:lnRef>
+          <a:fillRef idx="1">
+            <a:schemeClr val="accent1"/>
+          </a:fillRef>
+          <a:effectRef idx="0">
+            <a:schemeClr val="accent1"/>
+          </a:effectRef>
+          <a:fontRef idx="minor">
+            <a:schemeClr val="lt1"/>
+          </a:fontRef>
+        </p:style>
+        <p:txBody>
+          <a:bodyPr anchor="ctr"/>
+          <a:lstStyle/>
+          <a:p>
+            <a:pPr marL="0" marR="0" lvl="0" indent="0" algn="ctr" defTabSz="914400" rtl="0" eaLnBrk="1" fontAlgn="auto" latinLnBrk="0" hangingPunct="1">
+              <a:lnSpc>
+                <a:spcPct val="100000"/>
+              </a:lnSpc>
+              <a:spcBef>
+                <a:spcPts val="0"/>
+              </a:spcBef>
+              <a:spcAft>
+                <a:spcPts val="0"/>
+              </a:spcAft>
+              <a:buClrTx/>
+              <a:buSzTx/>
+              <a:buFontTx/>
+              <a:buNone/>
+              <a:defRPr/>
+            </a:pPr>
+            <a:endParaRPr kumimoji="0" lang="zh-CN" altLang="en-US" sz="1800" b="0" i="0" u="none" strike="noStrike" kern="1200" cap="none" spc="0" normalizeH="0" baseline="0" noProof="0">
+              <a:ln>
+                <a:noFill/>
+              </a:ln>
+              <a:solidFill>
+                <a:schemeClr val="lt1"/>
+              </a:solidFill>
+              <a:effectLst/>
+              <a:uLnTx/>
+              <a:uFillTx/>
+              <a:latin typeface="+mn-lt"/>
+              <a:ea typeface="+mn-ea"/>
+              <a:cs typeface="+mn-cs"/>
+            </a:endParaRPr>
+          </a:p>
+        </p:txBody>
+      </p:sp>
+      <p:sp>
+        <p:nvSpPr>
+          <p:cNvPr id="8" name="任意多边形 7"/>
+          <p:cNvSpPr/>
+          <p:nvPr/>
+        </p:nvSpPr>
+        <p:spPr>
+          <a:xfrm rot="7572289">
+            <a:off x="5132388" y="-1582737"/>
+            <a:ext cx="741363" cy="6269038"/>
+          </a:xfrm>
+          <a:custGeom>
+            <a:avLst/>
+            <a:gdLst>
+              <a:gd name="connsiteX0" fmla="*/ 742650 w 742650"/>
+              <a:gd name="connsiteY0" fmla="*/ 6268899 h 6268899"/>
+              <a:gd name="connsiteX1" fmla="*/ 0 w 742650"/>
+              <a:gd name="connsiteY1" fmla="*/ 5254376 h 6268899"/>
+              <a:gd name="connsiteX2" fmla="*/ 242314 w 742650"/>
+              <a:gd name="connsiteY2" fmla="*/ 0 h 6268899"/>
+            </a:gdLst>
+            <a:ahLst/>
+            <a:cxnLst>
+              <a:cxn ang="0">
+                <a:pos x="connsiteX0" y="connsiteY0"/>
+              </a:cxn>
+              <a:cxn ang="0">
+                <a:pos x="connsiteX1" y="connsiteY1"/>
+              </a:cxn>
+              <a:cxn ang="0">
+                <a:pos x="connsiteX2" y="connsiteY2"/>
+              </a:cxn>
+            </a:cxnLst>
+            <a:rect l="l" t="t" r="r" b="b"/>
+            <a:pathLst>
+              <a:path w="742650" h="6268899">
+                <a:moveTo>
+                  <a:pt x="742650" y="6268899"/>
+                </a:moveTo>
+                <a:lnTo>
+                  <a:pt x="0" y="5254376"/>
+                </a:lnTo>
+                <a:lnTo>
+                  <a:pt x="242314" y="0"/>
+                </a:lnTo>
+                <a:close/>
+              </a:path>
+            </a:pathLst>
+          </a:custGeom>
+          <a:solidFill>
+            <a:srgbClr val="F0B931"/>
+          </a:solidFill>
+          <a:ln>
+            <a:noFill/>
+          </a:ln>
+        </p:spPr>
+        <p:style>
+          <a:lnRef idx="2">
+            <a:schemeClr val="accent1">
+              <a:shade val="50000"/>
+            </a:schemeClr>
+          </a:lnRef>
+          <a:fillRef idx="1">
+            <a:schemeClr val="accent1"/>
+          </a:fillRef>
+          <a:effectRef idx="0">
+            <a:schemeClr val="accent1"/>
+          </a:effectRef>
+          <a:fontRef idx="minor">
+            <a:schemeClr val="lt1"/>
+          </a:fontRef>
+        </p:style>
+        <p:txBody>
+          <a:bodyPr anchor="ctr"/>
+          <a:lstStyle/>
+          <a:p>
+            <a:pPr marL="0" marR="0" lvl="0" indent="0" algn="ctr" defTabSz="914400" rtl="0" eaLnBrk="1" fontAlgn="auto" latinLnBrk="0" hangingPunct="1">
+              <a:lnSpc>
+                <a:spcPct val="100000"/>
+              </a:lnSpc>
+              <a:spcBef>
+                <a:spcPts val="0"/>
+              </a:spcBef>
+              <a:spcAft>
+                <a:spcPts val="0"/>
+              </a:spcAft>
+              <a:buClrTx/>
+              <a:buSzTx/>
+              <a:buFontTx/>
+              <a:buNone/>
+              <a:defRPr/>
+            </a:pPr>
+            <a:endParaRPr kumimoji="0" lang="zh-CN" altLang="en-US" sz="1800" b="0" i="0" u="none" strike="noStrike" kern="1200" cap="none" spc="0" normalizeH="0" baseline="0" noProof="0">
+              <a:ln>
+                <a:noFill/>
+              </a:ln>
+              <a:solidFill>
+                <a:schemeClr val="lt1"/>
+              </a:solidFill>
+              <a:effectLst/>
+              <a:uLnTx/>
+              <a:uFillTx/>
+              <a:latin typeface="+mn-lt"/>
+              <a:ea typeface="+mn-ea"/>
+              <a:cs typeface="+mn-cs"/>
+            </a:endParaRPr>
+          </a:p>
+        </p:txBody>
+      </p:sp>
+      <p:pic>
+        <p:nvPicPr>
+          <p:cNvPr id="5" name="Picture 4" descr="python-logo"/>
+          <p:cNvPicPr>
+            <a:picLocks noChangeAspect="1"/>
+          </p:cNvPicPr>
+          <p:nvPr/>
+        </p:nvPicPr>
+        <p:blipFill>
+          <a:blip r:embed="rId2"/>
+          <a:stretch>
+            <a:fillRect/>
+          </a:stretch>
+        </p:blipFill>
+        <p:spPr>
+          <a:xfrm>
+            <a:off x="8762528" y="86755"/>
+            <a:ext cx="3683000" cy="1041400"/>
+          </a:xfrm>
+          <a:prstGeom prst="rect">
+            <a:avLst/>
+          </a:prstGeom>
+        </p:spPr>
+      </p:pic>
+      <p:sp>
+        <p:nvSpPr>
+          <p:cNvPr id="4" name="Text Box 3"/>
+          <p:cNvSpPr txBox="1"/>
+          <p:nvPr/>
+        </p:nvSpPr>
+        <p:spPr>
+          <a:xfrm>
+            <a:off x="151208" y="79653"/>
+            <a:ext cx="8310245" cy="1322070"/>
+          </a:xfrm>
+          <a:prstGeom prst="rect">
+            <a:avLst/>
+          </a:prstGeom>
+          <a:noFill/>
+          <a:ln w="9525">
+            <a:noFill/>
+          </a:ln>
+        </p:spPr>
+        <p:txBody>
+          <a:bodyPr wrap="none" rtlCol="0" anchor="t">
+            <a:spAutoFit/>
+          </a:bodyPr>
+          <a:lstStyle/>
+          <a:p>
+            <a:pPr lvl="0" algn="l"/>
+            <a:r>
+              <a:rPr lang="en-US" altLang="zh-CN" sz="4000" b="1" dirty="0">
+                <a:solidFill>
+                  <a:srgbClr val="262626"/>
+                </a:solidFill>
+                <a:latin typeface="Arial" panose="020B0604020202020204" pitchFamily="34" charset="0"/>
+                <a:ea typeface="Microsoft YaHei" panose="020B0503020204020204" pitchFamily="34" charset="-122"/>
+                <a:sym typeface="+mn-ea"/>
+              </a:rPr>
+              <a:t>How to call a function in python? </a:t>
+            </a:r>
+          </a:p>
+          <a:p>
+            <a:pPr lvl="0" algn="l"/>
+            <a:endParaRPr lang="en-US" altLang="zh-CN" sz="4000" b="1" dirty="0">
+              <a:solidFill>
+                <a:srgbClr val="262626"/>
+              </a:solidFill>
+              <a:latin typeface="Arial" panose="020B0604020202020204" pitchFamily="34" charset="0"/>
+              <a:ea typeface="Microsoft YaHei" panose="020B0503020204020204" pitchFamily="34" charset="-122"/>
+              <a:sym typeface="+mn-ea"/>
+            </a:endParaRPr>
+          </a:p>
+        </p:txBody>
+      </p:sp>
+      <p:sp>
+        <p:nvSpPr>
+          <p:cNvPr id="9" name="Text Box 8"/>
+          <p:cNvSpPr txBox="1"/>
+          <p:nvPr/>
+        </p:nvSpPr>
+        <p:spPr>
+          <a:xfrm>
+            <a:off x="390857" y="2039937"/>
+            <a:ext cx="11569700" cy="2246769"/>
+          </a:xfrm>
+          <a:prstGeom prst="rect">
+            <a:avLst/>
+          </a:prstGeom>
+          <a:noFill/>
+        </p:spPr>
+        <p:txBody>
+          <a:bodyPr wrap="square" rtlCol="0" anchor="t">
+            <a:spAutoFit/>
+          </a:bodyPr>
+          <a:lstStyle/>
+          <a:p>
+            <a:r>
+              <a:rPr lang="en-US" sz="2800" dirty="0"/>
+              <a:t>Once we have defined a function, we can call it from another function, program or even the Python prompt. To call a function we simply type the function name with appropriate parameters</a:t>
+            </a:r>
+            <a:r>
+              <a:rPr lang="en-US" sz="2800" dirty="0" smtClean="0"/>
+              <a:t>.</a:t>
+            </a:r>
+          </a:p>
+          <a:p>
+            <a:endParaRPr lang="en-US" sz="2800" dirty="0"/>
+          </a:p>
+          <a:p>
+            <a:r>
+              <a:rPr lang="en-US" sz="2800" dirty="0" smtClean="0"/>
+              <a:t>functionName(Argument)</a:t>
+            </a:r>
+            <a:endParaRPr lang="en-US" sz="2800" dirty="0"/>
+          </a:p>
+        </p:txBody>
+      </p:sp>
+      <p:sp>
+        <p:nvSpPr>
+          <p:cNvPr id="11" name="Rectangle 10"/>
+          <p:cNvSpPr/>
+          <p:nvPr/>
+        </p:nvSpPr>
+        <p:spPr>
+          <a:xfrm>
+            <a:off x="7872147" y="6324906"/>
+            <a:ext cx="4319853" cy="369332"/>
+          </a:xfrm>
+          <a:prstGeom prst="rect">
+            <a:avLst/>
+          </a:prstGeom>
+        </p:spPr>
+        <p:txBody>
+          <a:bodyPr wrap="square">
+            <a:spAutoFit/>
+          </a:bodyPr>
+          <a:lstStyle/>
+          <a:p>
+            <a:pPr algn="ctr"/>
+            <a:r>
+              <a:rPr lang="en-US" dirty="0">
+                <a:latin typeface="Verdana" panose="020B0604030504040204" pitchFamily="34" charset="0"/>
+                <a:ea typeface="Verdana" panose="020B0604030504040204" pitchFamily="34" charset="0"/>
+              </a:rPr>
+              <a:t>Python </a:t>
+            </a:r>
+            <a:r>
+              <a:rPr lang="en-US" dirty="0" smtClean="0">
+                <a:latin typeface="Verdana" panose="020B0604030504040204" pitchFamily="34" charset="0"/>
+                <a:ea typeface="Verdana" panose="020B0604030504040204" pitchFamily="34" charset="0"/>
+              </a:rPr>
+              <a:t>Function-Modules-Packages</a:t>
+            </a:r>
+            <a:endParaRPr lang="en-US" dirty="0">
+              <a:latin typeface="Verdana" panose="020B0604030504040204" pitchFamily="34" charset="0"/>
+              <a:ea typeface="Verdana" panose="020B0604030504040204" pitchFamily="34" charset="0"/>
+            </a:endParaRPr>
+          </a:p>
+        </p:txBody>
+      </p:sp>
+    </p:spTree>
+    <p:extLst>
+      <p:ext uri="{BB962C8B-B14F-4D97-AF65-F5344CB8AC3E}">
+        <p14:creationId xmlns:p14="http://schemas.microsoft.com/office/powerpoint/2010/main" val="2217473539"/>
+      </p:ext>
+    </p:extLst>
+  </p:cSld>
+  <p:clrMapOvr>
+    <a:masterClrMapping/>
+  </p:clrMapOvr>
+  <p:timing>
+    <p:tnLst>
+      <p:par>
+        <p:cTn id="1" dur="indefinite" restart="never" nodeType="tmRoot"/>
+      </p:par>
+    </p:tnLst>
+  </p:timing>
+</p:sld>
+</file>
+
+<file path=ppt/slides/slide5.xml><?xml version="1.0" encoding="utf-8"?>
+<p:sld xmlns:a="http://schemas.openxmlformats.org/drawingml/2006/main" xmlns:r="http://schemas.openxmlformats.org/officeDocument/2006/relationships" xmlns:p="http://schemas.openxmlformats.org/presentationml/2006/main">
+  <p:cSld>
+    <p:spTree>
+      <p:nvGrpSpPr>
+        <p:cNvPr id="1" name=""/>
+        <p:cNvGrpSpPr/>
+        <p:nvPr/>
+      </p:nvGrpSpPr>
+      <p:grpSpPr>
+        <a:xfrm>
+          <a:off x="0" y="0"/>
+          <a:ext cx="0" cy="0"/>
+          <a:chOff x="0" y="0"/>
+          <a:chExt cx="0" cy="0"/>
+        </a:xfrm>
+      </p:grpSpPr>
+      <p:sp>
+        <p:nvSpPr>
+          <p:cNvPr id="2" name="直角三角形 1"/>
+          <p:cNvSpPr/>
+          <p:nvPr/>
+        </p:nvSpPr>
+        <p:spPr>
+          <a:xfrm flipH="1" flipV="1">
+            <a:off x="4076700" y="0"/>
+            <a:ext cx="8115300" cy="6273800"/>
+          </a:xfrm>
+          <a:prstGeom prst="rtTriangle">
+            <a:avLst/>
+          </a:prstGeom>
+          <a:solidFill>
+            <a:srgbClr val="747472"/>
+          </a:solidFill>
+          <a:ln>
+            <a:noFill/>
+          </a:ln>
+        </p:spPr>
+        <p:style>
+          <a:lnRef idx="2">
+            <a:schemeClr val="accent1">
+              <a:shade val="50000"/>
+            </a:schemeClr>
+          </a:lnRef>
+          <a:fillRef idx="1">
+            <a:schemeClr val="accent1"/>
+          </a:fillRef>
+          <a:effectRef idx="0">
+            <a:schemeClr val="accent1"/>
+          </a:effectRef>
+          <a:fontRef idx="minor">
+            <a:schemeClr val="lt1"/>
+          </a:fontRef>
+        </p:style>
+        <p:txBody>
+          <a:bodyPr anchor="ctr"/>
+          <a:lstStyle/>
+          <a:p>
+            <a:pPr marL="0" marR="0" lvl="0" indent="0" algn="ctr" defTabSz="914400" rtl="0" eaLnBrk="1" fontAlgn="auto" latinLnBrk="0" hangingPunct="1">
+              <a:lnSpc>
+                <a:spcPct val="100000"/>
+              </a:lnSpc>
+              <a:spcBef>
+                <a:spcPts val="0"/>
+              </a:spcBef>
+              <a:spcAft>
+                <a:spcPts val="0"/>
+              </a:spcAft>
+              <a:buClrTx/>
+              <a:buSzTx/>
+              <a:buFontTx/>
+              <a:buNone/>
+              <a:defRPr/>
+            </a:pPr>
+            <a:endParaRPr kumimoji="0" lang="zh-CN" altLang="en-US" sz="1800" b="0" i="0" u="none" strike="noStrike" kern="1200" cap="none" spc="0" normalizeH="0" baseline="0" noProof="0">
+              <a:ln>
+                <a:noFill/>
+              </a:ln>
+              <a:solidFill>
+                <a:schemeClr val="lt1"/>
+              </a:solidFill>
+              <a:effectLst/>
+              <a:uLnTx/>
+              <a:uFillTx/>
+              <a:latin typeface="+mn-lt"/>
+              <a:ea typeface="+mn-ea"/>
+              <a:cs typeface="+mn-cs"/>
+            </a:endParaRPr>
+          </a:p>
+        </p:txBody>
+      </p:sp>
+      <p:sp>
+        <p:nvSpPr>
+          <p:cNvPr id="3" name="等腰三角形 2"/>
+          <p:cNvSpPr/>
+          <p:nvPr/>
+        </p:nvSpPr>
+        <p:spPr>
+          <a:xfrm rot="19088536">
+            <a:off x="7283450" y="-541337"/>
+            <a:ext cx="2414588" cy="9158288"/>
+          </a:xfrm>
+          <a:custGeom>
+            <a:avLst/>
+            <a:gdLst>
+              <a:gd name="connsiteX0" fmla="*/ 0 w 1117600"/>
+              <a:gd name="connsiteY0" fmla="*/ 5702300 h 5702300"/>
+              <a:gd name="connsiteX1" fmla="*/ 558800 w 1117600"/>
+              <a:gd name="connsiteY1" fmla="*/ 0 h 5702300"/>
+              <a:gd name="connsiteX2" fmla="*/ 1117600 w 1117600"/>
+              <a:gd name="connsiteY2" fmla="*/ 5702300 h 5702300"/>
+              <a:gd name="connsiteX3" fmla="*/ 0 w 1117600"/>
+              <a:gd name="connsiteY3" fmla="*/ 5702300 h 5702300"/>
+              <a:gd name="connsiteX0-1" fmla="*/ 0 w 2070142"/>
+              <a:gd name="connsiteY0-2" fmla="*/ 5702300 h 7817508"/>
+              <a:gd name="connsiteX1-3" fmla="*/ 558800 w 2070142"/>
+              <a:gd name="connsiteY1-4" fmla="*/ 0 h 7817508"/>
+              <a:gd name="connsiteX2-5" fmla="*/ 2070142 w 2070142"/>
+              <a:gd name="connsiteY2-6" fmla="*/ 7817508 h 7817508"/>
+              <a:gd name="connsiteX3-7" fmla="*/ 0 w 2070142"/>
+              <a:gd name="connsiteY3-8" fmla="*/ 5702300 h 7817508"/>
+              <a:gd name="connsiteX0-9" fmla="*/ 0 w 2414257"/>
+              <a:gd name="connsiteY0-10" fmla="*/ 6314781 h 7817508"/>
+              <a:gd name="connsiteX1-11" fmla="*/ 902915 w 2414257"/>
+              <a:gd name="connsiteY1-12" fmla="*/ 0 h 7817508"/>
+              <a:gd name="connsiteX2-13" fmla="*/ 2414257 w 2414257"/>
+              <a:gd name="connsiteY2-14" fmla="*/ 7817508 h 7817508"/>
+              <a:gd name="connsiteX3-15" fmla="*/ 0 w 2414257"/>
+              <a:gd name="connsiteY3-16" fmla="*/ 6314781 h 7817508"/>
+              <a:gd name="connsiteX0-17" fmla="*/ 0 w 2414257"/>
+              <a:gd name="connsiteY0-18" fmla="*/ 6314781 h 7817508"/>
+              <a:gd name="connsiteX1-19" fmla="*/ 902915 w 2414257"/>
+              <a:gd name="connsiteY1-20" fmla="*/ 0 h 7817508"/>
+              <a:gd name="connsiteX2-21" fmla="*/ 2414257 w 2414257"/>
+              <a:gd name="connsiteY2-22" fmla="*/ 7817508 h 7817508"/>
+              <a:gd name="connsiteX3-23" fmla="*/ 1191330 w 2414257"/>
+              <a:gd name="connsiteY3-24" fmla="*/ 7039908 h 7817508"/>
+              <a:gd name="connsiteX4" fmla="*/ 0 w 2414257"/>
+              <a:gd name="connsiteY4" fmla="*/ 6314781 h 7817508"/>
+              <a:gd name="connsiteX0-25" fmla="*/ 0 w 2414257"/>
+              <a:gd name="connsiteY0-26" fmla="*/ 6314781 h 8205626"/>
+              <a:gd name="connsiteX1-27" fmla="*/ 902915 w 2414257"/>
+              <a:gd name="connsiteY1-28" fmla="*/ 0 h 8205626"/>
+              <a:gd name="connsiteX2-29" fmla="*/ 2414257 w 2414257"/>
+              <a:gd name="connsiteY2-30" fmla="*/ 7817508 h 8205626"/>
+              <a:gd name="connsiteX3-31" fmla="*/ 2073759 w 2414257"/>
+              <a:gd name="connsiteY3-32" fmla="*/ 8205626 h 8205626"/>
+              <a:gd name="connsiteX4-33" fmla="*/ 0 w 2414257"/>
+              <a:gd name="connsiteY4-34" fmla="*/ 6314781 h 8205626"/>
+              <a:gd name="connsiteX0-35" fmla="*/ 0 w 2414257"/>
+              <a:gd name="connsiteY0-36" fmla="*/ 6436203 h 8327048"/>
+              <a:gd name="connsiteX1-37" fmla="*/ 329641 w 2414257"/>
+              <a:gd name="connsiteY1-38" fmla="*/ 0 h 8327048"/>
+              <a:gd name="connsiteX2-39" fmla="*/ 2414257 w 2414257"/>
+              <a:gd name="connsiteY2-40" fmla="*/ 7938930 h 8327048"/>
+              <a:gd name="connsiteX3-41" fmla="*/ 2073759 w 2414257"/>
+              <a:gd name="connsiteY3-42" fmla="*/ 8327048 h 8327048"/>
+              <a:gd name="connsiteX4-43" fmla="*/ 0 w 2414257"/>
+              <a:gd name="connsiteY4-44" fmla="*/ 6436203 h 8327048"/>
+              <a:gd name="connsiteX0-45" fmla="*/ 0 w 2414257"/>
+              <a:gd name="connsiteY0-46" fmla="*/ 6431068 h 8321913"/>
+              <a:gd name="connsiteX1-47" fmla="*/ 563761 w 2414257"/>
+              <a:gd name="connsiteY1-48" fmla="*/ 0 h 8321913"/>
+              <a:gd name="connsiteX2-49" fmla="*/ 2414257 w 2414257"/>
+              <a:gd name="connsiteY2-50" fmla="*/ 7933795 h 8321913"/>
+              <a:gd name="connsiteX3-51" fmla="*/ 2073759 w 2414257"/>
+              <a:gd name="connsiteY3-52" fmla="*/ 8321913 h 8321913"/>
+              <a:gd name="connsiteX4-53" fmla="*/ 0 w 2414257"/>
+              <a:gd name="connsiteY4-54" fmla="*/ 6431068 h 8321913"/>
+              <a:gd name="connsiteX0-55" fmla="*/ 0 w 2414257"/>
+              <a:gd name="connsiteY0-56" fmla="*/ 7267650 h 9158495"/>
+              <a:gd name="connsiteX1-57" fmla="*/ 239027 w 2414257"/>
+              <a:gd name="connsiteY1-58" fmla="*/ 0 h 9158495"/>
+              <a:gd name="connsiteX2-59" fmla="*/ 2414257 w 2414257"/>
+              <a:gd name="connsiteY2-60" fmla="*/ 8770377 h 9158495"/>
+              <a:gd name="connsiteX3-61" fmla="*/ 2073759 w 2414257"/>
+              <a:gd name="connsiteY3-62" fmla="*/ 9158495 h 9158495"/>
+              <a:gd name="connsiteX4-63" fmla="*/ 0 w 2414257"/>
+              <a:gd name="connsiteY4-64" fmla="*/ 7267650 h 9158495"/>
+            </a:gdLst>
+            <a:ahLst/>
+            <a:cxnLst>
+              <a:cxn ang="0">
+                <a:pos x="connsiteX0-1" y="connsiteY0-2"/>
+              </a:cxn>
+              <a:cxn ang="0">
+                <a:pos x="connsiteX1-3" y="connsiteY1-4"/>
+              </a:cxn>
+              <a:cxn ang="0">
+                <a:pos x="connsiteX2-5" y="connsiteY2-6"/>
+              </a:cxn>
+              <a:cxn ang="0">
+                <a:pos x="connsiteX3-7" y="connsiteY3-8"/>
+              </a:cxn>
+              <a:cxn ang="0">
+                <a:pos x="connsiteX4-33" y="connsiteY4-34"/>
+              </a:cxn>
+            </a:cxnLst>
+            <a:rect l="l" t="t" r="r" b="b"/>
+            <a:pathLst>
+              <a:path w="2414257" h="9158495">
+                <a:moveTo>
+                  <a:pt x="0" y="7267650"/>
+                </a:moveTo>
+                <a:lnTo>
+                  <a:pt x="239027" y="0"/>
+                </a:lnTo>
+                <a:lnTo>
+                  <a:pt x="2414257" y="8770377"/>
+                </a:lnTo>
+                <a:lnTo>
+                  <a:pt x="2073759" y="9158495"/>
+                </a:lnTo>
+                <a:lnTo>
+                  <a:pt x="0" y="7267650"/>
+                </a:lnTo>
+                <a:close/>
+              </a:path>
+            </a:pathLst>
+          </a:custGeom>
+          <a:solidFill>
+            <a:srgbClr val="C4C4C4"/>
+          </a:solidFill>
+          <a:ln>
+            <a:noFill/>
+          </a:ln>
+        </p:spPr>
+        <p:style>
+          <a:lnRef idx="2">
+            <a:schemeClr val="accent1">
+              <a:shade val="50000"/>
+            </a:schemeClr>
+          </a:lnRef>
+          <a:fillRef idx="1">
+            <a:schemeClr val="accent1"/>
+          </a:fillRef>
+          <a:effectRef idx="0">
+            <a:schemeClr val="accent1"/>
+          </a:effectRef>
+          <a:fontRef idx="minor">
+            <a:schemeClr val="lt1"/>
+          </a:fontRef>
+        </p:style>
+        <p:txBody>
+          <a:bodyPr anchor="ctr"/>
+          <a:lstStyle/>
+          <a:p>
+            <a:pPr marL="0" marR="0" lvl="0" indent="0" algn="ctr" defTabSz="914400" rtl="0" eaLnBrk="1" fontAlgn="auto" latinLnBrk="0" hangingPunct="1">
+              <a:lnSpc>
+                <a:spcPct val="100000"/>
+              </a:lnSpc>
+              <a:spcBef>
+                <a:spcPts val="0"/>
+              </a:spcBef>
+              <a:spcAft>
+                <a:spcPts val="0"/>
+              </a:spcAft>
+              <a:buClrTx/>
+              <a:buSzTx/>
+              <a:buFontTx/>
+              <a:buNone/>
+              <a:defRPr/>
+            </a:pPr>
+            <a:endParaRPr kumimoji="0" lang="zh-CN" altLang="en-US" sz="1800" b="0" i="0" u="none" strike="noStrike" kern="1200" cap="none" spc="0" normalizeH="0" baseline="0" noProof="0">
+              <a:ln>
+                <a:noFill/>
+              </a:ln>
+              <a:solidFill>
+                <a:schemeClr val="lt1"/>
+              </a:solidFill>
+              <a:effectLst/>
+              <a:uLnTx/>
+              <a:uFillTx/>
+              <a:latin typeface="+mn-lt"/>
+              <a:ea typeface="+mn-ea"/>
+              <a:cs typeface="+mn-cs"/>
+            </a:endParaRPr>
+          </a:p>
+        </p:txBody>
+      </p:sp>
+      <p:sp>
+        <p:nvSpPr>
+          <p:cNvPr id="8" name="任意多边形 7"/>
+          <p:cNvSpPr/>
+          <p:nvPr/>
+        </p:nvSpPr>
+        <p:spPr>
+          <a:xfrm rot="7572289">
+            <a:off x="5132388" y="-1582737"/>
+            <a:ext cx="741363" cy="6269038"/>
+          </a:xfrm>
+          <a:custGeom>
+            <a:avLst/>
+            <a:gdLst>
+              <a:gd name="connsiteX0" fmla="*/ 742650 w 742650"/>
+              <a:gd name="connsiteY0" fmla="*/ 6268899 h 6268899"/>
+              <a:gd name="connsiteX1" fmla="*/ 0 w 742650"/>
+              <a:gd name="connsiteY1" fmla="*/ 5254376 h 6268899"/>
+              <a:gd name="connsiteX2" fmla="*/ 242314 w 742650"/>
+              <a:gd name="connsiteY2" fmla="*/ 0 h 6268899"/>
+            </a:gdLst>
+            <a:ahLst/>
+            <a:cxnLst>
+              <a:cxn ang="0">
+                <a:pos x="connsiteX0" y="connsiteY0"/>
+              </a:cxn>
+              <a:cxn ang="0">
+                <a:pos x="connsiteX1" y="connsiteY1"/>
+              </a:cxn>
+              <a:cxn ang="0">
+                <a:pos x="connsiteX2" y="connsiteY2"/>
+              </a:cxn>
+            </a:cxnLst>
+            <a:rect l="l" t="t" r="r" b="b"/>
+            <a:pathLst>
+              <a:path w="742650" h="6268899">
+                <a:moveTo>
+                  <a:pt x="742650" y="6268899"/>
+                </a:moveTo>
+                <a:lnTo>
+                  <a:pt x="0" y="5254376"/>
+                </a:lnTo>
+                <a:lnTo>
+                  <a:pt x="242314" y="0"/>
+                </a:lnTo>
+                <a:close/>
+              </a:path>
+            </a:pathLst>
+          </a:custGeom>
+          <a:solidFill>
+            <a:srgbClr val="F0B931"/>
+          </a:solidFill>
+          <a:ln>
+            <a:noFill/>
+          </a:ln>
+        </p:spPr>
+        <p:style>
+          <a:lnRef idx="2">
+            <a:schemeClr val="accent1">
+              <a:shade val="50000"/>
+            </a:schemeClr>
+          </a:lnRef>
+          <a:fillRef idx="1">
+            <a:schemeClr val="accent1"/>
+          </a:fillRef>
+          <a:effectRef idx="0">
+            <a:schemeClr val="accent1"/>
+          </a:effectRef>
+          <a:fontRef idx="minor">
+            <a:schemeClr val="lt1"/>
+          </a:fontRef>
+        </p:style>
+        <p:txBody>
+          <a:bodyPr anchor="ctr"/>
+          <a:lstStyle/>
+          <a:p>
+            <a:pPr marL="0" marR="0" lvl="0" indent="0" algn="ctr" defTabSz="914400" rtl="0" eaLnBrk="1" fontAlgn="auto" latinLnBrk="0" hangingPunct="1">
+              <a:lnSpc>
+                <a:spcPct val="100000"/>
+              </a:lnSpc>
+              <a:spcBef>
+                <a:spcPts val="0"/>
+              </a:spcBef>
+              <a:spcAft>
+                <a:spcPts val="0"/>
+              </a:spcAft>
+              <a:buClrTx/>
+              <a:buSzTx/>
+              <a:buFontTx/>
+              <a:buNone/>
+              <a:defRPr/>
+            </a:pPr>
+            <a:endParaRPr kumimoji="0" lang="zh-CN" altLang="en-US" sz="1800" b="0" i="0" u="none" strike="noStrike" kern="1200" cap="none" spc="0" normalizeH="0" baseline="0" noProof="0">
+              <a:ln>
+                <a:noFill/>
+              </a:ln>
+              <a:solidFill>
+                <a:schemeClr val="lt1"/>
+              </a:solidFill>
+              <a:effectLst/>
+              <a:uLnTx/>
+              <a:uFillTx/>
+              <a:latin typeface="+mn-lt"/>
+              <a:ea typeface="+mn-ea"/>
+              <a:cs typeface="+mn-cs"/>
+            </a:endParaRPr>
+          </a:p>
+        </p:txBody>
+      </p:sp>
+      <p:pic>
+        <p:nvPicPr>
+          <p:cNvPr id="5" name="Picture 4" descr="python-logo"/>
+          <p:cNvPicPr>
+            <a:picLocks noChangeAspect="1"/>
+          </p:cNvPicPr>
+          <p:nvPr/>
+        </p:nvPicPr>
+        <p:blipFill>
+          <a:blip r:embed="rId3"/>
+          <a:stretch>
+            <a:fillRect/>
+          </a:stretch>
+        </p:blipFill>
+        <p:spPr>
+          <a:xfrm>
+            <a:off x="8509000" y="361315"/>
+            <a:ext cx="3683000" cy="1041400"/>
+          </a:xfrm>
+          <a:prstGeom prst="rect">
+            <a:avLst/>
+          </a:prstGeom>
+        </p:spPr>
+      </p:pic>
+      <p:sp>
+        <p:nvSpPr>
+          <p:cNvPr id="4" name="Text Box 3"/>
+          <p:cNvSpPr txBox="1"/>
+          <p:nvPr/>
+        </p:nvSpPr>
+        <p:spPr>
+          <a:xfrm>
+            <a:off x="243205" y="1402715"/>
+            <a:ext cx="11706225" cy="1198880"/>
+          </a:xfrm>
+          <a:prstGeom prst="rect">
+            <a:avLst/>
+          </a:prstGeom>
+          <a:noFill/>
+        </p:spPr>
+        <p:txBody>
+          <a:bodyPr wrap="square" rtlCol="0" anchor="t">
+            <a:spAutoFit/>
+          </a:bodyPr>
+          <a:lstStyle/>
+          <a:p>
+            <a:pPr marL="342900" indent="-342900">
+              <a:buFont typeface="Wingdings" panose="05000000000000000000" charset="0"/>
+              <a:buChar char="Ø"/>
+            </a:pPr>
+            <a:r>
+              <a:rPr lang="en-US" sz="2400" dirty="0"/>
+              <a:t>Functions that we define ourselves to do certain specific task are referred as </a:t>
+            </a:r>
+            <a:r>
+              <a:rPr lang="en-US" sz="2400" b="1" dirty="0"/>
+              <a:t>user-defined functions.</a:t>
+            </a:r>
+          </a:p>
+          <a:p>
+            <a:pPr marL="342900" indent="-342900">
+              <a:buFont typeface="Wingdings" panose="05000000000000000000" charset="0"/>
+              <a:buChar char="Ø"/>
+            </a:pPr>
+            <a:r>
+              <a:rPr lang="en-US" sz="2400" dirty="0"/>
+              <a:t>Functions that readily come with Python are called </a:t>
+            </a:r>
+            <a:r>
+              <a:rPr lang="en-US" sz="2400" b="1" dirty="0"/>
+              <a:t>built-in functions.</a:t>
+            </a:r>
+          </a:p>
+        </p:txBody>
+      </p:sp>
+      <p:sp>
+        <p:nvSpPr>
+          <p:cNvPr id="7" name="Text Box 6"/>
+          <p:cNvSpPr txBox="1"/>
+          <p:nvPr/>
+        </p:nvSpPr>
+        <p:spPr>
+          <a:xfrm>
+            <a:off x="243205" y="2858770"/>
+            <a:ext cx="11239500" cy="3046095"/>
+          </a:xfrm>
+          <a:prstGeom prst="rect">
+            <a:avLst/>
+          </a:prstGeom>
+          <a:noFill/>
+        </p:spPr>
+        <p:txBody>
+          <a:bodyPr wrap="square" rtlCol="0" anchor="t">
+            <a:spAutoFit/>
+          </a:bodyPr>
+          <a:lstStyle/>
+          <a:p>
+            <a:r>
+              <a:rPr lang="en-US" sz="2400" b="1" dirty="0"/>
+              <a:t># Program to illustrate</a:t>
+            </a:r>
+          </a:p>
+          <a:p>
+            <a:r>
+              <a:rPr lang="en-US" sz="2400" b="1" dirty="0"/>
+              <a:t># the use of user-defined functions</a:t>
+            </a:r>
+          </a:p>
+          <a:p>
+            <a:r>
+              <a:rPr lang="en-US" sz="2400" b="1" dirty="0"/>
+              <a:t>def </a:t>
+            </a:r>
+            <a:r>
+              <a:rPr lang="en-US" sz="2400" b="1" dirty="0" err="1"/>
+              <a:t>add_numbers</a:t>
+            </a:r>
+            <a:r>
+              <a:rPr lang="en-US" sz="2400" b="1" dirty="0"/>
+              <a:t>(</a:t>
+            </a:r>
+            <a:r>
+              <a:rPr lang="en-US" sz="2400" b="1" dirty="0" err="1"/>
+              <a:t>x,y</a:t>
+            </a:r>
+            <a:r>
+              <a:rPr lang="en-US" sz="2400" b="1" dirty="0"/>
+              <a:t>):</a:t>
+            </a:r>
+          </a:p>
+          <a:p>
+            <a:r>
+              <a:rPr lang="en-US" sz="2400" b="1" dirty="0"/>
+              <a:t>   sum = x + y</a:t>
+            </a:r>
+          </a:p>
+          <a:p>
+            <a:r>
+              <a:rPr lang="en-US" sz="2400" b="1" dirty="0"/>
+              <a:t>   return sum</a:t>
+            </a:r>
+          </a:p>
+          <a:p>
+            <a:r>
+              <a:rPr lang="en-US" sz="2400" b="1" dirty="0"/>
+              <a:t>num1 = 5</a:t>
+            </a:r>
+          </a:p>
+          <a:p>
+            <a:r>
+              <a:rPr lang="en-US" sz="2400" b="1" dirty="0"/>
+              <a:t>num2 = 6</a:t>
+            </a:r>
+          </a:p>
+          <a:p>
+            <a:r>
+              <a:rPr lang="en-US" sz="2400" b="1" dirty="0"/>
+              <a:t>print("The sum is", </a:t>
+            </a:r>
+            <a:r>
+              <a:rPr lang="en-US" sz="2400" b="1" dirty="0" err="1"/>
+              <a:t>add_numbers</a:t>
+            </a:r>
+            <a:r>
+              <a:rPr lang="en-US" sz="2400" b="1" dirty="0"/>
+              <a:t>(num1, num2))</a:t>
+            </a:r>
+          </a:p>
+        </p:txBody>
+      </p:sp>
+      <p:sp>
+        <p:nvSpPr>
+          <p:cNvPr id="9" name="Text Box 8"/>
+          <p:cNvSpPr txBox="1"/>
+          <p:nvPr/>
+        </p:nvSpPr>
+        <p:spPr>
+          <a:xfrm>
+            <a:off x="17010" y="87739"/>
+            <a:ext cx="7256780" cy="1322070"/>
+          </a:xfrm>
+          <a:prstGeom prst="rect">
+            <a:avLst/>
+          </a:prstGeom>
+          <a:noFill/>
+          <a:ln w="9525">
+            <a:noFill/>
+          </a:ln>
+        </p:spPr>
+        <p:txBody>
+          <a:bodyPr wrap="none" rtlCol="0" anchor="t">
+            <a:spAutoFit/>
+          </a:bodyPr>
+          <a:lstStyle/>
+          <a:p>
+            <a:pPr lvl="0" algn="l"/>
+            <a:r>
+              <a:rPr lang="en-US" altLang="zh-CN" sz="4000" b="1" dirty="0">
+                <a:solidFill>
+                  <a:srgbClr val="262626"/>
+                </a:solidFill>
+                <a:latin typeface="Arial" panose="020B0604020202020204" pitchFamily="34" charset="0"/>
+                <a:ea typeface="Microsoft YaHei" panose="020B0503020204020204" pitchFamily="34" charset="-122"/>
+                <a:sym typeface="+mn-ea"/>
+              </a:rPr>
+              <a:t>Types of function in python? </a:t>
+            </a:r>
+          </a:p>
+          <a:p>
+            <a:pPr lvl="0" algn="l"/>
+            <a:endParaRPr lang="en-US" altLang="zh-CN" sz="4000" b="1" dirty="0">
+              <a:solidFill>
+                <a:srgbClr val="262626"/>
+              </a:solidFill>
+              <a:latin typeface="Arial" panose="020B0604020202020204" pitchFamily="34" charset="0"/>
+              <a:ea typeface="Microsoft YaHei" panose="020B0503020204020204" pitchFamily="34" charset="-122"/>
+              <a:sym typeface="+mn-ea"/>
+            </a:endParaRPr>
+          </a:p>
+        </p:txBody>
+      </p:sp>
+      <p:sp>
+        <p:nvSpPr>
+          <p:cNvPr id="11" name="Rectangle 10"/>
+          <p:cNvSpPr/>
+          <p:nvPr/>
+        </p:nvSpPr>
+        <p:spPr>
+          <a:xfrm>
+            <a:off x="7872147" y="6324906"/>
+            <a:ext cx="4319853" cy="369332"/>
+          </a:xfrm>
+          <a:prstGeom prst="rect">
+            <a:avLst/>
+          </a:prstGeom>
+        </p:spPr>
+        <p:txBody>
+          <a:bodyPr wrap="square">
+            <a:spAutoFit/>
+          </a:bodyPr>
+          <a:lstStyle/>
+          <a:p>
+            <a:pPr algn="ctr"/>
+            <a:r>
+              <a:rPr lang="en-US" dirty="0">
+                <a:latin typeface="Verdana" panose="020B0604030504040204" pitchFamily="34" charset="0"/>
+                <a:ea typeface="Verdana" panose="020B0604030504040204" pitchFamily="34" charset="0"/>
+              </a:rPr>
+              <a:t>Python </a:t>
+            </a:r>
+            <a:r>
+              <a:rPr lang="en-US" dirty="0" smtClean="0">
+                <a:latin typeface="Verdana" panose="020B0604030504040204" pitchFamily="34" charset="0"/>
+                <a:ea typeface="Verdana" panose="020B0604030504040204" pitchFamily="34" charset="0"/>
+              </a:rPr>
+              <a:t>Function-Modules-Packages</a:t>
+            </a:r>
+            <a:endParaRPr lang="en-US" dirty="0">
+              <a:latin typeface="Verdana" panose="020B0604030504040204" pitchFamily="34" charset="0"/>
+              <a:ea typeface="Verdana" panose="020B0604030504040204" pitchFamily="34" charset="0"/>
+            </a:endParaRPr>
+          </a:p>
+        </p:txBody>
+      </p:sp>
+    </p:spTree>
+    <p:extLst>
+      <p:ext uri="{BB962C8B-B14F-4D97-AF65-F5344CB8AC3E}">
+        <p14:creationId xmlns:p14="http://schemas.microsoft.com/office/powerpoint/2010/main" val="3723179510"/>
+      </p:ext>
+    </p:extLst>
+  </p:cSld>
+  <p:clrMapOvr>
+    <a:masterClrMapping/>
+  </p:clrMapOvr>
+  <p:timing>
+    <p:tnLst>
+      <p:par>
+        <p:cTn id="1" dur="indefinite" restart="never" nodeType="tmRoot"/>
+      </p:par>
+    </p:tnLst>
+  </p:timing>
+</p:sld>
+</file>
+
+<file path=ppt/slides/slide6.xml><?xml version="1.0" encoding="utf-8"?>
+<p:sld xmlns:a="http://schemas.openxmlformats.org/drawingml/2006/main" xmlns:r="http://schemas.openxmlformats.org/officeDocument/2006/relationships" xmlns:p="http://schemas.openxmlformats.org/presentationml/2006/main">
+  <p:cSld>
+    <p:spTree>
+      <p:nvGrpSpPr>
+        <p:cNvPr id="1" name=""/>
+        <p:cNvGrpSpPr/>
+        <p:nvPr/>
+      </p:nvGrpSpPr>
+      <p:grpSpPr>
+        <a:xfrm>
+          <a:off x="0" y="0"/>
+          <a:ext cx="0" cy="0"/>
+          <a:chOff x="0" y="0"/>
+          <a:chExt cx="0" cy="0"/>
+        </a:xfrm>
+      </p:grpSpPr>
+      <p:sp>
+        <p:nvSpPr>
+          <p:cNvPr id="2" name="直角三角形 1"/>
+          <p:cNvSpPr/>
+          <p:nvPr/>
+        </p:nvSpPr>
+        <p:spPr>
+          <a:xfrm flipH="1" flipV="1">
+            <a:off x="4076700" y="0"/>
+            <a:ext cx="8115300" cy="6273800"/>
+          </a:xfrm>
+          <a:prstGeom prst="rtTriangle">
+            <a:avLst/>
+          </a:prstGeom>
+          <a:solidFill>
+            <a:srgbClr val="747472"/>
+          </a:solidFill>
+          <a:ln>
+            <a:noFill/>
+          </a:ln>
+        </p:spPr>
+        <p:style>
+          <a:lnRef idx="2">
+            <a:schemeClr val="accent1">
+              <a:shade val="50000"/>
+            </a:schemeClr>
+          </a:lnRef>
+          <a:fillRef idx="1">
+            <a:schemeClr val="accent1"/>
+          </a:fillRef>
+          <a:effectRef idx="0">
+            <a:schemeClr val="accent1"/>
+          </a:effectRef>
+          <a:fontRef idx="minor">
+            <a:schemeClr val="lt1"/>
+          </a:fontRef>
+        </p:style>
+        <p:txBody>
+          <a:bodyPr anchor="ctr"/>
+          <a:lstStyle/>
+          <a:p>
+            <a:pPr marL="0" marR="0" lvl="0" indent="0" algn="ctr" defTabSz="914400" rtl="0" eaLnBrk="1" fontAlgn="auto" latinLnBrk="0" hangingPunct="1">
+              <a:lnSpc>
+                <a:spcPct val="100000"/>
+              </a:lnSpc>
+              <a:spcBef>
+                <a:spcPts val="0"/>
+              </a:spcBef>
+              <a:spcAft>
+                <a:spcPts val="0"/>
+              </a:spcAft>
+              <a:buClrTx/>
+              <a:buSzTx/>
+              <a:buFontTx/>
+              <a:buNone/>
+              <a:defRPr/>
+            </a:pPr>
+            <a:endParaRPr kumimoji="0" lang="zh-CN" altLang="en-US" sz="1800" b="0" i="0" u="none" strike="noStrike" kern="1200" cap="none" spc="0" normalizeH="0" baseline="0" noProof="0">
+              <a:ln>
+                <a:noFill/>
+              </a:ln>
+              <a:solidFill>
+                <a:schemeClr val="lt1"/>
+              </a:solidFill>
+              <a:effectLst/>
+              <a:uLnTx/>
+              <a:uFillTx/>
+              <a:latin typeface="+mn-lt"/>
+              <a:ea typeface="+mn-ea"/>
+              <a:cs typeface="+mn-cs"/>
+            </a:endParaRPr>
+          </a:p>
+        </p:txBody>
+      </p:sp>
+      <p:sp>
+        <p:nvSpPr>
+          <p:cNvPr id="3" name="等腰三角形 2"/>
+          <p:cNvSpPr/>
+          <p:nvPr/>
+        </p:nvSpPr>
+        <p:spPr>
+          <a:xfrm rot="19088536">
+            <a:off x="7283450" y="-541337"/>
+            <a:ext cx="2414588" cy="9158288"/>
+          </a:xfrm>
+          <a:custGeom>
+            <a:avLst/>
+            <a:gdLst>
+              <a:gd name="connsiteX0" fmla="*/ 0 w 1117600"/>
+              <a:gd name="connsiteY0" fmla="*/ 5702300 h 5702300"/>
+              <a:gd name="connsiteX1" fmla="*/ 558800 w 1117600"/>
+              <a:gd name="connsiteY1" fmla="*/ 0 h 5702300"/>
+              <a:gd name="connsiteX2" fmla="*/ 1117600 w 1117600"/>
+              <a:gd name="connsiteY2" fmla="*/ 5702300 h 5702300"/>
+              <a:gd name="connsiteX3" fmla="*/ 0 w 1117600"/>
+              <a:gd name="connsiteY3" fmla="*/ 5702300 h 5702300"/>
+              <a:gd name="connsiteX0-1" fmla="*/ 0 w 2070142"/>
+              <a:gd name="connsiteY0-2" fmla="*/ 5702300 h 7817508"/>
+              <a:gd name="connsiteX1-3" fmla="*/ 558800 w 2070142"/>
+              <a:gd name="connsiteY1-4" fmla="*/ 0 h 7817508"/>
+              <a:gd name="connsiteX2-5" fmla="*/ 2070142 w 2070142"/>
+              <a:gd name="connsiteY2-6" fmla="*/ 7817508 h 7817508"/>
+              <a:gd name="connsiteX3-7" fmla="*/ 0 w 2070142"/>
+              <a:gd name="connsiteY3-8" fmla="*/ 5702300 h 7817508"/>
+              <a:gd name="connsiteX0-9" fmla="*/ 0 w 2414257"/>
+              <a:gd name="connsiteY0-10" fmla="*/ 6314781 h 7817508"/>
+              <a:gd name="connsiteX1-11" fmla="*/ 902915 w 2414257"/>
+              <a:gd name="connsiteY1-12" fmla="*/ 0 h 7817508"/>
+              <a:gd name="connsiteX2-13" fmla="*/ 2414257 w 2414257"/>
+              <a:gd name="connsiteY2-14" fmla="*/ 7817508 h 7817508"/>
+              <a:gd name="connsiteX3-15" fmla="*/ 0 w 2414257"/>
+              <a:gd name="connsiteY3-16" fmla="*/ 6314781 h 7817508"/>
+              <a:gd name="connsiteX0-17" fmla="*/ 0 w 2414257"/>
+              <a:gd name="connsiteY0-18" fmla="*/ 6314781 h 7817508"/>
+              <a:gd name="connsiteX1-19" fmla="*/ 902915 w 2414257"/>
+              <a:gd name="connsiteY1-20" fmla="*/ 0 h 7817508"/>
+              <a:gd name="connsiteX2-21" fmla="*/ 2414257 w 2414257"/>
+              <a:gd name="connsiteY2-22" fmla="*/ 7817508 h 7817508"/>
+              <a:gd name="connsiteX3-23" fmla="*/ 1191330 w 2414257"/>
+              <a:gd name="connsiteY3-24" fmla="*/ 7039908 h 7817508"/>
+              <a:gd name="connsiteX4" fmla="*/ 0 w 2414257"/>
+              <a:gd name="connsiteY4" fmla="*/ 6314781 h 7817508"/>
+              <a:gd name="connsiteX0-25" fmla="*/ 0 w 2414257"/>
+              <a:gd name="connsiteY0-26" fmla="*/ 6314781 h 8205626"/>
+              <a:gd name="connsiteX1-27" fmla="*/ 902915 w 2414257"/>
+              <a:gd name="connsiteY1-28" fmla="*/ 0 h 8205626"/>
+              <a:gd name="connsiteX2-29" fmla="*/ 2414257 w 2414257"/>
+              <a:gd name="connsiteY2-30" fmla="*/ 7817508 h 8205626"/>
+              <a:gd name="connsiteX3-31" fmla="*/ 2073759 w 2414257"/>
+              <a:gd name="connsiteY3-32" fmla="*/ 8205626 h 8205626"/>
+              <a:gd name="connsiteX4-33" fmla="*/ 0 w 2414257"/>
+              <a:gd name="connsiteY4-34" fmla="*/ 6314781 h 8205626"/>
+              <a:gd name="connsiteX0-35" fmla="*/ 0 w 2414257"/>
+              <a:gd name="connsiteY0-36" fmla="*/ 6436203 h 8327048"/>
+              <a:gd name="connsiteX1-37" fmla="*/ 329641 w 2414257"/>
+              <a:gd name="connsiteY1-38" fmla="*/ 0 h 8327048"/>
+              <a:gd name="connsiteX2-39" fmla="*/ 2414257 w 2414257"/>
+              <a:gd name="connsiteY2-40" fmla="*/ 7938930 h 8327048"/>
+              <a:gd name="connsiteX3-41" fmla="*/ 2073759 w 2414257"/>
+              <a:gd name="connsiteY3-42" fmla="*/ 8327048 h 8327048"/>
+              <a:gd name="connsiteX4-43" fmla="*/ 0 w 2414257"/>
+              <a:gd name="connsiteY4-44" fmla="*/ 6436203 h 8327048"/>
+              <a:gd name="connsiteX0-45" fmla="*/ 0 w 2414257"/>
+              <a:gd name="connsiteY0-46" fmla="*/ 6431068 h 8321913"/>
+              <a:gd name="connsiteX1-47" fmla="*/ 563761 w 2414257"/>
+              <a:gd name="connsiteY1-48" fmla="*/ 0 h 8321913"/>
+              <a:gd name="connsiteX2-49" fmla="*/ 2414257 w 2414257"/>
+              <a:gd name="connsiteY2-50" fmla="*/ 7933795 h 8321913"/>
+              <a:gd name="connsiteX3-51" fmla="*/ 2073759 w 2414257"/>
+              <a:gd name="connsiteY3-52" fmla="*/ 8321913 h 8321913"/>
+              <a:gd name="connsiteX4-53" fmla="*/ 0 w 2414257"/>
+              <a:gd name="connsiteY4-54" fmla="*/ 6431068 h 8321913"/>
+              <a:gd name="connsiteX0-55" fmla="*/ 0 w 2414257"/>
+              <a:gd name="connsiteY0-56" fmla="*/ 7267650 h 9158495"/>
+              <a:gd name="connsiteX1-57" fmla="*/ 239027 w 2414257"/>
+              <a:gd name="connsiteY1-58" fmla="*/ 0 h 9158495"/>
+              <a:gd name="connsiteX2-59" fmla="*/ 2414257 w 2414257"/>
+              <a:gd name="connsiteY2-60" fmla="*/ 8770377 h 9158495"/>
+              <a:gd name="connsiteX3-61" fmla="*/ 2073759 w 2414257"/>
+              <a:gd name="connsiteY3-62" fmla="*/ 9158495 h 9158495"/>
+              <a:gd name="connsiteX4-63" fmla="*/ 0 w 2414257"/>
+              <a:gd name="connsiteY4-64" fmla="*/ 7267650 h 9158495"/>
+            </a:gdLst>
+            <a:ahLst/>
+            <a:cxnLst>
+              <a:cxn ang="0">
+                <a:pos x="connsiteX0-1" y="connsiteY0-2"/>
+              </a:cxn>
+              <a:cxn ang="0">
+                <a:pos x="connsiteX1-3" y="connsiteY1-4"/>
+              </a:cxn>
+              <a:cxn ang="0">
+                <a:pos x="connsiteX2-5" y="connsiteY2-6"/>
+              </a:cxn>
+              <a:cxn ang="0">
+                <a:pos x="connsiteX3-7" y="connsiteY3-8"/>
+              </a:cxn>
+              <a:cxn ang="0">
+                <a:pos x="connsiteX4-33" y="connsiteY4-34"/>
+              </a:cxn>
+            </a:cxnLst>
+            <a:rect l="l" t="t" r="r" b="b"/>
+            <a:pathLst>
+              <a:path w="2414257" h="9158495">
+                <a:moveTo>
+                  <a:pt x="0" y="7267650"/>
+                </a:moveTo>
+                <a:lnTo>
+                  <a:pt x="239027" y="0"/>
+                </a:lnTo>
+                <a:lnTo>
+                  <a:pt x="2414257" y="8770377"/>
+                </a:lnTo>
+                <a:lnTo>
+                  <a:pt x="2073759" y="9158495"/>
+                </a:lnTo>
+                <a:lnTo>
+                  <a:pt x="0" y="7267650"/>
+                </a:lnTo>
+                <a:close/>
+              </a:path>
+            </a:pathLst>
+          </a:custGeom>
+          <a:solidFill>
+            <a:srgbClr val="C4C4C4"/>
+          </a:solidFill>
+          <a:ln>
+            <a:noFill/>
+          </a:ln>
+        </p:spPr>
+        <p:style>
+          <a:lnRef idx="2">
+            <a:schemeClr val="accent1">
+              <a:shade val="50000"/>
+            </a:schemeClr>
+          </a:lnRef>
+          <a:fillRef idx="1">
+            <a:schemeClr val="accent1"/>
+          </a:fillRef>
+          <a:effectRef idx="0">
+            <a:schemeClr val="accent1"/>
+          </a:effectRef>
+          <a:fontRef idx="minor">
+            <a:schemeClr val="lt1"/>
+          </a:fontRef>
+        </p:style>
+        <p:txBody>
+          <a:bodyPr anchor="ctr"/>
+          <a:lstStyle/>
+          <a:p>
+            <a:pPr marL="0" marR="0" lvl="0" indent="0" algn="ctr" defTabSz="914400" rtl="0" eaLnBrk="1" fontAlgn="auto" latinLnBrk="0" hangingPunct="1">
+              <a:lnSpc>
+                <a:spcPct val="100000"/>
+              </a:lnSpc>
+              <a:spcBef>
+                <a:spcPts val="0"/>
+              </a:spcBef>
+              <a:spcAft>
+                <a:spcPts val="0"/>
+              </a:spcAft>
+              <a:buClrTx/>
+              <a:buSzTx/>
+              <a:buFontTx/>
+              <a:buNone/>
+              <a:defRPr/>
+            </a:pPr>
+            <a:endParaRPr kumimoji="0" lang="zh-CN" altLang="en-US" sz="1800" b="0" i="0" u="none" strike="noStrike" kern="1200" cap="none" spc="0" normalizeH="0" baseline="0" noProof="0">
+              <a:ln>
+                <a:noFill/>
+              </a:ln>
+              <a:solidFill>
+                <a:schemeClr val="lt1"/>
+              </a:solidFill>
+              <a:effectLst/>
+              <a:uLnTx/>
+              <a:uFillTx/>
+              <a:latin typeface="+mn-lt"/>
+              <a:ea typeface="+mn-ea"/>
+              <a:cs typeface="+mn-cs"/>
+            </a:endParaRPr>
+          </a:p>
+        </p:txBody>
+      </p:sp>
+      <p:sp>
+        <p:nvSpPr>
+          <p:cNvPr id="8" name="任意多边形 7"/>
+          <p:cNvSpPr/>
+          <p:nvPr/>
+        </p:nvSpPr>
+        <p:spPr>
+          <a:xfrm rot="7572289">
+            <a:off x="5132388" y="-1582737"/>
+            <a:ext cx="741363" cy="6269038"/>
+          </a:xfrm>
+          <a:custGeom>
+            <a:avLst/>
+            <a:gdLst>
+              <a:gd name="connsiteX0" fmla="*/ 742650 w 742650"/>
+              <a:gd name="connsiteY0" fmla="*/ 6268899 h 6268899"/>
+              <a:gd name="connsiteX1" fmla="*/ 0 w 742650"/>
+              <a:gd name="connsiteY1" fmla="*/ 5254376 h 6268899"/>
+              <a:gd name="connsiteX2" fmla="*/ 242314 w 742650"/>
+              <a:gd name="connsiteY2" fmla="*/ 0 h 6268899"/>
+            </a:gdLst>
+            <a:ahLst/>
+            <a:cxnLst>
+              <a:cxn ang="0">
+                <a:pos x="connsiteX0" y="connsiteY0"/>
+              </a:cxn>
+              <a:cxn ang="0">
+                <a:pos x="connsiteX1" y="connsiteY1"/>
+              </a:cxn>
+              <a:cxn ang="0">
+                <a:pos x="connsiteX2" y="connsiteY2"/>
+              </a:cxn>
+            </a:cxnLst>
+            <a:rect l="l" t="t" r="r" b="b"/>
+            <a:pathLst>
+              <a:path w="742650" h="6268899">
+                <a:moveTo>
+                  <a:pt x="742650" y="6268899"/>
+                </a:moveTo>
+                <a:lnTo>
+                  <a:pt x="0" y="5254376"/>
+                </a:lnTo>
+                <a:lnTo>
+                  <a:pt x="242314" y="0"/>
+                </a:lnTo>
+                <a:close/>
+              </a:path>
+            </a:pathLst>
+          </a:custGeom>
+          <a:solidFill>
+            <a:srgbClr val="F0B931"/>
+          </a:solidFill>
+          <a:ln>
+            <a:noFill/>
+          </a:ln>
+        </p:spPr>
+        <p:style>
+          <a:lnRef idx="2">
+            <a:schemeClr val="accent1">
+              <a:shade val="50000"/>
+            </a:schemeClr>
+          </a:lnRef>
+          <a:fillRef idx="1">
+            <a:schemeClr val="accent1"/>
+          </a:fillRef>
+          <a:effectRef idx="0">
+            <a:schemeClr val="accent1"/>
+          </a:effectRef>
+          <a:fontRef idx="minor">
+            <a:schemeClr val="lt1"/>
+          </a:fontRef>
+        </p:style>
+        <p:txBody>
+          <a:bodyPr anchor="ctr"/>
+          <a:lstStyle/>
+          <a:p>
+            <a:pPr marL="0" marR="0" lvl="0" indent="0" algn="ctr" defTabSz="914400" rtl="0" eaLnBrk="1" fontAlgn="auto" latinLnBrk="0" hangingPunct="1">
+              <a:lnSpc>
+                <a:spcPct val="100000"/>
+              </a:lnSpc>
+              <a:spcBef>
+                <a:spcPts val="0"/>
+              </a:spcBef>
+              <a:spcAft>
+                <a:spcPts val="0"/>
+              </a:spcAft>
+              <a:buClrTx/>
+              <a:buSzTx/>
+              <a:buFontTx/>
+              <a:buNone/>
+              <a:defRPr/>
+            </a:pPr>
+            <a:endParaRPr kumimoji="0" lang="zh-CN" altLang="en-US" sz="1800" b="0" i="0" u="none" strike="noStrike" kern="1200" cap="none" spc="0" normalizeH="0" baseline="0" noProof="0">
+              <a:ln>
+                <a:noFill/>
+              </a:ln>
+              <a:solidFill>
+                <a:schemeClr val="lt1"/>
+              </a:solidFill>
+              <a:effectLst/>
+              <a:uLnTx/>
+              <a:uFillTx/>
+              <a:latin typeface="+mn-lt"/>
+              <a:ea typeface="+mn-ea"/>
+              <a:cs typeface="+mn-cs"/>
+            </a:endParaRPr>
+          </a:p>
+        </p:txBody>
+      </p:sp>
+      <p:pic>
+        <p:nvPicPr>
+          <p:cNvPr id="5" name="Picture 4" descr="python-logo"/>
+          <p:cNvPicPr>
+            <a:picLocks noChangeAspect="1"/>
+          </p:cNvPicPr>
+          <p:nvPr/>
+        </p:nvPicPr>
+        <p:blipFill>
           <a:blip r:embed="rId3"/>
           <a:stretch>
             <a:fillRect/>
@@ -19130,7 +23172,7 @@
           <a:graphicData uri="http://schemas.openxmlformats.org/presentationml/2006/ole">
             <mc:AlternateContent xmlns:mc="http://schemas.openxmlformats.org/markup-compatibility/2006">
               <mc:Choice xmlns:v="urn:schemas-microsoft-com:vml" Requires="v">
-                <p:oleObj spid="_x0000_s11294" r:id="rId4" imgW="7496175" imgH="4219575" progId="Paint.Picture">
+                <p:oleObj spid="_x0000_s11301" r:id="rId4" imgW="7496175" imgH="4219575" progId="Paint.Picture">
                   <p:embed/>
                 </p:oleObj>
               </mc:Choice>
